--- a/presentation_pt.pptx
+++ b/presentation_pt.pptx
@@ -17,9 +17,6 @@
     <p:sldId id="267" r:id="rId11"/>
     <p:sldId id="268" r:id="rId12"/>
     <p:sldId id="269" r:id="rId13"/>
-    <p:sldId id="270" r:id="rId14"/>
-    <p:sldId id="271" r:id="rId15"/>
-    <p:sldId id="272" r:id="rId16"/>
   </p:sldIdLst>
   <p:sldSz cx="9144000" cy="6858000" type="screen4x3"/>
   <p:notesSz cx="6858000" cy="9144000"/>
@@ -3386,7 +3383,12 @@
             <p:ph idx="1"/>
           </p:nvPr>
         </p:nvSpPr>
-        <p:spPr/>
+        <p:spPr>
+          <a:xfrm>
+            <a:off x="457200" y="1600201"/>
+            <a:ext cx="8229600" cy="1604140"/>
+          </a:xfrm>
+        </p:spPr>
         <p:txBody>
           <a:bodyPr/>
           <a:lstStyle/>
@@ -3473,6 +3475,334 @@
               <a:t>DataLoader</a:t>
             </a:r>
             <a:endParaRPr dirty="0"/>
+          </a:p>
+        </p:txBody>
+      </p:sp>
+      <p:sp>
+        <p:nvSpPr>
+          <p:cNvPr id="4" name="Content Placeholder 2">
+            <a:extLst>
+              <a:ext uri="{FF2B5EF4-FFF2-40B4-BE49-F238E27FC236}">
+                <a16:creationId xmlns:a16="http://schemas.microsoft.com/office/drawing/2014/main" id="{2A349F57-9F47-244A-7CB9-E713627C95D7}"/>
+              </a:ext>
+            </a:extLst>
+          </p:cNvPr>
+          <p:cNvSpPr txBox="1">
+            <a:spLocks/>
+          </p:cNvSpPr>
+          <p:nvPr/>
+        </p:nvSpPr>
+        <p:spPr>
+          <a:xfrm>
+            <a:off x="457200" y="3808626"/>
+            <a:ext cx="8229600" cy="1658005"/>
+          </a:xfrm>
+          <a:prstGeom prst="rect">
+            <a:avLst/>
+          </a:prstGeom>
+        </p:spPr>
+        <p:txBody>
+          <a:bodyPr vert="horz" lIns="91440" tIns="45720" rIns="91440" bIns="45720" rtlCol="0">
+            <a:normAutofit fontScale="85000" lnSpcReduction="20000"/>
+          </a:bodyPr>
+          <a:lstStyle>
+            <a:lvl1pPr marL="342900" indent="-342900" algn="l" defTabSz="457200" rtl="0" eaLnBrk="1" latinLnBrk="0" hangingPunct="1">
+              <a:spcBef>
+                <a:spcPct val="20000"/>
+              </a:spcBef>
+              <a:buFont typeface="Arial"/>
+              <a:buChar char="•"/>
+              <a:defRPr sz="3200" kern="1200">
+                <a:solidFill>
+                  <a:schemeClr val="tx1"/>
+                </a:solidFill>
+                <a:latin typeface="+mn-lt"/>
+                <a:ea typeface="+mn-ea"/>
+                <a:cs typeface="+mn-cs"/>
+              </a:defRPr>
+            </a:lvl1pPr>
+            <a:lvl2pPr marL="742950" indent="-285750" algn="l" defTabSz="457200" rtl="0" eaLnBrk="1" latinLnBrk="0" hangingPunct="1">
+              <a:spcBef>
+                <a:spcPct val="20000"/>
+              </a:spcBef>
+              <a:buFont typeface="Arial"/>
+              <a:buChar char="–"/>
+              <a:defRPr sz="2800" kern="1200">
+                <a:solidFill>
+                  <a:schemeClr val="tx1"/>
+                </a:solidFill>
+                <a:latin typeface="+mn-lt"/>
+                <a:ea typeface="+mn-ea"/>
+                <a:cs typeface="+mn-cs"/>
+              </a:defRPr>
+            </a:lvl2pPr>
+            <a:lvl3pPr marL="1143000" indent="-228600" algn="l" defTabSz="457200" rtl="0" eaLnBrk="1" latinLnBrk="0" hangingPunct="1">
+              <a:spcBef>
+                <a:spcPct val="20000"/>
+              </a:spcBef>
+              <a:buFont typeface="Arial"/>
+              <a:buChar char="•"/>
+              <a:defRPr sz="2400" kern="1200">
+                <a:solidFill>
+                  <a:schemeClr val="tx1"/>
+                </a:solidFill>
+                <a:latin typeface="+mn-lt"/>
+                <a:ea typeface="+mn-ea"/>
+                <a:cs typeface="+mn-cs"/>
+              </a:defRPr>
+            </a:lvl3pPr>
+            <a:lvl4pPr marL="1600200" indent="-228600" algn="l" defTabSz="457200" rtl="0" eaLnBrk="1" latinLnBrk="0" hangingPunct="1">
+              <a:spcBef>
+                <a:spcPct val="20000"/>
+              </a:spcBef>
+              <a:buFont typeface="Arial"/>
+              <a:buChar char="–"/>
+              <a:defRPr sz="2000" kern="1200">
+                <a:solidFill>
+                  <a:schemeClr val="tx1"/>
+                </a:solidFill>
+                <a:latin typeface="+mn-lt"/>
+                <a:ea typeface="+mn-ea"/>
+                <a:cs typeface="+mn-cs"/>
+              </a:defRPr>
+            </a:lvl4pPr>
+            <a:lvl5pPr marL="2057400" indent="-228600" algn="l" defTabSz="457200" rtl="0" eaLnBrk="1" latinLnBrk="0" hangingPunct="1">
+              <a:spcBef>
+                <a:spcPct val="20000"/>
+              </a:spcBef>
+              <a:buFont typeface="Arial"/>
+              <a:buChar char="»"/>
+              <a:defRPr sz="2000" kern="1200">
+                <a:solidFill>
+                  <a:schemeClr val="tx1"/>
+                </a:solidFill>
+                <a:latin typeface="+mn-lt"/>
+                <a:ea typeface="+mn-ea"/>
+                <a:cs typeface="+mn-cs"/>
+              </a:defRPr>
+            </a:lvl5pPr>
+            <a:lvl6pPr marL="2514600" indent="-228600" algn="l" defTabSz="457200" rtl="0" eaLnBrk="1" latinLnBrk="0" hangingPunct="1">
+              <a:spcBef>
+                <a:spcPct val="20000"/>
+              </a:spcBef>
+              <a:buFont typeface="Arial"/>
+              <a:buChar char="•"/>
+              <a:defRPr sz="2000" kern="1200">
+                <a:solidFill>
+                  <a:schemeClr val="tx1"/>
+                </a:solidFill>
+                <a:latin typeface="+mn-lt"/>
+                <a:ea typeface="+mn-ea"/>
+                <a:cs typeface="+mn-cs"/>
+              </a:defRPr>
+            </a:lvl6pPr>
+            <a:lvl7pPr marL="2971800" indent="-228600" algn="l" defTabSz="457200" rtl="0" eaLnBrk="1" latinLnBrk="0" hangingPunct="1">
+              <a:spcBef>
+                <a:spcPct val="20000"/>
+              </a:spcBef>
+              <a:buFont typeface="Arial"/>
+              <a:buChar char="•"/>
+              <a:defRPr sz="2000" kern="1200">
+                <a:solidFill>
+                  <a:schemeClr val="tx1"/>
+                </a:solidFill>
+                <a:latin typeface="+mn-lt"/>
+                <a:ea typeface="+mn-ea"/>
+                <a:cs typeface="+mn-cs"/>
+              </a:defRPr>
+            </a:lvl7pPr>
+            <a:lvl8pPr marL="3429000" indent="-228600" algn="l" defTabSz="457200" rtl="0" eaLnBrk="1" latinLnBrk="0" hangingPunct="1">
+              <a:spcBef>
+                <a:spcPct val="20000"/>
+              </a:spcBef>
+              <a:buFont typeface="Arial"/>
+              <a:buChar char="•"/>
+              <a:defRPr sz="2000" kern="1200">
+                <a:solidFill>
+                  <a:schemeClr val="tx1"/>
+                </a:solidFill>
+                <a:latin typeface="+mn-lt"/>
+                <a:ea typeface="+mn-ea"/>
+                <a:cs typeface="+mn-cs"/>
+              </a:defRPr>
+            </a:lvl8pPr>
+            <a:lvl9pPr marL="3886200" indent="-228600" algn="l" defTabSz="457200" rtl="0" eaLnBrk="1" latinLnBrk="0" hangingPunct="1">
+              <a:spcBef>
+                <a:spcPct val="20000"/>
+              </a:spcBef>
+              <a:buFont typeface="Arial"/>
+              <a:buChar char="•"/>
+              <a:defRPr sz="2000" kern="1200">
+                <a:solidFill>
+                  <a:schemeClr val="tx1"/>
+                </a:solidFill>
+                <a:latin typeface="+mn-lt"/>
+                <a:ea typeface="+mn-ea"/>
+                <a:cs typeface="+mn-cs"/>
+              </a:defRPr>
+            </a:lvl9pPr>
+          </a:lstStyle>
+          <a:p>
+            <a:pPr marL="0" indent="0">
+              <a:buNone/>
+            </a:pPr>
+            <a:r>
+              <a:rPr lang="en-US" sz="2000" dirty="0"/>
+              <a:t>1. SELECT * FROM authors;</a:t>
+            </a:r>
+          </a:p>
+          <a:p>
+            <a:pPr marL="0" indent="0">
+              <a:buNone/>
+            </a:pPr>
+            <a:r>
+              <a:rPr lang="en-US" sz="2000" dirty="0"/>
+              <a:t>2. Para </a:t>
+            </a:r>
+            <a:r>
+              <a:rPr lang="en-US" sz="2000" dirty="0" err="1"/>
+              <a:t>cada</a:t>
+            </a:r>
+            <a:r>
+              <a:rPr lang="en-US" sz="2000" dirty="0"/>
+              <a:t> </a:t>
+            </a:r>
+            <a:r>
+              <a:rPr lang="en-US" sz="2000" dirty="0" err="1"/>
+              <a:t>autor</a:t>
+            </a:r>
+            <a:r>
+              <a:rPr lang="en-US" sz="2000" dirty="0"/>
+              <a:t>:</a:t>
+            </a:r>
+          </a:p>
+          <a:p>
+            <a:pPr marL="0" indent="0">
+              <a:buNone/>
+            </a:pPr>
+            <a:r>
+              <a:rPr lang="en-US" sz="2000" dirty="0"/>
+              <a:t>   → SELECT * FROM books WHERE </a:t>
+            </a:r>
+            <a:r>
+              <a:rPr lang="en-US" sz="2000" dirty="0" err="1"/>
+              <a:t>author_id</a:t>
+            </a:r>
+            <a:r>
+              <a:rPr lang="en-US" sz="2000" dirty="0"/>
+              <a:t> = ?</a:t>
+            </a:r>
+          </a:p>
+          <a:p>
+            <a:pPr marL="0" indent="0">
+              <a:buNone/>
+            </a:pPr>
+            <a:r>
+              <a:rPr lang="en-US" sz="2000" dirty="0"/>
+              <a:t>   → SELECT * FROM books WHERE </a:t>
+            </a:r>
+            <a:r>
+              <a:rPr lang="en-US" sz="2000" dirty="0" err="1"/>
+              <a:t>author_id</a:t>
+            </a:r>
+            <a:r>
+              <a:rPr lang="en-US" sz="2000" dirty="0"/>
+              <a:t> = ?</a:t>
+            </a:r>
+          </a:p>
+          <a:p>
+            <a:pPr marL="0" indent="0">
+              <a:buNone/>
+            </a:pPr>
+            <a:r>
+              <a:rPr lang="en-US" sz="2000" dirty="0"/>
+              <a:t>   ...</a:t>
+            </a:r>
+          </a:p>
+          <a:p>
+            <a:pPr marL="0" indent="0">
+              <a:buNone/>
+            </a:pPr>
+            <a:r>
+              <a:rPr lang="en-US" sz="2000" dirty="0" err="1"/>
+              <a:t>Resultado</a:t>
+            </a:r>
+            <a:r>
+              <a:rPr lang="en-US" sz="2000" dirty="0"/>
+              <a:t>: 1 + N queries </a:t>
+            </a:r>
+            <a:r>
+              <a:rPr lang="en-US" sz="2000" dirty="0" err="1"/>
+              <a:t>ao</a:t>
+            </a:r>
+            <a:r>
+              <a:rPr lang="en-US" sz="2000" dirty="0"/>
+              <a:t> banco de dados</a:t>
+            </a:r>
+          </a:p>
+          <a:p>
+            <a:pPr marL="0" marR="0" indent="0">
+              <a:buNone/>
+            </a:pPr>
+            <a:endParaRPr lang="en-US" sz="1800" dirty="0"/>
+          </a:p>
+          <a:p>
+            <a:pPr marL="0" marR="0" indent="0">
+              <a:buNone/>
+            </a:pPr>
+            <a:endParaRPr lang="en-US" sz="1800" dirty="0"/>
+          </a:p>
+        </p:txBody>
+      </p:sp>
+      <p:sp>
+        <p:nvSpPr>
+          <p:cNvPr id="5" name="Title 1">
+            <a:extLst>
+              <a:ext uri="{FF2B5EF4-FFF2-40B4-BE49-F238E27FC236}">
+                <a16:creationId xmlns:a16="http://schemas.microsoft.com/office/drawing/2014/main" id="{73BE0F19-C739-0E76-AC76-A5FE02CDD4A0}"/>
+              </a:ext>
+            </a:extLst>
+          </p:cNvPr>
+          <p:cNvSpPr txBox="1">
+            <a:spLocks/>
+          </p:cNvSpPr>
+          <p:nvPr/>
+        </p:nvSpPr>
+        <p:spPr>
+          <a:xfrm>
+            <a:off x="457200" y="3288420"/>
+            <a:ext cx="8229600" cy="520206"/>
+          </a:xfrm>
+          <a:prstGeom prst="rect">
+            <a:avLst/>
+          </a:prstGeom>
+        </p:spPr>
+        <p:txBody>
+          <a:bodyPr vert="horz" lIns="91440" tIns="45720" rIns="91440" bIns="45720" rtlCol="0" anchor="ctr">
+            <a:normAutofit fontScale="77500" lnSpcReduction="20000"/>
+          </a:bodyPr>
+          <a:lstStyle>
+            <a:lvl1pPr algn="ctr" defTabSz="457200" rtl="0" eaLnBrk="1" latinLnBrk="0" hangingPunct="1">
+              <a:spcBef>
+                <a:spcPct val="0"/>
+              </a:spcBef>
+              <a:buNone/>
+              <a:defRPr sz="4400" kern="1200">
+                <a:solidFill>
+                  <a:schemeClr val="tx1"/>
+                </a:solidFill>
+                <a:latin typeface="+mj-lt"/>
+                <a:ea typeface="+mj-ea"/>
+                <a:cs typeface="+mj-cs"/>
+              </a:defRPr>
+            </a:lvl1pPr>
+          </a:lstStyle>
+          <a:p>
+            <a:r>
+              <a:rPr lang="en-US" dirty="0" err="1"/>
+              <a:t>Exemplo</a:t>
+            </a:r>
+            <a:endParaRPr lang="en-US" dirty="0"/>
           </a:p>
         </p:txBody>
       </p:sp>
@@ -3663,372 +3993,6 @@
 </p:sld>
 </file>
 
-<file path=ppt/slides/slide13.xml><?xml version="1.0" encoding="utf-8"?>
-<p:sld xmlns:a="http://schemas.openxmlformats.org/drawingml/2006/main" xmlns:r="http://schemas.openxmlformats.org/officeDocument/2006/relationships" xmlns:p="http://schemas.openxmlformats.org/presentationml/2006/main">
-  <p:cSld>
-    <p:spTree>
-      <p:nvGrpSpPr>
-        <p:cNvPr id="1" name=""/>
-        <p:cNvGrpSpPr/>
-        <p:nvPr/>
-      </p:nvGrpSpPr>
-      <p:grpSpPr>
-        <a:xfrm>
-          <a:off x="0" y="0"/>
-          <a:ext cx="0" cy="0"/>
-          <a:chOff x="0" y="0"/>
-          <a:chExt cx="0" cy="0"/>
-        </a:xfrm>
-      </p:grpSpPr>
-      <p:sp>
-        <p:nvSpPr>
-          <p:cNvPr id="2" name="Title 1"/>
-          <p:cNvSpPr>
-            <a:spLocks noGrp="1"/>
-          </p:cNvSpPr>
-          <p:nvPr>
-            <p:ph type="title"/>
-          </p:nvPr>
-        </p:nvSpPr>
-        <p:spPr/>
-        <p:txBody>
-          <a:bodyPr/>
-          <a:lstStyle/>
-          <a:p>
-            <a:r>
-              <a:t>11. Referências</a:t>
-            </a:r>
-          </a:p>
-        </p:txBody>
-      </p:sp>
-      <p:sp>
-        <p:nvSpPr>
-          <p:cNvPr id="3" name="Content Placeholder 2"/>
-          <p:cNvSpPr>
-            <a:spLocks noGrp="1"/>
-          </p:cNvSpPr>
-          <p:nvPr>
-            <p:ph idx="1"/>
-          </p:nvPr>
-        </p:nvSpPr>
-        <p:spPr/>
-        <p:txBody>
-          <a:bodyPr/>
-          <a:lstStyle/>
-          <a:p>
-            <a:endParaRPr dirty="0"/>
-          </a:p>
-          <a:p>
-            <a:pPr>
-              <a:defRPr sz="1800"/>
-            </a:pPr>
-            <a:r>
-              <a:rPr dirty="0" err="1"/>
-              <a:t>graphql.org</a:t>
-            </a:r>
-            <a:endParaRPr dirty="0"/>
-          </a:p>
-          <a:p>
-            <a:pPr>
-              <a:defRPr sz="1800"/>
-            </a:pPr>
-            <a:r>
-              <a:rPr dirty="0" err="1"/>
-              <a:t>spring.io</a:t>
-            </a:r>
-            <a:r>
-              <a:rPr dirty="0"/>
-              <a:t>/projects/spring-</a:t>
-            </a:r>
-            <a:r>
-              <a:rPr dirty="0" err="1"/>
-              <a:t>graphql</a:t>
-            </a:r>
-            <a:endParaRPr dirty="0"/>
-          </a:p>
-          <a:p>
-            <a:pPr>
-              <a:defRPr sz="1800"/>
-            </a:pPr>
-            <a:r>
-              <a:rPr dirty="0" err="1"/>
-              <a:t>baeldung.com</a:t>
-            </a:r>
-            <a:r>
-              <a:rPr dirty="0"/>
-              <a:t>/spring-</a:t>
-            </a:r>
-            <a:r>
-              <a:rPr dirty="0" err="1"/>
-              <a:t>graphql</a:t>
-            </a:r>
-            <a:endParaRPr dirty="0"/>
-          </a:p>
-          <a:p>
-            <a:pPr>
-              <a:defRPr sz="1800"/>
-            </a:pPr>
-            <a:r>
-              <a:rPr dirty="0" err="1"/>
-              <a:t>hygraph.com</a:t>
-            </a:r>
-            <a:r>
-              <a:rPr dirty="0"/>
-              <a:t>/blog/graphql-n-1-problem</a:t>
-            </a:r>
-          </a:p>
-          <a:p>
-            <a:pPr>
-              <a:defRPr sz="1800"/>
-            </a:pPr>
-            <a:r>
-              <a:rPr dirty="0" err="1"/>
-              <a:t>apollographql.com</a:t>
-            </a:r>
-            <a:endParaRPr dirty="0"/>
-          </a:p>
-          <a:p>
-            <a:pPr>
-              <a:defRPr sz="1800"/>
-            </a:pPr>
-            <a:r>
-              <a:rPr dirty="0" err="1"/>
-              <a:t>graphql.org</a:t>
-            </a:r>
-            <a:r>
-              <a:rPr dirty="0"/>
-              <a:t>/learn/schema/</a:t>
-            </a:r>
-          </a:p>
-        </p:txBody>
-      </p:sp>
-    </p:spTree>
-  </p:cSld>
-  <p:clrMapOvr>
-    <a:masterClrMapping/>
-  </p:clrMapOvr>
-</p:sld>
-</file>
-
-<file path=ppt/slides/slide14.xml><?xml version="1.0" encoding="utf-8"?>
-<p:sld xmlns:a="http://schemas.openxmlformats.org/drawingml/2006/main" xmlns:r="http://schemas.openxmlformats.org/officeDocument/2006/relationships" xmlns:p="http://schemas.openxmlformats.org/presentationml/2006/main">
-  <p:cSld>
-    <p:spTree>
-      <p:nvGrpSpPr>
-        <p:cNvPr id="1" name=""/>
-        <p:cNvGrpSpPr/>
-        <p:nvPr/>
-      </p:nvGrpSpPr>
-      <p:grpSpPr>
-        <a:xfrm>
-          <a:off x="0" y="0"/>
-          <a:ext cx="0" cy="0"/>
-          <a:chOff x="0" y="0"/>
-          <a:chExt cx="0" cy="0"/>
-        </a:xfrm>
-      </p:grpSpPr>
-      <p:sp>
-        <p:nvSpPr>
-          <p:cNvPr id="2" name="Title 1"/>
-          <p:cNvSpPr>
-            <a:spLocks noGrp="1"/>
-          </p:cNvSpPr>
-          <p:nvPr>
-            <p:ph type="title"/>
-          </p:nvPr>
-        </p:nvSpPr>
-        <p:spPr/>
-        <p:txBody>
-          <a:bodyPr>
-            <a:normAutofit fontScale="90000"/>
-          </a:bodyPr>
-          <a:lstStyle/>
-          <a:p>
-            <a:r>
-              <a:t>Exemplo de Resolver com DataLoader</a:t>
-            </a:r>
-          </a:p>
-        </p:txBody>
-      </p:sp>
-      <p:pic>
-        <p:nvPicPr>
-          <p:cNvPr id="3" name="Picture 2" descr="resolver_code_image.png"/>
-          <p:cNvPicPr>
-            <a:picLocks noChangeAspect="1"/>
-          </p:cNvPicPr>
-          <p:nvPr/>
-        </p:nvPicPr>
-        <p:blipFill>
-          <a:blip r:embed="rId2"/>
-          <a:stretch>
-            <a:fillRect/>
-          </a:stretch>
-        </p:blipFill>
-        <p:spPr>
-          <a:xfrm>
-            <a:off x="704193" y="1371600"/>
-            <a:ext cx="7830209" cy="2296510"/>
-          </a:xfrm>
-          <a:prstGeom prst="rect">
-            <a:avLst/>
-          </a:prstGeom>
-        </p:spPr>
-      </p:pic>
-    </p:spTree>
-  </p:cSld>
-  <p:clrMapOvr>
-    <a:masterClrMapping/>
-  </p:clrMapOvr>
-</p:sld>
-</file>
-
-<file path=ppt/slides/slide15.xml><?xml version="1.0" encoding="utf-8"?>
-<p:sld xmlns:a="http://schemas.openxmlformats.org/drawingml/2006/main" xmlns:r="http://schemas.openxmlformats.org/officeDocument/2006/relationships" xmlns:p="http://schemas.openxmlformats.org/presentationml/2006/main">
-  <p:cSld>
-    <p:spTree>
-      <p:nvGrpSpPr>
-        <p:cNvPr id="1" name=""/>
-        <p:cNvGrpSpPr/>
-        <p:nvPr/>
-      </p:nvGrpSpPr>
-      <p:grpSpPr>
-        <a:xfrm>
-          <a:off x="0" y="0"/>
-          <a:ext cx="0" cy="0"/>
-          <a:chOff x="0" y="0"/>
-          <a:chExt cx="0" cy="0"/>
-        </a:xfrm>
-      </p:grpSpPr>
-      <p:sp>
-        <p:nvSpPr>
-          <p:cNvPr id="2" name="Title 1"/>
-          <p:cNvSpPr>
-            <a:spLocks noGrp="1"/>
-          </p:cNvSpPr>
-          <p:nvPr>
-            <p:ph type="title"/>
-          </p:nvPr>
-        </p:nvSpPr>
-        <p:spPr/>
-        <p:txBody>
-          <a:bodyPr/>
-          <a:lstStyle/>
-          <a:p>
-            <a:r>
-              <a:t>Problema N+1 – Diagrama Visual</a:t>
-            </a:r>
-          </a:p>
-        </p:txBody>
-      </p:sp>
-      <p:sp>
-        <p:nvSpPr>
-          <p:cNvPr id="3" name="Content Placeholder 2"/>
-          <p:cNvSpPr>
-            <a:spLocks noGrp="1"/>
-          </p:cNvSpPr>
-          <p:nvPr>
-            <p:ph idx="1"/>
-          </p:nvPr>
-        </p:nvSpPr>
-        <p:spPr/>
-        <p:txBody>
-          <a:bodyPr>
-            <a:normAutofit fontScale="92500"/>
-          </a:bodyPr>
-          <a:lstStyle/>
-          <a:p>
-            <a:endParaRPr dirty="0"/>
-          </a:p>
-          <a:p>
-            <a:r>
-              <a:rPr dirty="0"/>
-              <a:t>1. SELECT * FROM authors;</a:t>
-            </a:r>
-          </a:p>
-          <a:p>
-            <a:r>
-              <a:rPr dirty="0"/>
-              <a:t>2. Para </a:t>
-            </a:r>
-            <a:r>
-              <a:rPr dirty="0" err="1"/>
-              <a:t>cada</a:t>
-            </a:r>
-            <a:r>
-              <a:rPr dirty="0"/>
-              <a:t> </a:t>
-            </a:r>
-            <a:r>
-              <a:rPr dirty="0" err="1"/>
-              <a:t>autor</a:t>
-            </a:r>
-            <a:r>
-              <a:rPr dirty="0"/>
-              <a:t>:</a:t>
-            </a:r>
-          </a:p>
-          <a:p>
-            <a:r>
-              <a:rPr dirty="0"/>
-              <a:t>   → SELECT * FROM books WHERE </a:t>
-            </a:r>
-            <a:r>
-              <a:rPr dirty="0" err="1"/>
-              <a:t>author_id</a:t>
-            </a:r>
-            <a:r>
-              <a:rPr dirty="0"/>
-              <a:t> = ?</a:t>
-            </a:r>
-          </a:p>
-          <a:p>
-            <a:r>
-              <a:rPr dirty="0"/>
-              <a:t>   → SELECT * FROM books WHERE </a:t>
-            </a:r>
-            <a:r>
-              <a:rPr dirty="0" err="1"/>
-              <a:t>author_id</a:t>
-            </a:r>
-            <a:r>
-              <a:rPr dirty="0"/>
-              <a:t> = ?</a:t>
-            </a:r>
-          </a:p>
-          <a:p>
-            <a:r>
-              <a:rPr dirty="0"/>
-              <a:t>   ...</a:t>
-            </a:r>
-          </a:p>
-          <a:p>
-            <a:r>
-              <a:rPr dirty="0" err="1"/>
-              <a:t>Resultado</a:t>
-            </a:r>
-            <a:r>
-              <a:rPr dirty="0"/>
-              <a:t>: 1 + N queries </a:t>
-            </a:r>
-            <a:r>
-              <a:rPr dirty="0" err="1"/>
-              <a:t>ao</a:t>
-            </a:r>
-            <a:r>
-              <a:rPr dirty="0"/>
-              <a:t> banco de dados</a:t>
-            </a:r>
-          </a:p>
-        </p:txBody>
-      </p:sp>
-    </p:spTree>
-  </p:cSld>
-  <p:clrMapOvr>
-    <a:masterClrMapping/>
-  </p:clrMapOvr>
-</p:sld>
-</file>
-
 <file path=ppt/slides/slide2.xml><?xml version="1.0" encoding="utf-8"?>
 <p:sld xmlns:a="http://schemas.openxmlformats.org/drawingml/2006/main" xmlns:r="http://schemas.openxmlformats.org/officeDocument/2006/relationships" xmlns:p="http://schemas.openxmlformats.org/presentationml/2006/main">
   <p:cSld>
@@ -4240,22 +4204,7 @@
               <a:t>10. </a:t>
             </a:r>
             <a:r>
-              <a:rPr dirty="0" err="1"/>
               <a:t>Conclusão</a:t>
-            </a:r>
-            <a:endParaRPr dirty="0"/>
-          </a:p>
-          <a:p>
-            <a:pPr>
-              <a:defRPr sz="1800"/>
-            </a:pPr>
-            <a:r>
-              <a:rPr dirty="0"/>
-              <a:t>11. </a:t>
-            </a:r>
-            <a:r>
-              <a:rPr dirty="0" err="1"/>
-              <a:t>Referências</a:t>
             </a:r>
             <a:endParaRPr dirty="0"/>
           </a:p>
@@ -5006,7 +4955,7 @@
         </p:nvSpPr>
         <p:spPr>
           <a:xfrm>
-            <a:off x="457200" y="3204340"/>
+            <a:off x="457200" y="3288420"/>
             <a:ext cx="8229600" cy="520206"/>
           </a:xfrm>
           <a:prstGeom prst="rect">
@@ -5066,7 +5015,7 @@
         </p:nvSpPr>
         <p:spPr>
           <a:xfrm>
-            <a:off x="457200" y="3778467"/>
+            <a:off x="457200" y="3862547"/>
             <a:ext cx="8229600" cy="1445172"/>
           </a:xfrm>
           <a:prstGeom prst="rect">
@@ -5705,7 +5654,7 @@
         </p:nvSpPr>
         <p:spPr>
           <a:xfrm>
-            <a:off x="457200" y="3204340"/>
+            <a:off x="457200" y="3288420"/>
             <a:ext cx="8229600" cy="520206"/>
           </a:xfrm>
           <a:prstGeom prst="rect">
@@ -5733,7 +5682,6 @@
             </a:lvl1pPr>
           </a:lstStyle>
           <a:p>
-            <a:pPr algn="l"/>
             <a:r>
               <a:rPr lang="en-US" dirty="0" err="1"/>
               <a:t>Exemplo</a:t>
@@ -5758,7 +5706,7 @@
         </p:nvSpPr>
         <p:spPr>
           <a:xfrm>
-            <a:off x="457200" y="3662856"/>
+            <a:off x="457200" y="3746936"/>
             <a:ext cx="8229600" cy="2243957"/>
           </a:xfrm>
           <a:prstGeom prst="rect">
@@ -6216,7 +6164,7 @@
         </p:nvSpPr>
         <p:spPr>
           <a:xfrm>
-            <a:off x="457200" y="3662857"/>
+            <a:off x="457200" y="3746937"/>
             <a:ext cx="8229600" cy="1445172"/>
           </a:xfrm>
           <a:prstGeom prst="rect">
@@ -6476,7 +6424,7 @@
         </p:nvSpPr>
         <p:spPr>
           <a:xfrm>
-            <a:off x="457200" y="3204340"/>
+            <a:off x="457200" y="3288420"/>
             <a:ext cx="8229600" cy="520206"/>
           </a:xfrm>
           <a:prstGeom prst="rect">
@@ -6692,7 +6640,7 @@
         </p:nvSpPr>
         <p:spPr>
           <a:xfrm>
-            <a:off x="457200" y="3724546"/>
+            <a:off x="457200" y="3808626"/>
             <a:ext cx="8229600" cy="1658005"/>
           </a:xfrm>
           <a:prstGeom prst="rect">
@@ -7051,7 +6999,7 @@
         </p:nvSpPr>
         <p:spPr>
           <a:xfrm>
-            <a:off x="457200" y="3204340"/>
+            <a:off x="457200" y="3288420"/>
             <a:ext cx="8229600" cy="520206"/>
           </a:xfrm>
           <a:prstGeom prst="rect">

--- a/presentation_pt.pptx
+++ b/presentation_pt.pptx
@@ -313,7 +313,7 @@
           <a:p>
             <a:fld id="{5BCAD085-E8A6-8845-BD4E-CB4CCA059FC4}" type="datetimeFigureOut">
               <a:rPr lang="en-US" smtClean="0"/>
-              <a:t>3/27/25</a:t>
+              <a:t>3/28/25</a:t>
             </a:fld>
             <a:endParaRPr lang="en-US"/>
           </a:p>
@@ -481,7 +481,7 @@
           <a:p>
             <a:fld id="{5BCAD085-E8A6-8845-BD4E-CB4CCA059FC4}" type="datetimeFigureOut">
               <a:rPr lang="en-US" smtClean="0"/>
-              <a:t>3/27/25</a:t>
+              <a:t>3/28/25</a:t>
             </a:fld>
             <a:endParaRPr lang="en-US"/>
           </a:p>
@@ -659,7 +659,7 @@
           <a:p>
             <a:fld id="{5BCAD085-E8A6-8845-BD4E-CB4CCA059FC4}" type="datetimeFigureOut">
               <a:rPr lang="en-US" smtClean="0"/>
-              <a:t>3/27/25</a:t>
+              <a:t>3/28/25</a:t>
             </a:fld>
             <a:endParaRPr lang="en-US"/>
           </a:p>
@@ -827,7 +827,7 @@
           <a:p>
             <a:fld id="{5BCAD085-E8A6-8845-BD4E-CB4CCA059FC4}" type="datetimeFigureOut">
               <a:rPr lang="en-US" smtClean="0"/>
-              <a:t>3/27/25</a:t>
+              <a:t>3/28/25</a:t>
             </a:fld>
             <a:endParaRPr lang="en-US"/>
           </a:p>
@@ -1072,7 +1072,7 @@
           <a:p>
             <a:fld id="{5BCAD085-E8A6-8845-BD4E-CB4CCA059FC4}" type="datetimeFigureOut">
               <a:rPr lang="en-US" smtClean="0"/>
-              <a:t>3/27/25</a:t>
+              <a:t>3/28/25</a:t>
             </a:fld>
             <a:endParaRPr lang="en-US"/>
           </a:p>
@@ -1357,7 +1357,7 @@
           <a:p>
             <a:fld id="{5BCAD085-E8A6-8845-BD4E-CB4CCA059FC4}" type="datetimeFigureOut">
               <a:rPr lang="en-US" smtClean="0"/>
-              <a:t>3/27/25</a:t>
+              <a:t>3/28/25</a:t>
             </a:fld>
             <a:endParaRPr lang="en-US"/>
           </a:p>
@@ -1776,7 +1776,7 @@
           <a:p>
             <a:fld id="{5BCAD085-E8A6-8845-BD4E-CB4CCA059FC4}" type="datetimeFigureOut">
               <a:rPr lang="en-US" smtClean="0"/>
-              <a:t>3/27/25</a:t>
+              <a:t>3/28/25</a:t>
             </a:fld>
             <a:endParaRPr lang="en-US"/>
           </a:p>
@@ -1893,7 +1893,7 @@
           <a:p>
             <a:fld id="{5BCAD085-E8A6-8845-BD4E-CB4CCA059FC4}" type="datetimeFigureOut">
               <a:rPr lang="en-US" smtClean="0"/>
-              <a:t>3/27/25</a:t>
+              <a:t>3/28/25</a:t>
             </a:fld>
             <a:endParaRPr lang="en-US"/>
           </a:p>
@@ -1988,7 +1988,7 @@
           <a:p>
             <a:fld id="{5BCAD085-E8A6-8845-BD4E-CB4CCA059FC4}" type="datetimeFigureOut">
               <a:rPr lang="en-US" smtClean="0"/>
-              <a:t>3/27/25</a:t>
+              <a:t>3/28/25</a:t>
             </a:fld>
             <a:endParaRPr lang="en-US"/>
           </a:p>
@@ -2263,7 +2263,7 @@
           <a:p>
             <a:fld id="{5BCAD085-E8A6-8845-BD4E-CB4CCA059FC4}" type="datetimeFigureOut">
               <a:rPr lang="en-US" smtClean="0"/>
-              <a:t>3/27/25</a:t>
+              <a:t>3/28/25</a:t>
             </a:fld>
             <a:endParaRPr lang="en-US"/>
           </a:p>
@@ -2515,7 +2515,7 @@
           <a:p>
             <a:fld id="{5BCAD085-E8A6-8845-BD4E-CB4CCA059FC4}" type="datetimeFigureOut">
               <a:rPr lang="en-US" smtClean="0"/>
-              <a:t>3/27/25</a:t>
+              <a:t>3/28/25</a:t>
             </a:fld>
             <a:endParaRPr lang="en-US"/>
           </a:p>
@@ -2726,7 +2726,7 @@
           <a:p>
             <a:fld id="{5BCAD085-E8A6-8845-BD4E-CB4CCA059FC4}" type="datetimeFigureOut">
               <a:rPr lang="en-US" smtClean="0"/>
-              <a:t>3/27/25</a:t>
+              <a:t>3/28/25</a:t>
             </a:fld>
             <a:endParaRPr lang="en-US"/>
           </a:p>
@@ -3295,27 +3295,6 @@
             </a:r>
             <a:endParaRPr dirty="0"/>
           </a:p>
-          <a:p>
-            <a:pPr>
-              <a:defRPr sz="1800"/>
-            </a:pPr>
-            <a:r>
-              <a:rPr dirty="0" err="1"/>
-              <a:t>Ligação</a:t>
-            </a:r>
-            <a:r>
-              <a:rPr dirty="0"/>
-              <a:t> entre o schema e as </a:t>
-            </a:r>
-            <a:r>
-              <a:rPr dirty="0" err="1"/>
-              <a:t>fontes</a:t>
-            </a:r>
-            <a:r>
-              <a:rPr dirty="0"/>
-              <a:t> de dados</a:t>
-            </a:r>
-          </a:p>
         </p:txBody>
       </p:sp>
     </p:spTree>
@@ -5311,7 +5290,7 @@
         <p:spPr>
           <a:xfrm>
             <a:off x="457200" y="1600201"/>
-            <a:ext cx="8229600" cy="2004848"/>
+            <a:ext cx="8229600" cy="1321675"/>
           </a:xfrm>
         </p:spPr>
         <p:txBody>
@@ -5426,59 +5405,6 @@
               <a:t>necessário</a:t>
             </a:r>
             <a:endParaRPr dirty="0"/>
-          </a:p>
-          <a:p>
-            <a:pPr>
-              <a:defRPr sz="1800"/>
-            </a:pPr>
-            <a:r>
-              <a:rPr dirty="0" err="1"/>
-              <a:t>Exemplo</a:t>
-            </a:r>
-            <a:r>
-              <a:rPr dirty="0"/>
-              <a:t>: post com </a:t>
-            </a:r>
-            <a:r>
-              <a:rPr dirty="0" err="1"/>
-              <a:t>comentários</a:t>
-            </a:r>
-            <a:r>
-              <a:rPr dirty="0"/>
-              <a:t> e </a:t>
-            </a:r>
-            <a:r>
-              <a:rPr dirty="0" err="1"/>
-              <a:t>autores</a:t>
-            </a:r>
-            <a:r>
-              <a:rPr dirty="0"/>
-              <a:t> </a:t>
-            </a:r>
-            <a:r>
-              <a:rPr dirty="0" err="1"/>
-              <a:t>em</a:t>
-            </a:r>
-            <a:r>
-              <a:rPr dirty="0"/>
-              <a:t> </a:t>
-            </a:r>
-            <a:r>
-              <a:rPr dirty="0" err="1"/>
-              <a:t>uma</a:t>
-            </a:r>
-            <a:r>
-              <a:rPr dirty="0"/>
-              <a:t> </a:t>
-            </a:r>
-            <a:r>
-              <a:rPr dirty="0" err="1"/>
-              <a:t>única</a:t>
-            </a:r>
-            <a:r>
-              <a:rPr dirty="0"/>
-              <a:t> query</a:t>
-            </a:r>
           </a:p>
         </p:txBody>
       </p:sp>

--- a/presentation_pt.pptx
+++ b/presentation_pt.pptx
@@ -4,6 +4,9 @@
   <p:sldMasterIdLst>
     <p:sldMasterId id="2147483648" r:id="rId1"/>
   </p:sldMasterIdLst>
+  <p:notesMasterIdLst>
+    <p:notesMasterId r:id="rId16"/>
+  </p:notesMasterIdLst>
   <p:sldIdLst>
     <p:sldId id="256" r:id="rId2"/>
     <p:sldId id="257" r:id="rId3"/>
@@ -11,12 +14,14 @@
     <p:sldId id="259" r:id="rId5"/>
     <p:sldId id="260" r:id="rId6"/>
     <p:sldId id="262" r:id="rId7"/>
-    <p:sldId id="263" r:id="rId8"/>
-    <p:sldId id="265" r:id="rId9"/>
-    <p:sldId id="266" r:id="rId10"/>
-    <p:sldId id="267" r:id="rId11"/>
-    <p:sldId id="268" r:id="rId12"/>
-    <p:sldId id="269" r:id="rId13"/>
+    <p:sldId id="270" r:id="rId8"/>
+    <p:sldId id="271" r:id="rId9"/>
+    <p:sldId id="263" r:id="rId10"/>
+    <p:sldId id="265" r:id="rId11"/>
+    <p:sldId id="266" r:id="rId12"/>
+    <p:sldId id="267" r:id="rId13"/>
+    <p:sldId id="268" r:id="rId14"/>
+    <p:sldId id="269" r:id="rId15"/>
   </p:sldIdLst>
   <p:sldSz cx="9144000" cy="6858000" type="screen4x3"/>
   <p:notesSz cx="6858000" cy="9144000"/>
@@ -132,6 +137,655 @@
     </p:ext>
   </p:extLst>
 </p:presentation>
+</file>
+
+<file path=ppt/notesMasters/notesMaster1.xml><?xml version="1.0" encoding="utf-8"?>
+<p:notesMaster xmlns:a="http://schemas.openxmlformats.org/drawingml/2006/main" xmlns:r="http://schemas.openxmlformats.org/officeDocument/2006/relationships" xmlns:p="http://schemas.openxmlformats.org/presentationml/2006/main">
+  <p:cSld>
+    <p:bg>
+      <p:bgRef idx="1001">
+        <a:schemeClr val="bg1"/>
+      </p:bgRef>
+    </p:bg>
+    <p:spTree>
+      <p:nvGrpSpPr>
+        <p:cNvPr id="1" name=""/>
+        <p:cNvGrpSpPr/>
+        <p:nvPr/>
+      </p:nvGrpSpPr>
+      <p:grpSpPr>
+        <a:xfrm>
+          <a:off x="0" y="0"/>
+          <a:ext cx="0" cy="0"/>
+          <a:chOff x="0" y="0"/>
+          <a:chExt cx="0" cy="0"/>
+        </a:xfrm>
+      </p:grpSpPr>
+      <p:sp>
+        <p:nvSpPr>
+          <p:cNvPr id="2" name="Header Placeholder 1"/>
+          <p:cNvSpPr>
+            <a:spLocks noGrp="1"/>
+          </p:cNvSpPr>
+          <p:nvPr>
+            <p:ph type="hdr" sz="quarter"/>
+          </p:nvPr>
+        </p:nvSpPr>
+        <p:spPr>
+          <a:xfrm>
+            <a:off x="0" y="0"/>
+            <a:ext cx="2971800" cy="458788"/>
+          </a:xfrm>
+          <a:prstGeom prst="rect">
+            <a:avLst/>
+          </a:prstGeom>
+        </p:spPr>
+        <p:txBody>
+          <a:bodyPr vert="horz" lIns="91440" tIns="45720" rIns="91440" bIns="45720" rtlCol="0"/>
+          <a:lstStyle>
+            <a:lvl1pPr algn="l">
+              <a:defRPr sz="1200"/>
+            </a:lvl1pPr>
+          </a:lstStyle>
+          <a:p>
+            <a:endParaRPr lang="en-US"/>
+          </a:p>
+        </p:txBody>
+      </p:sp>
+      <p:sp>
+        <p:nvSpPr>
+          <p:cNvPr id="3" name="Date Placeholder 2"/>
+          <p:cNvSpPr>
+            <a:spLocks noGrp="1"/>
+          </p:cNvSpPr>
+          <p:nvPr>
+            <p:ph type="dt" idx="1"/>
+          </p:nvPr>
+        </p:nvSpPr>
+        <p:spPr>
+          <a:xfrm>
+            <a:off x="3884613" y="0"/>
+            <a:ext cx="2971800" cy="458788"/>
+          </a:xfrm>
+          <a:prstGeom prst="rect">
+            <a:avLst/>
+          </a:prstGeom>
+        </p:spPr>
+        <p:txBody>
+          <a:bodyPr vert="horz" lIns="91440" tIns="45720" rIns="91440" bIns="45720" rtlCol="0"/>
+          <a:lstStyle>
+            <a:lvl1pPr algn="r">
+              <a:defRPr sz="1200"/>
+            </a:lvl1pPr>
+          </a:lstStyle>
+          <a:p>
+            <a:fld id="{19BF218A-8116-B04A-BA4F-62D93CAF4719}" type="datetimeFigureOut">
+              <a:rPr lang="en-US" smtClean="0"/>
+              <a:t>3/28/25</a:t>
+            </a:fld>
+            <a:endParaRPr lang="en-US"/>
+          </a:p>
+        </p:txBody>
+      </p:sp>
+      <p:sp>
+        <p:nvSpPr>
+          <p:cNvPr id="4" name="Slide Image Placeholder 3"/>
+          <p:cNvSpPr>
+            <a:spLocks noGrp="1" noRot="1" noChangeAspect="1"/>
+          </p:cNvSpPr>
+          <p:nvPr>
+            <p:ph type="sldImg" idx="2"/>
+          </p:nvPr>
+        </p:nvSpPr>
+        <p:spPr>
+          <a:xfrm>
+            <a:off x="1371600" y="1143000"/>
+            <a:ext cx="4114800" cy="3086100"/>
+          </a:xfrm>
+          <a:prstGeom prst="rect">
+            <a:avLst/>
+          </a:prstGeom>
+          <a:noFill/>
+          <a:ln w="12700">
+            <a:solidFill>
+              <a:prstClr val="black"/>
+            </a:solidFill>
+          </a:ln>
+        </p:spPr>
+        <p:txBody>
+          <a:bodyPr vert="horz" lIns="91440" tIns="45720" rIns="91440" bIns="45720" rtlCol="0" anchor="ctr"/>
+          <a:lstStyle/>
+          <a:p>
+            <a:endParaRPr lang="en-US"/>
+          </a:p>
+        </p:txBody>
+      </p:sp>
+      <p:sp>
+        <p:nvSpPr>
+          <p:cNvPr id="5" name="Notes Placeholder 4"/>
+          <p:cNvSpPr>
+            <a:spLocks noGrp="1"/>
+          </p:cNvSpPr>
+          <p:nvPr>
+            <p:ph type="body" sz="quarter" idx="3"/>
+          </p:nvPr>
+        </p:nvSpPr>
+        <p:spPr>
+          <a:xfrm>
+            <a:off x="685800" y="4400550"/>
+            <a:ext cx="5486400" cy="3600450"/>
+          </a:xfrm>
+          <a:prstGeom prst="rect">
+            <a:avLst/>
+          </a:prstGeom>
+        </p:spPr>
+        <p:txBody>
+          <a:bodyPr vert="horz" lIns="91440" tIns="45720" rIns="91440" bIns="45720" rtlCol="0"/>
+          <a:lstStyle/>
+          <a:p>
+            <a:pPr lvl="0"/>
+            <a:r>
+              <a:rPr lang="en-US"/>
+              <a:t>Click to edit Master text styles</a:t>
+            </a:r>
+          </a:p>
+          <a:p>
+            <a:pPr lvl="1"/>
+            <a:r>
+              <a:rPr lang="en-US"/>
+              <a:t>Second level</a:t>
+            </a:r>
+          </a:p>
+          <a:p>
+            <a:pPr lvl="2"/>
+            <a:r>
+              <a:rPr lang="en-US"/>
+              <a:t>Third level</a:t>
+            </a:r>
+          </a:p>
+          <a:p>
+            <a:pPr lvl="3"/>
+            <a:r>
+              <a:rPr lang="en-US"/>
+              <a:t>Fourth level</a:t>
+            </a:r>
+          </a:p>
+          <a:p>
+            <a:pPr lvl="4"/>
+            <a:r>
+              <a:rPr lang="en-US"/>
+              <a:t>Fifth level</a:t>
+            </a:r>
+          </a:p>
+        </p:txBody>
+      </p:sp>
+      <p:sp>
+        <p:nvSpPr>
+          <p:cNvPr id="6" name="Footer Placeholder 5"/>
+          <p:cNvSpPr>
+            <a:spLocks noGrp="1"/>
+          </p:cNvSpPr>
+          <p:nvPr>
+            <p:ph type="ftr" sz="quarter" idx="4"/>
+          </p:nvPr>
+        </p:nvSpPr>
+        <p:spPr>
+          <a:xfrm>
+            <a:off x="0" y="8685213"/>
+            <a:ext cx="2971800" cy="458787"/>
+          </a:xfrm>
+          <a:prstGeom prst="rect">
+            <a:avLst/>
+          </a:prstGeom>
+        </p:spPr>
+        <p:txBody>
+          <a:bodyPr vert="horz" lIns="91440" tIns="45720" rIns="91440" bIns="45720" rtlCol="0" anchor="b"/>
+          <a:lstStyle>
+            <a:lvl1pPr algn="l">
+              <a:defRPr sz="1200"/>
+            </a:lvl1pPr>
+          </a:lstStyle>
+          <a:p>
+            <a:endParaRPr lang="en-US"/>
+          </a:p>
+        </p:txBody>
+      </p:sp>
+      <p:sp>
+        <p:nvSpPr>
+          <p:cNvPr id="7" name="Slide Number Placeholder 6"/>
+          <p:cNvSpPr>
+            <a:spLocks noGrp="1"/>
+          </p:cNvSpPr>
+          <p:nvPr>
+            <p:ph type="sldNum" sz="quarter" idx="5"/>
+          </p:nvPr>
+        </p:nvSpPr>
+        <p:spPr>
+          <a:xfrm>
+            <a:off x="3884613" y="8685213"/>
+            <a:ext cx="2971800" cy="458787"/>
+          </a:xfrm>
+          <a:prstGeom prst="rect">
+            <a:avLst/>
+          </a:prstGeom>
+        </p:spPr>
+        <p:txBody>
+          <a:bodyPr vert="horz" lIns="91440" tIns="45720" rIns="91440" bIns="45720" rtlCol="0" anchor="b"/>
+          <a:lstStyle>
+            <a:lvl1pPr algn="r">
+              <a:defRPr sz="1200"/>
+            </a:lvl1pPr>
+          </a:lstStyle>
+          <a:p>
+            <a:fld id="{AD735493-BB56-BC45-A479-C55BA84EF53D}" type="slidenum">
+              <a:rPr lang="en-US" smtClean="0"/>
+              <a:t>‹#›</a:t>
+            </a:fld>
+            <a:endParaRPr lang="en-US"/>
+          </a:p>
+        </p:txBody>
+      </p:sp>
+    </p:spTree>
+    <p:extLst>
+      <p:ext uri="{BB962C8B-B14F-4D97-AF65-F5344CB8AC3E}">
+        <p14:creationId xmlns:p14="http://schemas.microsoft.com/office/powerpoint/2010/main" val="3941773091"/>
+      </p:ext>
+    </p:extLst>
+  </p:cSld>
+  <p:clrMap bg1="lt1" tx1="dk1" bg2="lt2" tx2="dk2" accent1="accent1" accent2="accent2" accent3="accent3" accent4="accent4" accent5="accent5" accent6="accent6" hlink="hlink" folHlink="folHlink"/>
+  <p:notesStyle>
+    <a:lvl1pPr marL="0" algn="l" defTabSz="914400" rtl="0" eaLnBrk="1" latinLnBrk="0" hangingPunct="1">
+      <a:defRPr sz="1200" kern="1200">
+        <a:solidFill>
+          <a:schemeClr val="tx1"/>
+        </a:solidFill>
+        <a:latin typeface="+mn-lt"/>
+        <a:ea typeface="+mn-ea"/>
+        <a:cs typeface="+mn-cs"/>
+      </a:defRPr>
+    </a:lvl1pPr>
+    <a:lvl2pPr marL="457200" algn="l" defTabSz="914400" rtl="0" eaLnBrk="1" latinLnBrk="0" hangingPunct="1">
+      <a:defRPr sz="1200" kern="1200">
+        <a:solidFill>
+          <a:schemeClr val="tx1"/>
+        </a:solidFill>
+        <a:latin typeface="+mn-lt"/>
+        <a:ea typeface="+mn-ea"/>
+        <a:cs typeface="+mn-cs"/>
+      </a:defRPr>
+    </a:lvl2pPr>
+    <a:lvl3pPr marL="914400" algn="l" defTabSz="914400" rtl="0" eaLnBrk="1" latinLnBrk="0" hangingPunct="1">
+      <a:defRPr sz="1200" kern="1200">
+        <a:solidFill>
+          <a:schemeClr val="tx1"/>
+        </a:solidFill>
+        <a:latin typeface="+mn-lt"/>
+        <a:ea typeface="+mn-ea"/>
+        <a:cs typeface="+mn-cs"/>
+      </a:defRPr>
+    </a:lvl3pPr>
+    <a:lvl4pPr marL="1371600" algn="l" defTabSz="914400" rtl="0" eaLnBrk="1" latinLnBrk="0" hangingPunct="1">
+      <a:defRPr sz="1200" kern="1200">
+        <a:solidFill>
+          <a:schemeClr val="tx1"/>
+        </a:solidFill>
+        <a:latin typeface="+mn-lt"/>
+        <a:ea typeface="+mn-ea"/>
+        <a:cs typeface="+mn-cs"/>
+      </a:defRPr>
+    </a:lvl4pPr>
+    <a:lvl5pPr marL="1828800" algn="l" defTabSz="914400" rtl="0" eaLnBrk="1" latinLnBrk="0" hangingPunct="1">
+      <a:defRPr sz="1200" kern="1200">
+        <a:solidFill>
+          <a:schemeClr val="tx1"/>
+        </a:solidFill>
+        <a:latin typeface="+mn-lt"/>
+        <a:ea typeface="+mn-ea"/>
+        <a:cs typeface="+mn-cs"/>
+      </a:defRPr>
+    </a:lvl5pPr>
+    <a:lvl6pPr marL="2286000" algn="l" defTabSz="914400" rtl="0" eaLnBrk="1" latinLnBrk="0" hangingPunct="1">
+      <a:defRPr sz="1200" kern="1200">
+        <a:solidFill>
+          <a:schemeClr val="tx1"/>
+        </a:solidFill>
+        <a:latin typeface="+mn-lt"/>
+        <a:ea typeface="+mn-ea"/>
+        <a:cs typeface="+mn-cs"/>
+      </a:defRPr>
+    </a:lvl6pPr>
+    <a:lvl7pPr marL="2743200" algn="l" defTabSz="914400" rtl="0" eaLnBrk="1" latinLnBrk="0" hangingPunct="1">
+      <a:defRPr sz="1200" kern="1200">
+        <a:solidFill>
+          <a:schemeClr val="tx1"/>
+        </a:solidFill>
+        <a:latin typeface="+mn-lt"/>
+        <a:ea typeface="+mn-ea"/>
+        <a:cs typeface="+mn-cs"/>
+      </a:defRPr>
+    </a:lvl7pPr>
+    <a:lvl8pPr marL="3200400" algn="l" defTabSz="914400" rtl="0" eaLnBrk="1" latinLnBrk="0" hangingPunct="1">
+      <a:defRPr sz="1200" kern="1200">
+        <a:solidFill>
+          <a:schemeClr val="tx1"/>
+        </a:solidFill>
+        <a:latin typeface="+mn-lt"/>
+        <a:ea typeface="+mn-ea"/>
+        <a:cs typeface="+mn-cs"/>
+      </a:defRPr>
+    </a:lvl8pPr>
+    <a:lvl9pPr marL="3657600" algn="l" defTabSz="914400" rtl="0" eaLnBrk="1" latinLnBrk="0" hangingPunct="1">
+      <a:defRPr sz="1200" kern="1200">
+        <a:solidFill>
+          <a:schemeClr val="tx1"/>
+        </a:solidFill>
+        <a:latin typeface="+mn-lt"/>
+        <a:ea typeface="+mn-ea"/>
+        <a:cs typeface="+mn-cs"/>
+      </a:defRPr>
+    </a:lvl9pPr>
+  </p:notesStyle>
+</p:notesMaster>
+</file>
+
+<file path=ppt/notesSlides/notesSlide1.xml><?xml version="1.0" encoding="utf-8"?>
+<p:notes xmlns:a="http://schemas.openxmlformats.org/drawingml/2006/main" xmlns:r="http://schemas.openxmlformats.org/officeDocument/2006/relationships" xmlns:p="http://schemas.openxmlformats.org/presentationml/2006/main">
+  <p:cSld>
+    <p:spTree>
+      <p:nvGrpSpPr>
+        <p:cNvPr id="1" name=""/>
+        <p:cNvGrpSpPr/>
+        <p:nvPr/>
+      </p:nvGrpSpPr>
+      <p:grpSpPr>
+        <a:xfrm>
+          <a:off x="0" y="0"/>
+          <a:ext cx="0" cy="0"/>
+          <a:chOff x="0" y="0"/>
+          <a:chExt cx="0" cy="0"/>
+        </a:xfrm>
+      </p:grpSpPr>
+      <p:sp>
+        <p:nvSpPr>
+          <p:cNvPr id="2" name="Slide Image Placeholder 1"/>
+          <p:cNvSpPr>
+            <a:spLocks noGrp="1" noRot="1" noChangeAspect="1"/>
+          </p:cNvSpPr>
+          <p:nvPr>
+            <p:ph type="sldImg"/>
+          </p:nvPr>
+        </p:nvSpPr>
+        <p:spPr/>
+      </p:sp>
+      <p:sp>
+        <p:nvSpPr>
+          <p:cNvPr id="3" name="Notes Placeholder 2"/>
+          <p:cNvSpPr>
+            <a:spLocks noGrp="1"/>
+          </p:cNvSpPr>
+          <p:nvPr>
+            <p:ph type="body" idx="1"/>
+          </p:nvPr>
+        </p:nvSpPr>
+        <p:spPr/>
+        <p:txBody>
+          <a:bodyPr/>
+          <a:lstStyle/>
+          <a:p>
+            <a:endParaRPr lang="en-US" dirty="0"/>
+          </a:p>
+        </p:txBody>
+      </p:sp>
+      <p:sp>
+        <p:nvSpPr>
+          <p:cNvPr id="4" name="Slide Number Placeholder 3"/>
+          <p:cNvSpPr>
+            <a:spLocks noGrp="1"/>
+          </p:cNvSpPr>
+          <p:nvPr>
+            <p:ph type="sldNum" sz="quarter" idx="5"/>
+          </p:nvPr>
+        </p:nvSpPr>
+        <p:spPr/>
+        <p:txBody>
+          <a:bodyPr/>
+          <a:lstStyle/>
+          <a:p>
+            <a:fld id="{AD735493-BB56-BC45-A479-C55BA84EF53D}" type="slidenum">
+              <a:rPr lang="en-US" smtClean="0"/>
+              <a:t>6</a:t>
+            </a:fld>
+            <a:endParaRPr lang="en-US"/>
+          </a:p>
+        </p:txBody>
+      </p:sp>
+    </p:spTree>
+    <p:extLst>
+      <p:ext uri="{BB962C8B-B14F-4D97-AF65-F5344CB8AC3E}">
+        <p14:creationId xmlns:p14="http://schemas.microsoft.com/office/powerpoint/2010/main" val="242325952"/>
+      </p:ext>
+    </p:extLst>
+  </p:cSld>
+  <p:clrMapOvr>
+    <a:masterClrMapping/>
+  </p:clrMapOvr>
+</p:notes>
+</file>
+
+<file path=ppt/notesSlides/notesSlide2.xml><?xml version="1.0" encoding="utf-8"?>
+<p:notes xmlns:a="http://schemas.openxmlformats.org/drawingml/2006/main" xmlns:r="http://schemas.openxmlformats.org/officeDocument/2006/relationships" xmlns:p="http://schemas.openxmlformats.org/presentationml/2006/main">
+  <p:cSld>
+    <p:spTree>
+      <p:nvGrpSpPr>
+        <p:cNvPr id="1" name="">
+          <a:extLst>
+            <a:ext uri="{FF2B5EF4-FFF2-40B4-BE49-F238E27FC236}">
+              <a16:creationId xmlns:a16="http://schemas.microsoft.com/office/drawing/2014/main" id="{F8E4F807-144A-72DA-CFBD-E2F55480FB96}"/>
+            </a:ext>
+          </a:extLst>
+        </p:cNvPr>
+        <p:cNvGrpSpPr/>
+        <p:nvPr/>
+      </p:nvGrpSpPr>
+      <p:grpSpPr>
+        <a:xfrm>
+          <a:off x="0" y="0"/>
+          <a:ext cx="0" cy="0"/>
+          <a:chOff x="0" y="0"/>
+          <a:chExt cx="0" cy="0"/>
+        </a:xfrm>
+      </p:grpSpPr>
+      <p:sp>
+        <p:nvSpPr>
+          <p:cNvPr id="2" name="Slide Image Placeholder 1">
+            <a:extLst>
+              <a:ext uri="{FF2B5EF4-FFF2-40B4-BE49-F238E27FC236}">
+                <a16:creationId xmlns:a16="http://schemas.microsoft.com/office/drawing/2014/main" id="{D062103F-0BC6-F148-EFC5-E0C3ECD711A5}"/>
+              </a:ext>
+            </a:extLst>
+          </p:cNvPr>
+          <p:cNvSpPr>
+            <a:spLocks noGrp="1" noRot="1" noChangeAspect="1"/>
+          </p:cNvSpPr>
+          <p:nvPr>
+            <p:ph type="sldImg"/>
+          </p:nvPr>
+        </p:nvSpPr>
+        <p:spPr/>
+      </p:sp>
+      <p:sp>
+        <p:nvSpPr>
+          <p:cNvPr id="3" name="Notes Placeholder 2">
+            <a:extLst>
+              <a:ext uri="{FF2B5EF4-FFF2-40B4-BE49-F238E27FC236}">
+                <a16:creationId xmlns:a16="http://schemas.microsoft.com/office/drawing/2014/main" id="{A93B50D6-70BA-5267-D7E8-973A172DFED2}"/>
+              </a:ext>
+            </a:extLst>
+          </p:cNvPr>
+          <p:cNvSpPr>
+            <a:spLocks noGrp="1"/>
+          </p:cNvSpPr>
+          <p:nvPr>
+            <p:ph type="body" idx="1"/>
+          </p:nvPr>
+        </p:nvSpPr>
+        <p:spPr/>
+        <p:txBody>
+          <a:bodyPr/>
+          <a:lstStyle/>
+          <a:p>
+            <a:endParaRPr lang="en-US" dirty="0"/>
+          </a:p>
+        </p:txBody>
+      </p:sp>
+      <p:sp>
+        <p:nvSpPr>
+          <p:cNvPr id="4" name="Slide Number Placeholder 3">
+            <a:extLst>
+              <a:ext uri="{FF2B5EF4-FFF2-40B4-BE49-F238E27FC236}">
+                <a16:creationId xmlns:a16="http://schemas.microsoft.com/office/drawing/2014/main" id="{B8B34754-3CB5-4962-4FC8-A6489E8977CA}"/>
+              </a:ext>
+            </a:extLst>
+          </p:cNvPr>
+          <p:cNvSpPr>
+            <a:spLocks noGrp="1"/>
+          </p:cNvSpPr>
+          <p:nvPr>
+            <p:ph type="sldNum" sz="quarter" idx="5"/>
+          </p:nvPr>
+        </p:nvSpPr>
+        <p:spPr/>
+        <p:txBody>
+          <a:bodyPr/>
+          <a:lstStyle/>
+          <a:p>
+            <a:fld id="{AD735493-BB56-BC45-A479-C55BA84EF53D}" type="slidenum">
+              <a:rPr lang="en-US" smtClean="0"/>
+              <a:t>7</a:t>
+            </a:fld>
+            <a:endParaRPr lang="en-US"/>
+          </a:p>
+        </p:txBody>
+      </p:sp>
+    </p:spTree>
+    <p:extLst>
+      <p:ext uri="{BB962C8B-B14F-4D97-AF65-F5344CB8AC3E}">
+        <p14:creationId xmlns:p14="http://schemas.microsoft.com/office/powerpoint/2010/main" val="1953463152"/>
+      </p:ext>
+    </p:extLst>
+  </p:cSld>
+  <p:clrMapOvr>
+    <a:masterClrMapping/>
+  </p:clrMapOvr>
+</p:notes>
+</file>
+
+<file path=ppt/notesSlides/notesSlide3.xml><?xml version="1.0" encoding="utf-8"?>
+<p:notes xmlns:a="http://schemas.openxmlformats.org/drawingml/2006/main" xmlns:r="http://schemas.openxmlformats.org/officeDocument/2006/relationships" xmlns:p="http://schemas.openxmlformats.org/presentationml/2006/main">
+  <p:cSld>
+    <p:spTree>
+      <p:nvGrpSpPr>
+        <p:cNvPr id="1" name="">
+          <a:extLst>
+            <a:ext uri="{FF2B5EF4-FFF2-40B4-BE49-F238E27FC236}">
+              <a16:creationId xmlns:a16="http://schemas.microsoft.com/office/drawing/2014/main" id="{3B1B4C12-93CA-175F-82E0-A0AE9CE5CEC1}"/>
+            </a:ext>
+          </a:extLst>
+        </p:cNvPr>
+        <p:cNvGrpSpPr/>
+        <p:nvPr/>
+      </p:nvGrpSpPr>
+      <p:grpSpPr>
+        <a:xfrm>
+          <a:off x="0" y="0"/>
+          <a:ext cx="0" cy="0"/>
+          <a:chOff x="0" y="0"/>
+          <a:chExt cx="0" cy="0"/>
+        </a:xfrm>
+      </p:grpSpPr>
+      <p:sp>
+        <p:nvSpPr>
+          <p:cNvPr id="2" name="Slide Image Placeholder 1">
+            <a:extLst>
+              <a:ext uri="{FF2B5EF4-FFF2-40B4-BE49-F238E27FC236}">
+                <a16:creationId xmlns:a16="http://schemas.microsoft.com/office/drawing/2014/main" id="{1FB99071-A35C-CCC2-A6B0-24DE43E9B25D}"/>
+              </a:ext>
+            </a:extLst>
+          </p:cNvPr>
+          <p:cNvSpPr>
+            <a:spLocks noGrp="1" noRot="1" noChangeAspect="1"/>
+          </p:cNvSpPr>
+          <p:nvPr>
+            <p:ph type="sldImg"/>
+          </p:nvPr>
+        </p:nvSpPr>
+        <p:spPr/>
+      </p:sp>
+      <p:sp>
+        <p:nvSpPr>
+          <p:cNvPr id="3" name="Notes Placeholder 2">
+            <a:extLst>
+              <a:ext uri="{FF2B5EF4-FFF2-40B4-BE49-F238E27FC236}">
+                <a16:creationId xmlns:a16="http://schemas.microsoft.com/office/drawing/2014/main" id="{B2972588-A4ED-7AE5-4BB2-7AE350CBA089}"/>
+              </a:ext>
+            </a:extLst>
+          </p:cNvPr>
+          <p:cNvSpPr>
+            <a:spLocks noGrp="1"/>
+          </p:cNvSpPr>
+          <p:nvPr>
+            <p:ph type="body" idx="1"/>
+          </p:nvPr>
+        </p:nvSpPr>
+        <p:spPr/>
+        <p:txBody>
+          <a:bodyPr/>
+          <a:lstStyle/>
+          <a:p>
+            <a:endParaRPr lang="en-US" dirty="0"/>
+          </a:p>
+        </p:txBody>
+      </p:sp>
+      <p:sp>
+        <p:nvSpPr>
+          <p:cNvPr id="4" name="Slide Number Placeholder 3">
+            <a:extLst>
+              <a:ext uri="{FF2B5EF4-FFF2-40B4-BE49-F238E27FC236}">
+                <a16:creationId xmlns:a16="http://schemas.microsoft.com/office/drawing/2014/main" id="{A9999E1A-F72C-D06A-61A7-BA024A133BBA}"/>
+              </a:ext>
+            </a:extLst>
+          </p:cNvPr>
+          <p:cNvSpPr>
+            <a:spLocks noGrp="1"/>
+          </p:cNvSpPr>
+          <p:nvPr>
+            <p:ph type="sldNum" sz="quarter" idx="5"/>
+          </p:nvPr>
+        </p:nvSpPr>
+        <p:spPr/>
+        <p:txBody>
+          <a:bodyPr/>
+          <a:lstStyle/>
+          <a:p>
+            <a:fld id="{AD735493-BB56-BC45-A479-C55BA84EF53D}" type="slidenum">
+              <a:rPr lang="en-US" smtClean="0"/>
+              <a:t>8</a:t>
+            </a:fld>
+            <a:endParaRPr lang="en-US"/>
+          </a:p>
+        </p:txBody>
+      </p:sp>
+    </p:spTree>
+    <p:extLst>
+      <p:ext uri="{BB962C8B-B14F-4D97-AF65-F5344CB8AC3E}">
+        <p14:creationId xmlns:p14="http://schemas.microsoft.com/office/powerpoint/2010/main" val="1851581831"/>
+      </p:ext>
+    </p:extLst>
+  </p:cSld>
+  <p:clrMapOvr>
+    <a:masterClrMapping/>
+  </p:clrMapOvr>
+</p:notes>
 </file>
 
 <file path=ppt/slideLayouts/slideLayout1.xml><?xml version="1.0" encoding="utf-8"?>
@@ -3200,7 +3854,7 @@
           <a:p>
             <a:r>
               <a:rPr dirty="0"/>
-              <a:t>8. </a:t>
+              <a:t>6. </a:t>
             </a:r>
             <a:r>
               <a:rPr dirty="0" err="1"/>
@@ -3208,7 +3862,7 @@
             </a:r>
             <a:r>
               <a:rPr dirty="0"/>
-              <a:t> Resolver</a:t>
+              <a:t> Query</a:t>
             </a:r>
           </a:p>
         </p:txBody>
@@ -3223,7 +3877,12 @@
             <p:ph idx="1"/>
           </p:nvPr>
         </p:nvSpPr>
-        <p:spPr/>
+        <p:spPr>
+          <a:xfrm>
+            <a:off x="457200" y="1600200"/>
+            <a:ext cx="8229600" cy="1594945"/>
+          </a:xfrm>
+        </p:spPr>
         <p:txBody>
           <a:bodyPr/>
           <a:lstStyle/>
@@ -3233,27 +3892,19 @@
             </a:pPr>
             <a:r>
               <a:rPr dirty="0" err="1"/>
-              <a:t>Função</a:t>
-            </a:r>
-            <a:r>
-              <a:rPr dirty="0"/>
-              <a:t> que </a:t>
-            </a:r>
-            <a:r>
-              <a:rPr dirty="0" err="1"/>
-              <a:t>retorna</a:t>
-            </a:r>
-            <a:r>
-              <a:rPr dirty="0"/>
-              <a:t> </a:t>
-            </a:r>
-            <a:r>
-              <a:rPr dirty="0" err="1"/>
-              <a:t>os</a:t>
-            </a:r>
-            <a:r>
-              <a:rPr dirty="0"/>
-              <a:t> dados para um campo</a:t>
+              <a:t>Usada</a:t>
+            </a:r>
+            <a:r>
+              <a:rPr dirty="0"/>
+              <a:t> para </a:t>
+            </a:r>
+            <a:r>
+              <a:rPr dirty="0" err="1"/>
+              <a:t>buscar</a:t>
+            </a:r>
+            <a:r>
+              <a:rPr dirty="0"/>
+              <a:t> dados</a:t>
             </a:r>
           </a:p>
           <a:p>
@@ -3262,20 +3913,47 @@
             </a:pPr>
             <a:r>
               <a:rPr dirty="0" err="1"/>
-              <a:t>Tipos</a:t>
-            </a:r>
-            <a:r>
-              <a:rPr dirty="0"/>
-              <a:t>: Query, Mutation, Field Resolver</a:t>
-            </a:r>
+              <a:t>Cliente</a:t>
+            </a:r>
+            <a:r>
+              <a:rPr dirty="0"/>
+              <a:t> define </a:t>
+            </a:r>
+            <a:r>
+              <a:rPr dirty="0" err="1"/>
+              <a:t>os</a:t>
+            </a:r>
+            <a:r>
+              <a:rPr dirty="0"/>
+              <a:t> campos </a:t>
+            </a:r>
+            <a:r>
+              <a:rPr dirty="0" err="1"/>
+              <a:t>desejados</a:t>
+            </a:r>
+            <a:endParaRPr dirty="0"/>
           </a:p>
           <a:p>
             <a:pPr>
               <a:defRPr sz="1800"/>
             </a:pPr>
             <a:r>
-              <a:rPr dirty="0" err="1"/>
-              <a:t>Executado</a:t>
+              <a:rPr dirty="0"/>
+              <a:t>Evita </a:t>
+            </a:r>
+            <a:r>
+              <a:rPr dirty="0" err="1"/>
+              <a:t>Overfetching</a:t>
+            </a:r>
+            <a:endParaRPr dirty="0"/>
+          </a:p>
+          <a:p>
+            <a:pPr>
+              <a:defRPr sz="1800"/>
+            </a:pPr>
+            <a:r>
+              <a:rPr dirty="0" err="1"/>
+              <a:t>Permite</a:t>
             </a:r>
             <a:r>
               <a:rPr dirty="0"/>
@@ -3283,17 +3961,358 @@
             </a:r>
             <a:r>
               <a:rPr dirty="0" err="1"/>
-              <a:t>apenas</a:t>
-            </a:r>
-            <a:r>
-              <a:rPr dirty="0"/>
-              <a:t> se o campo for </a:t>
-            </a:r>
-            <a:r>
-              <a:rPr dirty="0" err="1"/>
-              <a:t>solicitado</a:t>
+              <a:t>múltiplas</a:t>
+            </a:r>
+            <a:r>
+              <a:rPr dirty="0"/>
+              <a:t> queries </a:t>
+            </a:r>
+            <a:r>
+              <a:rPr dirty="0" err="1"/>
+              <a:t>em</a:t>
+            </a:r>
+            <a:r>
+              <a:rPr dirty="0"/>
+              <a:t> </a:t>
+            </a:r>
+            <a:r>
+              <a:rPr dirty="0" err="1"/>
+              <a:t>uma</a:t>
+            </a:r>
+            <a:r>
+              <a:rPr dirty="0"/>
+              <a:t> </a:t>
+            </a:r>
+            <a:r>
+              <a:rPr dirty="0" err="1"/>
+              <a:t>única</a:t>
+            </a:r>
+            <a:r>
+              <a:rPr dirty="0"/>
+              <a:t> </a:t>
+            </a:r>
+            <a:r>
+              <a:rPr dirty="0" err="1"/>
+              <a:t>chamada</a:t>
             </a:r>
             <a:endParaRPr dirty="0"/>
+          </a:p>
+        </p:txBody>
+      </p:sp>
+      <p:sp>
+        <p:nvSpPr>
+          <p:cNvPr id="4" name="Content Placeholder 2">
+            <a:extLst>
+              <a:ext uri="{FF2B5EF4-FFF2-40B4-BE49-F238E27FC236}">
+                <a16:creationId xmlns:a16="http://schemas.microsoft.com/office/drawing/2014/main" id="{26C93BF0-291A-3062-1834-39C0979A5316}"/>
+              </a:ext>
+            </a:extLst>
+          </p:cNvPr>
+          <p:cNvSpPr txBox="1">
+            <a:spLocks/>
+          </p:cNvSpPr>
+          <p:nvPr/>
+        </p:nvSpPr>
+        <p:spPr>
+          <a:xfrm>
+            <a:off x="457200" y="3746937"/>
+            <a:ext cx="8229600" cy="1445172"/>
+          </a:xfrm>
+          <a:prstGeom prst="rect">
+            <a:avLst/>
+          </a:prstGeom>
+          <a:ln>
+            <a:solidFill>
+              <a:schemeClr val="tx1"/>
+            </a:solidFill>
+          </a:ln>
+        </p:spPr>
+        <p:txBody>
+          <a:bodyPr vert="horz" lIns="91440" tIns="45720" rIns="91440" bIns="45720" rtlCol="0">
+            <a:normAutofit/>
+          </a:bodyPr>
+          <a:lstStyle>
+            <a:lvl1pPr marL="342900" indent="-342900" algn="l" defTabSz="457200" rtl="0" eaLnBrk="1" latinLnBrk="0" hangingPunct="1">
+              <a:spcBef>
+                <a:spcPct val="20000"/>
+              </a:spcBef>
+              <a:buFont typeface="Arial"/>
+              <a:buChar char="•"/>
+              <a:defRPr sz="3200" kern="1200">
+                <a:solidFill>
+                  <a:schemeClr val="tx1"/>
+                </a:solidFill>
+                <a:latin typeface="+mn-lt"/>
+                <a:ea typeface="+mn-ea"/>
+                <a:cs typeface="+mn-cs"/>
+              </a:defRPr>
+            </a:lvl1pPr>
+            <a:lvl2pPr marL="742950" indent="-285750" algn="l" defTabSz="457200" rtl="0" eaLnBrk="1" latinLnBrk="0" hangingPunct="1">
+              <a:spcBef>
+                <a:spcPct val="20000"/>
+              </a:spcBef>
+              <a:buFont typeface="Arial"/>
+              <a:buChar char="–"/>
+              <a:defRPr sz="2800" kern="1200">
+                <a:solidFill>
+                  <a:schemeClr val="tx1"/>
+                </a:solidFill>
+                <a:latin typeface="+mn-lt"/>
+                <a:ea typeface="+mn-ea"/>
+                <a:cs typeface="+mn-cs"/>
+              </a:defRPr>
+            </a:lvl2pPr>
+            <a:lvl3pPr marL="1143000" indent="-228600" algn="l" defTabSz="457200" rtl="0" eaLnBrk="1" latinLnBrk="0" hangingPunct="1">
+              <a:spcBef>
+                <a:spcPct val="20000"/>
+              </a:spcBef>
+              <a:buFont typeface="Arial"/>
+              <a:buChar char="•"/>
+              <a:defRPr sz="2400" kern="1200">
+                <a:solidFill>
+                  <a:schemeClr val="tx1"/>
+                </a:solidFill>
+                <a:latin typeface="+mn-lt"/>
+                <a:ea typeface="+mn-ea"/>
+                <a:cs typeface="+mn-cs"/>
+              </a:defRPr>
+            </a:lvl3pPr>
+            <a:lvl4pPr marL="1600200" indent="-228600" algn="l" defTabSz="457200" rtl="0" eaLnBrk="1" latinLnBrk="0" hangingPunct="1">
+              <a:spcBef>
+                <a:spcPct val="20000"/>
+              </a:spcBef>
+              <a:buFont typeface="Arial"/>
+              <a:buChar char="–"/>
+              <a:defRPr sz="2000" kern="1200">
+                <a:solidFill>
+                  <a:schemeClr val="tx1"/>
+                </a:solidFill>
+                <a:latin typeface="+mn-lt"/>
+                <a:ea typeface="+mn-ea"/>
+                <a:cs typeface="+mn-cs"/>
+              </a:defRPr>
+            </a:lvl4pPr>
+            <a:lvl5pPr marL="2057400" indent="-228600" algn="l" defTabSz="457200" rtl="0" eaLnBrk="1" latinLnBrk="0" hangingPunct="1">
+              <a:spcBef>
+                <a:spcPct val="20000"/>
+              </a:spcBef>
+              <a:buFont typeface="Arial"/>
+              <a:buChar char="»"/>
+              <a:defRPr sz="2000" kern="1200">
+                <a:solidFill>
+                  <a:schemeClr val="tx1"/>
+                </a:solidFill>
+                <a:latin typeface="+mn-lt"/>
+                <a:ea typeface="+mn-ea"/>
+                <a:cs typeface="+mn-cs"/>
+              </a:defRPr>
+            </a:lvl5pPr>
+            <a:lvl6pPr marL="2514600" indent="-228600" algn="l" defTabSz="457200" rtl="0" eaLnBrk="1" latinLnBrk="0" hangingPunct="1">
+              <a:spcBef>
+                <a:spcPct val="20000"/>
+              </a:spcBef>
+              <a:buFont typeface="Arial"/>
+              <a:buChar char="•"/>
+              <a:defRPr sz="2000" kern="1200">
+                <a:solidFill>
+                  <a:schemeClr val="tx1"/>
+                </a:solidFill>
+                <a:latin typeface="+mn-lt"/>
+                <a:ea typeface="+mn-ea"/>
+                <a:cs typeface="+mn-cs"/>
+              </a:defRPr>
+            </a:lvl6pPr>
+            <a:lvl7pPr marL="2971800" indent="-228600" algn="l" defTabSz="457200" rtl="0" eaLnBrk="1" latinLnBrk="0" hangingPunct="1">
+              <a:spcBef>
+                <a:spcPct val="20000"/>
+              </a:spcBef>
+              <a:buFont typeface="Arial"/>
+              <a:buChar char="•"/>
+              <a:defRPr sz="2000" kern="1200">
+                <a:solidFill>
+                  <a:schemeClr val="tx1"/>
+                </a:solidFill>
+                <a:latin typeface="+mn-lt"/>
+                <a:ea typeface="+mn-ea"/>
+                <a:cs typeface="+mn-cs"/>
+              </a:defRPr>
+            </a:lvl7pPr>
+            <a:lvl8pPr marL="3429000" indent="-228600" algn="l" defTabSz="457200" rtl="0" eaLnBrk="1" latinLnBrk="0" hangingPunct="1">
+              <a:spcBef>
+                <a:spcPct val="20000"/>
+              </a:spcBef>
+              <a:buFont typeface="Arial"/>
+              <a:buChar char="•"/>
+              <a:defRPr sz="2000" kern="1200">
+                <a:solidFill>
+                  <a:schemeClr val="tx1"/>
+                </a:solidFill>
+                <a:latin typeface="+mn-lt"/>
+                <a:ea typeface="+mn-ea"/>
+                <a:cs typeface="+mn-cs"/>
+              </a:defRPr>
+            </a:lvl8pPr>
+            <a:lvl9pPr marL="3886200" indent="-228600" algn="l" defTabSz="457200" rtl="0" eaLnBrk="1" latinLnBrk="0" hangingPunct="1">
+              <a:spcBef>
+                <a:spcPct val="20000"/>
+              </a:spcBef>
+              <a:buFont typeface="Arial"/>
+              <a:buChar char="•"/>
+              <a:defRPr sz="2000" kern="1200">
+                <a:solidFill>
+                  <a:schemeClr val="tx1"/>
+                </a:solidFill>
+                <a:latin typeface="+mn-lt"/>
+                <a:ea typeface="+mn-ea"/>
+                <a:cs typeface="+mn-cs"/>
+              </a:defRPr>
+            </a:lvl9pPr>
+          </a:lstStyle>
+          <a:p>
+            <a:pPr marL="0" indent="0">
+              <a:buNone/>
+            </a:pPr>
+            <a:r>
+              <a:rPr lang="en-US" sz="1800" dirty="0">
+                <a:latin typeface="Helvetica Neue" panose="02000503000000020004" pitchFamily="2" charset="0"/>
+              </a:rPr>
+              <a:t>q</a:t>
+            </a:r>
+            <a:r>
+              <a:rPr lang="en-US" sz="1800" dirty="0">
+                <a:effectLst/>
+                <a:latin typeface="Helvetica Neue" panose="02000503000000020004" pitchFamily="2" charset="0"/>
+              </a:rPr>
+              <a:t>uery {</a:t>
+            </a:r>
+          </a:p>
+          <a:p>
+            <a:pPr marL="0" indent="0">
+              <a:buNone/>
+            </a:pPr>
+            <a:r>
+              <a:rPr lang="en-US" sz="1800" dirty="0">
+                <a:effectLst/>
+                <a:latin typeface="Helvetica Neue" panose="02000503000000020004" pitchFamily="2" charset="0"/>
+              </a:rPr>
+              <a:t>  </a:t>
+            </a:r>
+            <a:r>
+              <a:rPr lang="en-US" sz="1800" dirty="0" err="1">
+                <a:effectLst/>
+                <a:latin typeface="Helvetica Neue" panose="02000503000000020004" pitchFamily="2" charset="0"/>
+              </a:rPr>
+              <a:t>firstQuery</a:t>
+            </a:r>
+            <a:r>
+              <a:rPr lang="en-US" sz="1800" dirty="0">
+                <a:effectLst/>
+                <a:latin typeface="Helvetica Neue" panose="02000503000000020004" pitchFamily="2" charset="0"/>
+              </a:rPr>
+              <a:t>: String</a:t>
+            </a:r>
+          </a:p>
+          <a:p>
+            <a:pPr marL="0" indent="0">
+              <a:buNone/>
+            </a:pPr>
+            <a:r>
+              <a:rPr lang="en-US" sz="1800" dirty="0">
+                <a:effectLst/>
+                <a:latin typeface="Helvetica Neue" panose="02000503000000020004" pitchFamily="2" charset="0"/>
+              </a:rPr>
+              <a:t>  </a:t>
+            </a:r>
+            <a:r>
+              <a:rPr lang="en-US" sz="1800" dirty="0" err="1">
+                <a:effectLst/>
+                <a:latin typeface="Helvetica Neue" panose="02000503000000020004" pitchFamily="2" charset="0"/>
+              </a:rPr>
+              <a:t>secondQuery</a:t>
+            </a:r>
+            <a:r>
+              <a:rPr lang="en-US" sz="1800" dirty="0">
+                <a:effectLst/>
+                <a:latin typeface="Helvetica Neue" panose="02000503000000020004" pitchFamily="2" charset="0"/>
+              </a:rPr>
+              <a:t>: String</a:t>
+            </a:r>
+          </a:p>
+          <a:p>
+            <a:pPr marL="0" indent="0">
+              <a:buNone/>
+            </a:pPr>
+            <a:r>
+              <a:rPr lang="en-US" sz="1800" dirty="0">
+                <a:effectLst/>
+                <a:latin typeface="Helvetica Neue" panose="02000503000000020004" pitchFamily="2" charset="0"/>
+              </a:rPr>
+              <a:t>}</a:t>
+            </a:r>
+          </a:p>
+          <a:p>
+            <a:pPr marL="0" marR="0" indent="0">
+              <a:buNone/>
+            </a:pPr>
+            <a:endParaRPr lang="en-US" sz="1800" dirty="0"/>
+          </a:p>
+          <a:p>
+            <a:pPr marL="0" marR="0" indent="0">
+              <a:buNone/>
+            </a:pPr>
+            <a:endParaRPr lang="en-US" sz="1800" dirty="0"/>
+          </a:p>
+        </p:txBody>
+      </p:sp>
+      <p:sp>
+        <p:nvSpPr>
+          <p:cNvPr id="5" name="Title 1">
+            <a:extLst>
+              <a:ext uri="{FF2B5EF4-FFF2-40B4-BE49-F238E27FC236}">
+                <a16:creationId xmlns:a16="http://schemas.microsoft.com/office/drawing/2014/main" id="{CE31AB3D-EE00-C4CF-1F57-82BF3710BF81}"/>
+              </a:ext>
+            </a:extLst>
+          </p:cNvPr>
+          <p:cNvSpPr txBox="1">
+            <a:spLocks/>
+          </p:cNvSpPr>
+          <p:nvPr/>
+        </p:nvSpPr>
+        <p:spPr>
+          <a:xfrm>
+            <a:off x="457200" y="3288420"/>
+            <a:ext cx="8229600" cy="520206"/>
+          </a:xfrm>
+          <a:prstGeom prst="rect">
+            <a:avLst/>
+          </a:prstGeom>
+        </p:spPr>
+        <p:txBody>
+          <a:bodyPr vert="horz" lIns="91440" tIns="45720" rIns="91440" bIns="45720" rtlCol="0" anchor="ctr">
+            <a:normAutofit fontScale="77500" lnSpcReduction="20000"/>
+          </a:bodyPr>
+          <a:lstStyle>
+            <a:lvl1pPr algn="ctr" defTabSz="457200" rtl="0" eaLnBrk="1" latinLnBrk="0" hangingPunct="1">
+              <a:spcBef>
+                <a:spcPct val="0"/>
+              </a:spcBef>
+              <a:buNone/>
+              <a:defRPr sz="4400" kern="1200">
+                <a:solidFill>
+                  <a:schemeClr val="tx1"/>
+                </a:solidFill>
+                <a:latin typeface="+mj-lt"/>
+                <a:ea typeface="+mj-ea"/>
+                <a:cs typeface="+mj-cs"/>
+              </a:defRPr>
+            </a:lvl1pPr>
+          </a:lstStyle>
+          <a:p>
+            <a:r>
+              <a:rPr lang="en-US" dirty="0" err="1"/>
+              <a:t>Exemplo</a:t>
+            </a:r>
+            <a:endParaRPr lang="en-US" dirty="0"/>
           </a:p>
         </p:txBody>
       </p:sp>
@@ -3339,7 +4358,7 @@
           <a:p>
             <a:r>
               <a:rPr dirty="0"/>
-              <a:t>9. </a:t>
+              <a:t>7. </a:t>
             </a:r>
             <a:r>
               <a:rPr dirty="0" err="1"/>
@@ -3347,7 +4366,7 @@
             </a:r>
             <a:r>
               <a:rPr dirty="0"/>
-              <a:t> N+1 Problem</a:t>
+              <a:t> Mutation</a:t>
             </a:r>
           </a:p>
         </p:txBody>
@@ -3364,27 +4383,36 @@
         </p:nvSpPr>
         <p:spPr>
           <a:xfrm>
-            <a:off x="457200" y="1600201"/>
-            <a:ext cx="8229600" cy="1604140"/>
+            <a:off x="457200" y="1600200"/>
+            <a:ext cx="8229600" cy="1227083"/>
           </a:xfrm>
         </p:spPr>
         <p:txBody>
           <a:bodyPr/>
           <a:lstStyle/>
           <a:p>
-            <a:endParaRPr dirty="0"/>
-          </a:p>
-          <a:p>
             <a:pPr>
               <a:defRPr sz="1800"/>
             </a:pPr>
             <a:r>
-              <a:rPr dirty="0"/>
-              <a:t>Consulta </a:t>
-            </a:r>
-            <a:r>
-              <a:rPr dirty="0" err="1"/>
-              <a:t>inicial</a:t>
+              <a:rPr dirty="0" err="1"/>
+              <a:t>Usada</a:t>
+            </a:r>
+            <a:r>
+              <a:rPr dirty="0"/>
+              <a:t> para </a:t>
+            </a:r>
+            <a:r>
+              <a:rPr dirty="0" err="1"/>
+              <a:t>criar</a:t>
+            </a:r>
+            <a:r>
+              <a:rPr dirty="0"/>
+              <a:t>, </a:t>
+            </a:r>
+            <a:r>
+              <a:rPr dirty="0" err="1"/>
+              <a:t>atualizar</a:t>
             </a:r>
             <a:r>
               <a:rPr dirty="0"/>
@@ -3392,49 +4420,32 @@
             </a:r>
             <a:r>
               <a:rPr dirty="0" err="1"/>
-              <a:t>retorna</a:t>
-            </a:r>
-            <a:r>
-              <a:rPr dirty="0"/>
-              <a:t> N </a:t>
-            </a:r>
-            <a:r>
-              <a:rPr dirty="0" err="1"/>
-              <a:t>itens</a:t>
-            </a:r>
-            <a:endParaRPr dirty="0"/>
+              <a:t>ou</a:t>
+            </a:r>
+            <a:r>
+              <a:rPr dirty="0"/>
+              <a:t> remover dados</a:t>
+            </a:r>
           </a:p>
           <a:p>
             <a:pPr>
               <a:defRPr sz="1800"/>
             </a:pPr>
             <a:r>
-              <a:rPr dirty="0"/>
-              <a:t>Para </a:t>
-            </a:r>
-            <a:r>
-              <a:rPr dirty="0" err="1"/>
-              <a:t>cada</a:t>
-            </a:r>
-            <a:r>
-              <a:rPr dirty="0"/>
-              <a:t> item, </a:t>
-            </a:r>
-            <a:r>
-              <a:rPr dirty="0" err="1"/>
-              <a:t>executa</a:t>
-            </a:r>
-            <a:r>
-              <a:rPr dirty="0"/>
-              <a:t> </a:t>
-            </a:r>
-            <a:r>
-              <a:rPr dirty="0" err="1"/>
-              <a:t>uma</a:t>
-            </a:r>
-            <a:r>
-              <a:rPr dirty="0"/>
-              <a:t> nova consulta → N+1</a:t>
+              <a:rPr dirty="0" err="1"/>
+              <a:t>Definida</a:t>
+            </a:r>
+            <a:r>
+              <a:rPr dirty="0"/>
+              <a:t> no schema </a:t>
+            </a:r>
+            <a:r>
+              <a:rPr dirty="0" err="1"/>
+              <a:t>como</a:t>
+            </a:r>
+            <a:r>
+              <a:rPr dirty="0"/>
+              <a:t> 'Mutation'</a:t>
             </a:r>
           </a:p>
           <a:p>
@@ -3442,16 +4453,28 @@
               <a:defRPr sz="1800"/>
             </a:pPr>
             <a:r>
-              <a:rPr dirty="0" err="1"/>
-              <a:t>Soluções</a:t>
-            </a:r>
-            <a:r>
-              <a:rPr dirty="0"/>
-              <a:t>: Fetch Join, Batch Loading, </a:t>
-            </a:r>
-            <a:r>
-              <a:rPr dirty="0" err="1"/>
-              <a:t>DataLoader</a:t>
+              <a:rPr dirty="0"/>
+              <a:t>Cada campo </a:t>
+            </a:r>
+            <a:r>
+              <a:rPr dirty="0" err="1"/>
+              <a:t>representa</a:t>
+            </a:r>
+            <a:r>
+              <a:rPr dirty="0"/>
+              <a:t> </a:t>
+            </a:r>
+            <a:r>
+              <a:rPr dirty="0" err="1"/>
+              <a:t>uma</a:t>
+            </a:r>
+            <a:r>
+              <a:rPr dirty="0"/>
+              <a:t> </a:t>
+            </a:r>
+            <a:r>
+              <a:rPr dirty="0" err="1"/>
+              <a:t>operação</a:t>
             </a:r>
             <a:endParaRPr dirty="0"/>
           </a:p>
@@ -3462,7 +4485,7 @@
           <p:cNvPr id="4" name="Content Placeholder 2">
             <a:extLst>
               <a:ext uri="{FF2B5EF4-FFF2-40B4-BE49-F238E27FC236}">
-                <a16:creationId xmlns:a16="http://schemas.microsoft.com/office/drawing/2014/main" id="{2A349F57-9F47-244A-7CB9-E713627C95D7}"/>
+                <a16:creationId xmlns:a16="http://schemas.microsoft.com/office/drawing/2014/main" id="{DA2BE089-7B62-1FC4-CFBD-ED677A978C7D}"/>
               </a:ext>
             </a:extLst>
           </p:cNvPr>
@@ -3479,10 +4502,15 @@
           <a:prstGeom prst="rect">
             <a:avLst/>
           </a:prstGeom>
+          <a:ln>
+            <a:solidFill>
+              <a:schemeClr val="tx1"/>
+            </a:solidFill>
+          </a:ln>
         </p:spPr>
         <p:txBody>
           <a:bodyPr vert="horz" lIns="91440" tIns="45720" rIns="91440" bIns="45720" rtlCol="0">
-            <a:normAutofit fontScale="85000" lnSpcReduction="20000"/>
+            <a:normAutofit fontScale="92500" lnSpcReduction="20000"/>
           </a:bodyPr>
           <a:lstStyle>
             <a:lvl1pPr marL="342900" indent="-342900" algn="l" defTabSz="457200" rtl="0" eaLnBrk="1" latinLnBrk="0" hangingPunct="1">
@@ -3626,8 +4654,21 @@
               <a:buNone/>
             </a:pPr>
             <a:r>
-              <a:rPr lang="en-US" sz="2000" dirty="0"/>
-              <a:t>1. SELECT * FROM authors;</a:t>
+              <a:rPr lang="en-US" sz="1900" dirty="0">
+                <a:latin typeface="Helvetica Neue" panose="02000503000000020004" pitchFamily="2" charset="0"/>
+                <a:ea typeface="Helvetica Neue" panose="02000503000000020004" pitchFamily="2" charset="0"/>
+                <a:cs typeface="Helvetica Neue" panose="02000503000000020004" pitchFamily="2" charset="0"/>
+              </a:rPr>
+              <a:t>mutation</a:t>
+            </a:r>
+            <a:r>
+              <a:rPr lang="en-US" sz="1900" dirty="0">
+                <a:effectLst/>
+                <a:latin typeface="Helvetica Neue" panose="02000503000000020004" pitchFamily="2" charset="0"/>
+                <a:ea typeface="Helvetica Neue" panose="02000503000000020004" pitchFamily="2" charset="0"/>
+                <a:cs typeface="Helvetica Neue" panose="02000503000000020004" pitchFamily="2" charset="0"/>
+              </a:rPr>
+              <a:t> {</a:t>
             </a:r>
           </a:p>
           <a:p>
@@ -3635,88 +4676,158 @@
               <a:buNone/>
             </a:pPr>
             <a:r>
-              <a:rPr lang="en-US" sz="2000" dirty="0"/>
-              <a:t>2. Para </a:t>
-            </a:r>
-            <a:r>
-              <a:rPr lang="en-US" sz="2000" dirty="0" err="1"/>
-              <a:t>cada</a:t>
-            </a:r>
-            <a:r>
-              <a:rPr lang="en-US" sz="2000" dirty="0"/>
-              <a:t> </a:t>
-            </a:r>
-            <a:r>
-              <a:rPr lang="en-US" sz="2000" dirty="0" err="1"/>
-              <a:t>autor</a:t>
-            </a:r>
-            <a:r>
-              <a:rPr lang="en-US" sz="2000" dirty="0"/>
-              <a:t>:</a:t>
+              <a:rPr lang="en-US" sz="1900" dirty="0">
+                <a:effectLst/>
+                <a:latin typeface="Helvetica Neue" panose="02000503000000020004" pitchFamily="2" charset="0"/>
+                <a:ea typeface="Helvetica Neue" panose="02000503000000020004" pitchFamily="2" charset="0"/>
+                <a:cs typeface="Helvetica Neue" panose="02000503000000020004" pitchFamily="2" charset="0"/>
+              </a:rPr>
+              <a:t>  </a:t>
+            </a:r>
+            <a:r>
+              <a:rPr lang="en-US" sz="1900" dirty="0" err="1">
+                <a:effectLst/>
+                <a:latin typeface="Helvetica Neue" panose="02000503000000020004" pitchFamily="2" charset="0"/>
+                <a:ea typeface="Helvetica Neue" panose="02000503000000020004" pitchFamily="2" charset="0"/>
+                <a:cs typeface="Helvetica Neue" panose="02000503000000020004" pitchFamily="2" charset="0"/>
+              </a:rPr>
+              <a:t>createStudent</a:t>
+            </a:r>
+            <a:r>
+              <a:rPr lang="en-US" sz="1900" dirty="0">
+                <a:effectLst/>
+                <a:latin typeface="Helvetica Neue" panose="02000503000000020004" pitchFamily="2" charset="0"/>
+                <a:ea typeface="Helvetica Neue" panose="02000503000000020004" pitchFamily="2" charset="0"/>
+                <a:cs typeface="Helvetica Neue" panose="02000503000000020004" pitchFamily="2" charset="0"/>
+              </a:rPr>
+              <a:t>(</a:t>
+            </a:r>
+            <a:r>
+              <a:rPr lang="en-US" sz="1900" dirty="0" err="1">
+                <a:effectLst/>
+                <a:latin typeface="Helvetica Neue" panose="02000503000000020004" pitchFamily="2" charset="0"/>
+                <a:ea typeface="Helvetica Neue" panose="02000503000000020004" pitchFamily="2" charset="0"/>
+                <a:cs typeface="Helvetica Neue" panose="02000503000000020004" pitchFamily="2" charset="0"/>
+              </a:rPr>
+              <a:t>createStudentRequest</a:t>
+            </a:r>
+            <a:r>
+              <a:rPr lang="en-US" sz="1900" dirty="0">
+                <a:effectLst/>
+                <a:latin typeface="Helvetica Neue" panose="02000503000000020004" pitchFamily="2" charset="0"/>
+                <a:ea typeface="Helvetica Neue" panose="02000503000000020004" pitchFamily="2" charset="0"/>
+                <a:cs typeface="Helvetica Neue" panose="02000503000000020004" pitchFamily="2" charset="0"/>
+              </a:rPr>
+              <a:t> : {</a:t>
             </a:r>
           </a:p>
           <a:p>
             <a:pPr marL="0" indent="0">
-              <a:buNone/>
-            </a:pPr>
-            <a:r>
-              <a:rPr lang="en-US" sz="2000" dirty="0"/>
-              <a:t>   → SELECT * FROM books WHERE </a:t>
-            </a:r>
-            <a:r>
-              <a:rPr lang="en-US" sz="2000" dirty="0" err="1"/>
-              <a:t>author_id</a:t>
-            </a:r>
-            <a:r>
-              <a:rPr lang="en-US" sz="2000" dirty="0"/>
-              <a:t> = ?</a:t>
+              <a:lnSpc>
+                <a:spcPts val="1350"/>
+              </a:lnSpc>
+              <a:buNone/>
+            </a:pPr>
+            <a:r>
+              <a:rPr lang="en-US" sz="1900" b="0" dirty="0">
+                <a:effectLst/>
+                <a:latin typeface="Helvetica Neue" panose="02000503000000020004" pitchFamily="2" charset="0"/>
+                <a:ea typeface="Helvetica Neue" panose="02000503000000020004" pitchFamily="2" charset="0"/>
+                <a:cs typeface="Helvetica Neue" panose="02000503000000020004" pitchFamily="2" charset="0"/>
+              </a:rPr>
+              <a:t>      </a:t>
+            </a:r>
+            <a:r>
+              <a:rPr lang="en-US" sz="1900" b="0" dirty="0" err="1">
+                <a:effectLst/>
+                <a:latin typeface="Helvetica Neue" panose="02000503000000020004" pitchFamily="2" charset="0"/>
+                <a:ea typeface="Helvetica Neue" panose="02000503000000020004" pitchFamily="2" charset="0"/>
+                <a:cs typeface="Helvetica Neue" panose="02000503000000020004" pitchFamily="2" charset="0"/>
+              </a:rPr>
+              <a:t>firstName</a:t>
+            </a:r>
+            <a:r>
+              <a:rPr lang="en-US" sz="1900" b="0" dirty="0">
+                <a:effectLst/>
+                <a:latin typeface="Helvetica Neue" panose="02000503000000020004" pitchFamily="2" charset="0"/>
+                <a:ea typeface="Helvetica Neue" panose="02000503000000020004" pitchFamily="2" charset="0"/>
+                <a:cs typeface="Helvetica Neue" panose="02000503000000020004" pitchFamily="2" charset="0"/>
+              </a:rPr>
+              <a:t>: "John"</a:t>
             </a:r>
           </a:p>
           <a:p>
             <a:pPr marL="0" indent="0">
-              <a:buNone/>
-            </a:pPr>
-            <a:r>
-              <a:rPr lang="en-US" sz="2000" dirty="0"/>
-              <a:t>   → SELECT * FROM books WHERE </a:t>
-            </a:r>
-            <a:r>
-              <a:rPr lang="en-US" sz="2000" dirty="0" err="1"/>
-              <a:t>author_id</a:t>
-            </a:r>
-            <a:r>
-              <a:rPr lang="en-US" sz="2000" dirty="0"/>
-              <a:t> = ?</a:t>
-            </a:r>
+              <a:lnSpc>
+                <a:spcPts val="1350"/>
+              </a:lnSpc>
+              <a:buNone/>
+            </a:pPr>
+            <a:r>
+              <a:rPr lang="en-US" sz="1900" b="0" dirty="0">
+                <a:effectLst/>
+                <a:latin typeface="Helvetica Neue" panose="02000503000000020004" pitchFamily="2" charset="0"/>
+                <a:ea typeface="Helvetica Neue" panose="02000503000000020004" pitchFamily="2" charset="0"/>
+                <a:cs typeface="Helvetica Neue" panose="02000503000000020004" pitchFamily="2" charset="0"/>
+              </a:rPr>
+              <a:t>      </a:t>
+            </a:r>
+            <a:r>
+              <a:rPr lang="en-US" sz="1900" b="0" dirty="0" err="1">
+                <a:effectLst/>
+                <a:latin typeface="Helvetica Neue" panose="02000503000000020004" pitchFamily="2" charset="0"/>
+                <a:ea typeface="Helvetica Neue" panose="02000503000000020004" pitchFamily="2" charset="0"/>
+                <a:cs typeface="Helvetica Neue" panose="02000503000000020004" pitchFamily="2" charset="0"/>
+              </a:rPr>
+              <a:t>lastName</a:t>
+            </a:r>
+            <a:r>
+              <a:rPr lang="en-US" sz="1900" b="0" dirty="0">
+                <a:effectLst/>
+                <a:latin typeface="Helvetica Neue" panose="02000503000000020004" pitchFamily="2" charset="0"/>
+                <a:ea typeface="Helvetica Neue" panose="02000503000000020004" pitchFamily="2" charset="0"/>
+                <a:cs typeface="Helvetica Neue" panose="02000503000000020004" pitchFamily="2" charset="0"/>
+              </a:rPr>
+              <a:t>: "Doe"</a:t>
+            </a:r>
+            <a:endParaRPr lang="en-US" sz="1900" dirty="0">
+              <a:effectLst/>
+              <a:latin typeface="Helvetica Neue" panose="02000503000000020004" pitchFamily="2" charset="0"/>
+              <a:ea typeface="Helvetica Neue" panose="02000503000000020004" pitchFamily="2" charset="0"/>
+              <a:cs typeface="Helvetica Neue" panose="02000503000000020004" pitchFamily="2" charset="0"/>
+            </a:endParaRPr>
           </a:p>
           <a:p>
             <a:pPr marL="0" indent="0">
               <a:buNone/>
             </a:pPr>
             <a:r>
-              <a:rPr lang="en-US" sz="2000" dirty="0"/>
-              <a:t>   ...</a:t>
-            </a:r>
+              <a:rPr lang="en-US" sz="1900" dirty="0">
+                <a:latin typeface="Helvetica Neue" panose="02000503000000020004" pitchFamily="2" charset="0"/>
+                <a:ea typeface="Helvetica Neue" panose="02000503000000020004" pitchFamily="2" charset="0"/>
+                <a:cs typeface="Helvetica Neue" panose="02000503000000020004" pitchFamily="2" charset="0"/>
+              </a:rPr>
+              <a:t>   }</a:t>
+            </a:r>
+            <a:endParaRPr lang="en-US" sz="1900" dirty="0">
+              <a:effectLst/>
+              <a:latin typeface="Helvetica Neue" panose="02000503000000020004" pitchFamily="2" charset="0"/>
+              <a:ea typeface="Helvetica Neue" panose="02000503000000020004" pitchFamily="2" charset="0"/>
+              <a:cs typeface="Helvetica Neue" panose="02000503000000020004" pitchFamily="2" charset="0"/>
+            </a:endParaRPr>
           </a:p>
           <a:p>
             <a:pPr marL="0" indent="0">
               <a:buNone/>
             </a:pPr>
             <a:r>
-              <a:rPr lang="en-US" sz="2000" dirty="0" err="1"/>
-              <a:t>Resultado</a:t>
-            </a:r>
-            <a:r>
-              <a:rPr lang="en-US" sz="2000" dirty="0"/>
-              <a:t>: 1 + N queries </a:t>
-            </a:r>
-            <a:r>
-              <a:rPr lang="en-US" sz="2000" dirty="0" err="1"/>
-              <a:t>ao</a:t>
-            </a:r>
-            <a:r>
-              <a:rPr lang="en-US" sz="2000" dirty="0"/>
-              <a:t> banco de dados</a:t>
+              <a:rPr lang="en-US" sz="1900" dirty="0">
+                <a:effectLst/>
+                <a:latin typeface="Helvetica Neue" panose="02000503000000020004" pitchFamily="2" charset="0"/>
+                <a:ea typeface="Helvetica Neue" panose="02000503000000020004" pitchFamily="2" charset="0"/>
+                <a:cs typeface="Helvetica Neue" panose="02000503000000020004" pitchFamily="2" charset="0"/>
+              </a:rPr>
+              <a:t>}</a:t>
             </a:r>
           </a:p>
           <a:p>
@@ -3738,7 +4849,7 @@
           <p:cNvPr id="5" name="Title 1">
             <a:extLst>
               <a:ext uri="{FF2B5EF4-FFF2-40B4-BE49-F238E27FC236}">
-                <a16:creationId xmlns:a16="http://schemas.microsoft.com/office/drawing/2014/main" id="{73BE0F19-C739-0E76-AC76-A5FE02CDD4A0}"/>
+                <a16:creationId xmlns:a16="http://schemas.microsoft.com/office/drawing/2014/main" id="{4B4EE0AA-0186-DAF4-5337-5588B7016203}"/>
               </a:ext>
             </a:extLst>
           </p:cNvPr>
@@ -3826,6 +4937,1326 @@
           <a:lstStyle/>
           <a:p>
             <a:r>
+              <a:rPr dirty="0"/>
+              <a:t>8. </a:t>
+            </a:r>
+            <a:r>
+              <a:rPr dirty="0" err="1"/>
+              <a:t>GraphQL</a:t>
+            </a:r>
+            <a:r>
+              <a:rPr dirty="0"/>
+              <a:t> Resolver</a:t>
+            </a:r>
+          </a:p>
+        </p:txBody>
+      </p:sp>
+      <p:sp>
+        <p:nvSpPr>
+          <p:cNvPr id="3" name="Content Placeholder 2"/>
+          <p:cNvSpPr>
+            <a:spLocks noGrp="1"/>
+          </p:cNvSpPr>
+          <p:nvPr>
+            <p:ph idx="1"/>
+          </p:nvPr>
+        </p:nvSpPr>
+        <p:spPr>
+          <a:xfrm>
+            <a:off x="457200" y="1600201"/>
+            <a:ext cx="8229600" cy="1258614"/>
+          </a:xfrm>
+        </p:spPr>
+        <p:txBody>
+          <a:bodyPr/>
+          <a:lstStyle/>
+          <a:p>
+            <a:pPr>
+              <a:defRPr sz="1800"/>
+            </a:pPr>
+            <a:r>
+              <a:rPr dirty="0" err="1"/>
+              <a:t>Função</a:t>
+            </a:r>
+            <a:r>
+              <a:rPr dirty="0"/>
+              <a:t> que </a:t>
+            </a:r>
+            <a:r>
+              <a:rPr dirty="0" err="1"/>
+              <a:t>retorna</a:t>
+            </a:r>
+            <a:r>
+              <a:rPr dirty="0"/>
+              <a:t> </a:t>
+            </a:r>
+            <a:r>
+              <a:rPr dirty="0" err="1"/>
+              <a:t>os</a:t>
+            </a:r>
+            <a:r>
+              <a:rPr dirty="0"/>
+              <a:t> dados para um campo</a:t>
+            </a:r>
+          </a:p>
+          <a:p>
+            <a:pPr>
+              <a:defRPr sz="1800"/>
+            </a:pPr>
+            <a:r>
+              <a:rPr dirty="0" err="1"/>
+              <a:t>Tipos</a:t>
+            </a:r>
+            <a:r>
+              <a:rPr dirty="0"/>
+              <a:t>: Query, Mutation, Field Resolver</a:t>
+            </a:r>
+          </a:p>
+          <a:p>
+            <a:pPr>
+              <a:defRPr sz="1800"/>
+            </a:pPr>
+            <a:r>
+              <a:rPr dirty="0" err="1"/>
+              <a:t>Executado</a:t>
+            </a:r>
+            <a:r>
+              <a:rPr dirty="0"/>
+              <a:t> </a:t>
+            </a:r>
+            <a:r>
+              <a:rPr dirty="0" err="1"/>
+              <a:t>apenas</a:t>
+            </a:r>
+            <a:r>
+              <a:rPr dirty="0"/>
+              <a:t> se o campo for </a:t>
+            </a:r>
+            <a:r>
+              <a:rPr dirty="0" err="1"/>
+              <a:t>solicitado</a:t>
+            </a:r>
+            <a:endParaRPr lang="es-ES" dirty="0"/>
+          </a:p>
+          <a:p>
+            <a:pPr>
+              <a:defRPr sz="1800"/>
+            </a:pPr>
+            <a:endParaRPr dirty="0"/>
+          </a:p>
+        </p:txBody>
+      </p:sp>
+      <p:sp>
+        <p:nvSpPr>
+          <p:cNvPr id="4" name="Content Placeholder 2">
+            <a:extLst>
+              <a:ext uri="{FF2B5EF4-FFF2-40B4-BE49-F238E27FC236}">
+                <a16:creationId xmlns:a16="http://schemas.microsoft.com/office/drawing/2014/main" id="{3424E26A-63A0-9533-5A47-4D9725844F98}"/>
+              </a:ext>
+            </a:extLst>
+          </p:cNvPr>
+          <p:cNvSpPr txBox="1">
+            <a:spLocks/>
+          </p:cNvSpPr>
+          <p:nvPr/>
+        </p:nvSpPr>
+        <p:spPr>
+          <a:xfrm>
+            <a:off x="457200" y="4005700"/>
+            <a:ext cx="8229600" cy="1258614"/>
+          </a:xfrm>
+          <a:prstGeom prst="rect">
+            <a:avLst/>
+          </a:prstGeom>
+        </p:spPr>
+        <p:txBody>
+          <a:bodyPr vert="horz" lIns="91440" tIns="45720" rIns="91440" bIns="45720" rtlCol="0">
+            <a:normAutofit fontScale="92500" lnSpcReduction="20000"/>
+          </a:bodyPr>
+          <a:lstStyle>
+            <a:lvl1pPr marL="342900" indent="-342900" algn="l" defTabSz="457200" rtl="0" eaLnBrk="1" latinLnBrk="0" hangingPunct="1">
+              <a:spcBef>
+                <a:spcPct val="20000"/>
+              </a:spcBef>
+              <a:buFont typeface="Arial"/>
+              <a:buChar char="•"/>
+              <a:defRPr sz="3200" kern="1200">
+                <a:solidFill>
+                  <a:schemeClr val="tx1"/>
+                </a:solidFill>
+                <a:latin typeface="+mn-lt"/>
+                <a:ea typeface="+mn-ea"/>
+                <a:cs typeface="+mn-cs"/>
+              </a:defRPr>
+            </a:lvl1pPr>
+            <a:lvl2pPr marL="742950" indent="-285750" algn="l" defTabSz="457200" rtl="0" eaLnBrk="1" latinLnBrk="0" hangingPunct="1">
+              <a:spcBef>
+                <a:spcPct val="20000"/>
+              </a:spcBef>
+              <a:buFont typeface="Arial"/>
+              <a:buChar char="–"/>
+              <a:defRPr sz="2800" kern="1200">
+                <a:solidFill>
+                  <a:schemeClr val="tx1"/>
+                </a:solidFill>
+                <a:latin typeface="+mn-lt"/>
+                <a:ea typeface="+mn-ea"/>
+                <a:cs typeface="+mn-cs"/>
+              </a:defRPr>
+            </a:lvl2pPr>
+            <a:lvl3pPr marL="1143000" indent="-228600" algn="l" defTabSz="457200" rtl="0" eaLnBrk="1" latinLnBrk="0" hangingPunct="1">
+              <a:spcBef>
+                <a:spcPct val="20000"/>
+              </a:spcBef>
+              <a:buFont typeface="Arial"/>
+              <a:buChar char="•"/>
+              <a:defRPr sz="2400" kern="1200">
+                <a:solidFill>
+                  <a:schemeClr val="tx1"/>
+                </a:solidFill>
+                <a:latin typeface="+mn-lt"/>
+                <a:ea typeface="+mn-ea"/>
+                <a:cs typeface="+mn-cs"/>
+              </a:defRPr>
+            </a:lvl3pPr>
+            <a:lvl4pPr marL="1600200" indent="-228600" algn="l" defTabSz="457200" rtl="0" eaLnBrk="1" latinLnBrk="0" hangingPunct="1">
+              <a:spcBef>
+                <a:spcPct val="20000"/>
+              </a:spcBef>
+              <a:buFont typeface="Arial"/>
+              <a:buChar char="–"/>
+              <a:defRPr sz="2000" kern="1200">
+                <a:solidFill>
+                  <a:schemeClr val="tx1"/>
+                </a:solidFill>
+                <a:latin typeface="+mn-lt"/>
+                <a:ea typeface="+mn-ea"/>
+                <a:cs typeface="+mn-cs"/>
+              </a:defRPr>
+            </a:lvl4pPr>
+            <a:lvl5pPr marL="2057400" indent="-228600" algn="l" defTabSz="457200" rtl="0" eaLnBrk="1" latinLnBrk="0" hangingPunct="1">
+              <a:spcBef>
+                <a:spcPct val="20000"/>
+              </a:spcBef>
+              <a:buFont typeface="Arial"/>
+              <a:buChar char="»"/>
+              <a:defRPr sz="2000" kern="1200">
+                <a:solidFill>
+                  <a:schemeClr val="tx1"/>
+                </a:solidFill>
+                <a:latin typeface="+mn-lt"/>
+                <a:ea typeface="+mn-ea"/>
+                <a:cs typeface="+mn-cs"/>
+              </a:defRPr>
+            </a:lvl5pPr>
+            <a:lvl6pPr marL="2514600" indent="-228600" algn="l" defTabSz="457200" rtl="0" eaLnBrk="1" latinLnBrk="0" hangingPunct="1">
+              <a:spcBef>
+                <a:spcPct val="20000"/>
+              </a:spcBef>
+              <a:buFont typeface="Arial"/>
+              <a:buChar char="•"/>
+              <a:defRPr sz="2000" kern="1200">
+                <a:solidFill>
+                  <a:schemeClr val="tx1"/>
+                </a:solidFill>
+                <a:latin typeface="+mn-lt"/>
+                <a:ea typeface="+mn-ea"/>
+                <a:cs typeface="+mn-cs"/>
+              </a:defRPr>
+            </a:lvl6pPr>
+            <a:lvl7pPr marL="2971800" indent="-228600" algn="l" defTabSz="457200" rtl="0" eaLnBrk="1" latinLnBrk="0" hangingPunct="1">
+              <a:spcBef>
+                <a:spcPct val="20000"/>
+              </a:spcBef>
+              <a:buFont typeface="Arial"/>
+              <a:buChar char="•"/>
+              <a:defRPr sz="2000" kern="1200">
+                <a:solidFill>
+                  <a:schemeClr val="tx1"/>
+                </a:solidFill>
+                <a:latin typeface="+mn-lt"/>
+                <a:ea typeface="+mn-ea"/>
+                <a:cs typeface="+mn-cs"/>
+              </a:defRPr>
+            </a:lvl7pPr>
+            <a:lvl8pPr marL="3429000" indent="-228600" algn="l" defTabSz="457200" rtl="0" eaLnBrk="1" latinLnBrk="0" hangingPunct="1">
+              <a:spcBef>
+                <a:spcPct val="20000"/>
+              </a:spcBef>
+              <a:buFont typeface="Arial"/>
+              <a:buChar char="•"/>
+              <a:defRPr sz="2000" kern="1200">
+                <a:solidFill>
+                  <a:schemeClr val="tx1"/>
+                </a:solidFill>
+                <a:latin typeface="+mn-lt"/>
+                <a:ea typeface="+mn-ea"/>
+                <a:cs typeface="+mn-cs"/>
+              </a:defRPr>
+            </a:lvl8pPr>
+            <a:lvl9pPr marL="3886200" indent="-228600" algn="l" defTabSz="457200" rtl="0" eaLnBrk="1" latinLnBrk="0" hangingPunct="1">
+              <a:spcBef>
+                <a:spcPct val="20000"/>
+              </a:spcBef>
+              <a:buFont typeface="Arial"/>
+              <a:buChar char="•"/>
+              <a:defRPr sz="2000" kern="1200">
+                <a:solidFill>
+                  <a:schemeClr val="tx1"/>
+                </a:solidFill>
+                <a:latin typeface="+mn-lt"/>
+                <a:ea typeface="+mn-ea"/>
+                <a:cs typeface="+mn-cs"/>
+              </a:defRPr>
+            </a:lvl9pPr>
+          </a:lstStyle>
+          <a:p>
+            <a:pPr defTabSz="914400" eaLnBrk="0" fontAlgn="base" hangingPunct="0">
+              <a:spcBef>
+                <a:spcPct val="0"/>
+              </a:spcBef>
+              <a:spcAft>
+                <a:spcPct val="0"/>
+              </a:spcAft>
+              <a:tabLst>
+                <a:tab pos="457200" algn="l"/>
+              </a:tabLst>
+            </a:pPr>
+            <a:r>
+              <a:rPr kumimoji="0" lang="pt-PT" altLang="en-US" sz="1900" b="1" i="0" u="none" strike="noStrike" cap="none" normalizeH="0" baseline="0" dirty="0" err="1">
+                <a:ln>
+                  <a:noFill/>
+                </a:ln>
+                <a:solidFill>
+                  <a:schemeClr val="tx1"/>
+                </a:solidFill>
+                <a:effectLst/>
+                <a:ea typeface="Times New Roman" panose="02020603050405020304" pitchFamily="18" charset="0"/>
+              </a:rPr>
+              <a:t>Query</a:t>
+            </a:r>
+            <a:r>
+              <a:rPr kumimoji="0" lang="pt-PT" altLang="en-US" sz="1900" b="1" i="0" u="none" strike="noStrike" cap="none" normalizeH="0" baseline="0" dirty="0">
+                <a:ln>
+                  <a:noFill/>
+                </a:ln>
+                <a:solidFill>
+                  <a:schemeClr val="tx1"/>
+                </a:solidFill>
+                <a:effectLst/>
+                <a:ea typeface="Times New Roman" panose="02020603050405020304" pitchFamily="18" charset="0"/>
+              </a:rPr>
+              <a:t> Resolver</a:t>
+            </a:r>
+            <a:r>
+              <a:rPr kumimoji="0" lang="pt-PT" altLang="en-US" sz="1900" b="0" i="0" u="none" strike="noStrike" cap="none" normalizeH="0" baseline="0" dirty="0">
+                <a:ln>
+                  <a:noFill/>
+                </a:ln>
+                <a:solidFill>
+                  <a:schemeClr val="tx1"/>
+                </a:solidFill>
+                <a:effectLst/>
+                <a:ea typeface="Times New Roman" panose="02020603050405020304" pitchFamily="18" charset="0"/>
+              </a:rPr>
+              <a:t> → Retorna dados para </a:t>
+            </a:r>
+            <a:r>
+              <a:rPr kumimoji="0" lang="pt-PT" altLang="en-US" sz="1900" b="0" i="0" u="none" strike="noStrike" cap="none" normalizeH="0" baseline="0" dirty="0" err="1">
+                <a:ln>
+                  <a:noFill/>
+                </a:ln>
+                <a:solidFill>
+                  <a:schemeClr val="tx1"/>
+                </a:solidFill>
+                <a:effectLst/>
+                <a:ea typeface="Times New Roman" panose="02020603050405020304" pitchFamily="18" charset="0"/>
+              </a:rPr>
+              <a:t>queries</a:t>
+            </a:r>
+            <a:r>
+              <a:rPr kumimoji="0" lang="pt-PT" altLang="en-US" sz="1900" b="0" i="0" u="none" strike="noStrike" cap="none" normalizeH="0" baseline="0" dirty="0">
+                <a:ln>
+                  <a:noFill/>
+                </a:ln>
+                <a:solidFill>
+                  <a:schemeClr val="tx1"/>
+                </a:solidFill>
+                <a:effectLst/>
+                <a:ea typeface="Times New Roman" panose="02020603050405020304" pitchFamily="18" charset="0"/>
+              </a:rPr>
+              <a:t> (</a:t>
+            </a:r>
+            <a:r>
+              <a:rPr kumimoji="0" lang="pt-PT" altLang="en-US" sz="1900" b="0" i="0" u="none" strike="noStrike" cap="none" normalizeH="0" baseline="0" dirty="0" err="1">
+                <a:ln>
+                  <a:noFill/>
+                </a:ln>
+                <a:solidFill>
+                  <a:schemeClr val="tx1"/>
+                </a:solidFill>
+                <a:effectLst/>
+                <a:ea typeface="MS Mincho" panose="02020609040205080304" pitchFamily="49" charset="-128"/>
+                <a:cs typeface="Courier New" panose="02070309020205020404" pitchFamily="49" charset="0"/>
+              </a:rPr>
+              <a:t>Query</a:t>
+            </a:r>
+            <a:r>
+              <a:rPr kumimoji="0" lang="pt-PT" altLang="en-US" sz="1900" b="0" i="0" u="none" strike="noStrike" cap="none" normalizeH="0" baseline="0" dirty="0">
+                <a:ln>
+                  <a:noFill/>
+                </a:ln>
+                <a:solidFill>
+                  <a:schemeClr val="tx1"/>
+                </a:solidFill>
+                <a:effectLst/>
+                <a:ea typeface="Times New Roman" panose="02020603050405020304" pitchFamily="18" charset="0"/>
+              </a:rPr>
+              <a:t>).</a:t>
+            </a:r>
+            <a:endParaRPr kumimoji="0" lang="pt-PT" altLang="en-US" sz="1900" b="0" i="0" u="none" strike="noStrike" cap="none" normalizeH="0" baseline="0" dirty="0">
+              <a:ln>
+                <a:noFill/>
+              </a:ln>
+              <a:solidFill>
+                <a:schemeClr val="tx1"/>
+              </a:solidFill>
+              <a:effectLst/>
+            </a:endParaRPr>
+          </a:p>
+          <a:p>
+            <a:pPr defTabSz="914400" eaLnBrk="0" fontAlgn="base" hangingPunct="0">
+              <a:spcBef>
+                <a:spcPct val="0"/>
+              </a:spcBef>
+              <a:spcAft>
+                <a:spcPct val="0"/>
+              </a:spcAft>
+              <a:tabLst>
+                <a:tab pos="457200" algn="l"/>
+              </a:tabLst>
+            </a:pPr>
+            <a:r>
+              <a:rPr kumimoji="0" lang="pt-PT" altLang="en-US" sz="1900" b="1" i="0" u="none" strike="noStrike" cap="none" normalizeH="0" baseline="0" dirty="0" err="1">
+                <a:ln>
+                  <a:noFill/>
+                </a:ln>
+                <a:solidFill>
+                  <a:schemeClr val="tx1"/>
+                </a:solidFill>
+                <a:effectLst/>
+                <a:ea typeface="Times New Roman" panose="02020603050405020304" pitchFamily="18" charset="0"/>
+              </a:rPr>
+              <a:t>Mutation</a:t>
+            </a:r>
+            <a:r>
+              <a:rPr kumimoji="0" lang="pt-PT" altLang="en-US" sz="1900" b="1" i="0" u="none" strike="noStrike" cap="none" normalizeH="0" baseline="0" dirty="0">
+                <a:ln>
+                  <a:noFill/>
+                </a:ln>
+                <a:solidFill>
+                  <a:schemeClr val="tx1"/>
+                </a:solidFill>
+                <a:effectLst/>
+                <a:ea typeface="Times New Roman" panose="02020603050405020304" pitchFamily="18" charset="0"/>
+              </a:rPr>
+              <a:t> Resolver</a:t>
+            </a:r>
+            <a:r>
+              <a:rPr kumimoji="0" lang="pt-PT" altLang="en-US" sz="1900" b="0" i="0" u="none" strike="noStrike" cap="none" normalizeH="0" baseline="0" dirty="0">
+                <a:ln>
+                  <a:noFill/>
+                </a:ln>
+                <a:solidFill>
+                  <a:schemeClr val="tx1"/>
+                </a:solidFill>
+                <a:effectLst/>
+                <a:ea typeface="Times New Roman" panose="02020603050405020304" pitchFamily="18" charset="0"/>
+              </a:rPr>
+              <a:t> → Para mudanças de dados, como criação, atualização, remoção (</a:t>
+            </a:r>
+            <a:r>
+              <a:rPr kumimoji="0" lang="pt-PT" altLang="en-US" sz="1900" b="0" i="0" u="none" strike="noStrike" cap="none" normalizeH="0" baseline="0" dirty="0" err="1">
+                <a:ln>
+                  <a:noFill/>
+                </a:ln>
+                <a:solidFill>
+                  <a:schemeClr val="tx1"/>
+                </a:solidFill>
+                <a:effectLst/>
+                <a:ea typeface="MS Mincho" panose="02020609040205080304" pitchFamily="49" charset="-128"/>
+                <a:cs typeface="Courier New" panose="02070309020205020404" pitchFamily="49" charset="0"/>
+              </a:rPr>
+              <a:t>Mutation</a:t>
+            </a:r>
+            <a:r>
+              <a:rPr kumimoji="0" lang="pt-PT" altLang="en-US" sz="1900" b="0" i="0" u="none" strike="noStrike" cap="none" normalizeH="0" baseline="0" dirty="0">
+                <a:ln>
+                  <a:noFill/>
+                </a:ln>
+                <a:solidFill>
+                  <a:schemeClr val="tx1"/>
+                </a:solidFill>
+                <a:effectLst/>
+                <a:ea typeface="Times New Roman" panose="02020603050405020304" pitchFamily="18" charset="0"/>
+              </a:rPr>
+              <a:t>).</a:t>
+            </a:r>
+            <a:endParaRPr kumimoji="0" lang="pt-PT" altLang="en-US" sz="1900" b="1" i="0" u="none" strike="noStrike" cap="none" normalizeH="0" baseline="0" dirty="0">
+              <a:ln>
+                <a:noFill/>
+              </a:ln>
+              <a:solidFill>
+                <a:schemeClr val="tx1"/>
+              </a:solidFill>
+              <a:effectLst/>
+              <a:ea typeface="Times New Roman" panose="02020603050405020304" pitchFamily="18" charset="0"/>
+            </a:endParaRPr>
+          </a:p>
+          <a:p>
+            <a:pPr defTabSz="914400" eaLnBrk="0" fontAlgn="base" hangingPunct="0">
+              <a:spcBef>
+                <a:spcPct val="0"/>
+              </a:spcBef>
+              <a:spcAft>
+                <a:spcPct val="0"/>
+              </a:spcAft>
+              <a:tabLst>
+                <a:tab pos="457200" algn="l"/>
+              </a:tabLst>
+            </a:pPr>
+            <a:r>
+              <a:rPr kumimoji="0" lang="pt-PT" altLang="en-US" sz="1900" b="1" i="0" u="none" strike="noStrike" cap="none" normalizeH="0" baseline="0" dirty="0">
+                <a:ln>
+                  <a:noFill/>
+                </a:ln>
+                <a:solidFill>
+                  <a:schemeClr val="tx1"/>
+                </a:solidFill>
+                <a:effectLst/>
+                <a:ea typeface="Times New Roman" panose="02020603050405020304" pitchFamily="18" charset="0"/>
+              </a:rPr>
+              <a:t>Field Resolver</a:t>
+            </a:r>
+            <a:r>
+              <a:rPr kumimoji="0" lang="pt-PT" altLang="en-US" sz="1900" b="0" i="0" u="none" strike="noStrike" cap="none" normalizeH="0" baseline="0" dirty="0">
+                <a:ln>
+                  <a:noFill/>
+                </a:ln>
+                <a:solidFill>
+                  <a:schemeClr val="tx1"/>
+                </a:solidFill>
+                <a:effectLst/>
+                <a:ea typeface="Times New Roman" panose="02020603050405020304" pitchFamily="18" charset="0"/>
+              </a:rPr>
+              <a:t> → Resolve dados complexos de um objeto, como relacionamentos entre entidades</a:t>
+            </a:r>
+            <a:r>
+              <a:rPr kumimoji="0" lang="pt-PT" altLang="en-US" sz="1900" b="0" i="0" u="none" strike="noStrike" cap="none" normalizeH="0" baseline="0" dirty="0">
+                <a:ln>
+                  <a:noFill/>
+                </a:ln>
+                <a:solidFill>
+                  <a:schemeClr val="tx1"/>
+                </a:solidFill>
+                <a:effectLst/>
+              </a:rPr>
+              <a:t> </a:t>
+            </a:r>
+          </a:p>
+          <a:p>
+            <a:pPr>
+              <a:defRPr sz="1800"/>
+            </a:pPr>
+            <a:endParaRPr lang="en-US" sz="1800" dirty="0"/>
+          </a:p>
+        </p:txBody>
+      </p:sp>
+      <p:sp>
+        <p:nvSpPr>
+          <p:cNvPr id="8" name="Title 1">
+            <a:extLst>
+              <a:ext uri="{FF2B5EF4-FFF2-40B4-BE49-F238E27FC236}">
+                <a16:creationId xmlns:a16="http://schemas.microsoft.com/office/drawing/2014/main" id="{22B61A9D-BEB5-03B3-D955-81F2F1399F4D}"/>
+              </a:ext>
+            </a:extLst>
+          </p:cNvPr>
+          <p:cNvSpPr txBox="1">
+            <a:spLocks/>
+          </p:cNvSpPr>
+          <p:nvPr/>
+        </p:nvSpPr>
+        <p:spPr>
+          <a:xfrm>
+            <a:off x="457200" y="3288420"/>
+            <a:ext cx="8229600" cy="520206"/>
+          </a:xfrm>
+          <a:prstGeom prst="rect">
+            <a:avLst/>
+          </a:prstGeom>
+        </p:spPr>
+        <p:txBody>
+          <a:bodyPr vert="horz" lIns="91440" tIns="45720" rIns="91440" bIns="45720" rtlCol="0" anchor="ctr">
+            <a:normAutofit fontScale="77500" lnSpcReduction="20000"/>
+          </a:bodyPr>
+          <a:lstStyle>
+            <a:lvl1pPr algn="ctr" defTabSz="457200" rtl="0" eaLnBrk="1" latinLnBrk="0" hangingPunct="1">
+              <a:spcBef>
+                <a:spcPct val="0"/>
+              </a:spcBef>
+              <a:buNone/>
+              <a:defRPr sz="4400" kern="1200">
+                <a:solidFill>
+                  <a:schemeClr val="tx1"/>
+                </a:solidFill>
+                <a:latin typeface="+mj-lt"/>
+                <a:ea typeface="+mj-ea"/>
+                <a:cs typeface="+mj-cs"/>
+              </a:defRPr>
+            </a:lvl1pPr>
+          </a:lstStyle>
+          <a:p>
+            <a:r>
+              <a:rPr lang="en-US" dirty="0" err="1"/>
+              <a:t>Tipos</a:t>
+            </a:r>
+            <a:r>
+              <a:rPr lang="en-US" dirty="0"/>
+              <a:t> de Resolvers</a:t>
+            </a:r>
+          </a:p>
+        </p:txBody>
+      </p:sp>
+    </p:spTree>
+  </p:cSld>
+  <p:clrMapOvr>
+    <a:masterClrMapping/>
+  </p:clrMapOvr>
+</p:sld>
+</file>
+
+<file path=ppt/slides/slide13.xml><?xml version="1.0" encoding="utf-8"?>
+<p:sld xmlns:a="http://schemas.openxmlformats.org/drawingml/2006/main" xmlns:r="http://schemas.openxmlformats.org/officeDocument/2006/relationships" xmlns:p="http://schemas.openxmlformats.org/presentationml/2006/main">
+  <p:cSld>
+    <p:spTree>
+      <p:nvGrpSpPr>
+        <p:cNvPr id="1" name=""/>
+        <p:cNvGrpSpPr/>
+        <p:nvPr/>
+      </p:nvGrpSpPr>
+      <p:grpSpPr>
+        <a:xfrm>
+          <a:off x="0" y="0"/>
+          <a:ext cx="0" cy="0"/>
+          <a:chOff x="0" y="0"/>
+          <a:chExt cx="0" cy="0"/>
+        </a:xfrm>
+      </p:grpSpPr>
+      <p:sp>
+        <p:nvSpPr>
+          <p:cNvPr id="2" name="Title 1"/>
+          <p:cNvSpPr>
+            <a:spLocks noGrp="1"/>
+          </p:cNvSpPr>
+          <p:nvPr>
+            <p:ph type="title"/>
+          </p:nvPr>
+        </p:nvSpPr>
+        <p:spPr/>
+        <p:txBody>
+          <a:bodyPr/>
+          <a:lstStyle/>
+          <a:p>
+            <a:r>
+              <a:rPr dirty="0"/>
+              <a:t>9. </a:t>
+            </a:r>
+            <a:r>
+              <a:rPr dirty="0" err="1"/>
+              <a:t>GraphQL</a:t>
+            </a:r>
+            <a:r>
+              <a:rPr dirty="0"/>
+              <a:t> N+1 Problem</a:t>
+            </a:r>
+          </a:p>
+        </p:txBody>
+      </p:sp>
+      <p:sp>
+        <p:nvSpPr>
+          <p:cNvPr id="3" name="Content Placeholder 2"/>
+          <p:cNvSpPr>
+            <a:spLocks noGrp="1"/>
+          </p:cNvSpPr>
+          <p:nvPr>
+            <p:ph idx="1"/>
+          </p:nvPr>
+        </p:nvSpPr>
+        <p:spPr>
+          <a:xfrm>
+            <a:off x="457200" y="1600201"/>
+            <a:ext cx="8229600" cy="838199"/>
+          </a:xfrm>
+        </p:spPr>
+        <p:txBody>
+          <a:bodyPr/>
+          <a:lstStyle/>
+          <a:p>
+            <a:pPr>
+              <a:defRPr sz="1800"/>
+            </a:pPr>
+            <a:r>
+              <a:rPr dirty="0"/>
+              <a:t>Consulta </a:t>
+            </a:r>
+            <a:r>
+              <a:rPr dirty="0" err="1"/>
+              <a:t>inicial</a:t>
+            </a:r>
+            <a:r>
+              <a:rPr dirty="0"/>
+              <a:t> </a:t>
+            </a:r>
+            <a:r>
+              <a:rPr dirty="0" err="1"/>
+              <a:t>retorna</a:t>
+            </a:r>
+            <a:r>
+              <a:rPr dirty="0"/>
+              <a:t> N </a:t>
+            </a:r>
+            <a:r>
+              <a:rPr dirty="0" err="1"/>
+              <a:t>itens</a:t>
+            </a:r>
+            <a:endParaRPr dirty="0"/>
+          </a:p>
+          <a:p>
+            <a:pPr>
+              <a:defRPr sz="1800"/>
+            </a:pPr>
+            <a:r>
+              <a:rPr dirty="0"/>
+              <a:t>Para </a:t>
+            </a:r>
+            <a:r>
+              <a:rPr dirty="0" err="1"/>
+              <a:t>cada</a:t>
+            </a:r>
+            <a:r>
+              <a:rPr dirty="0"/>
+              <a:t> item, </a:t>
+            </a:r>
+            <a:r>
+              <a:rPr dirty="0" err="1"/>
+              <a:t>executa</a:t>
+            </a:r>
+            <a:r>
+              <a:rPr dirty="0"/>
+              <a:t> </a:t>
+            </a:r>
+            <a:r>
+              <a:rPr dirty="0" err="1"/>
+              <a:t>uma</a:t>
+            </a:r>
+            <a:r>
+              <a:rPr dirty="0"/>
+              <a:t> nova consulta → N+1</a:t>
+            </a:r>
+          </a:p>
+        </p:txBody>
+      </p:sp>
+      <p:sp>
+        <p:nvSpPr>
+          <p:cNvPr id="4" name="Content Placeholder 2">
+            <a:extLst>
+              <a:ext uri="{FF2B5EF4-FFF2-40B4-BE49-F238E27FC236}">
+                <a16:creationId xmlns:a16="http://schemas.microsoft.com/office/drawing/2014/main" id="{2A349F57-9F47-244A-7CB9-E713627C95D7}"/>
+              </a:ext>
+            </a:extLst>
+          </p:cNvPr>
+          <p:cNvSpPr txBox="1">
+            <a:spLocks/>
+          </p:cNvSpPr>
+          <p:nvPr/>
+        </p:nvSpPr>
+        <p:spPr>
+          <a:xfrm>
+            <a:off x="457200" y="3766586"/>
+            <a:ext cx="8229600" cy="1658005"/>
+          </a:xfrm>
+          <a:prstGeom prst="rect">
+            <a:avLst/>
+          </a:prstGeom>
+          <a:ln>
+            <a:solidFill>
+              <a:schemeClr val="tx1"/>
+            </a:solidFill>
+          </a:ln>
+        </p:spPr>
+        <p:txBody>
+          <a:bodyPr vert="horz" lIns="91440" tIns="45720" rIns="91440" bIns="45720" rtlCol="0">
+            <a:normAutofit fontScale="85000" lnSpcReduction="20000"/>
+          </a:bodyPr>
+          <a:lstStyle>
+            <a:lvl1pPr marL="342900" indent="-342900" algn="l" defTabSz="457200" rtl="0" eaLnBrk="1" latinLnBrk="0" hangingPunct="1">
+              <a:spcBef>
+                <a:spcPct val="20000"/>
+              </a:spcBef>
+              <a:buFont typeface="Arial"/>
+              <a:buChar char="•"/>
+              <a:defRPr sz="3200" kern="1200">
+                <a:solidFill>
+                  <a:schemeClr val="tx1"/>
+                </a:solidFill>
+                <a:latin typeface="+mn-lt"/>
+                <a:ea typeface="+mn-ea"/>
+                <a:cs typeface="+mn-cs"/>
+              </a:defRPr>
+            </a:lvl1pPr>
+            <a:lvl2pPr marL="742950" indent="-285750" algn="l" defTabSz="457200" rtl="0" eaLnBrk="1" latinLnBrk="0" hangingPunct="1">
+              <a:spcBef>
+                <a:spcPct val="20000"/>
+              </a:spcBef>
+              <a:buFont typeface="Arial"/>
+              <a:buChar char="–"/>
+              <a:defRPr sz="2800" kern="1200">
+                <a:solidFill>
+                  <a:schemeClr val="tx1"/>
+                </a:solidFill>
+                <a:latin typeface="+mn-lt"/>
+                <a:ea typeface="+mn-ea"/>
+                <a:cs typeface="+mn-cs"/>
+              </a:defRPr>
+            </a:lvl2pPr>
+            <a:lvl3pPr marL="1143000" indent="-228600" algn="l" defTabSz="457200" rtl="0" eaLnBrk="1" latinLnBrk="0" hangingPunct="1">
+              <a:spcBef>
+                <a:spcPct val="20000"/>
+              </a:spcBef>
+              <a:buFont typeface="Arial"/>
+              <a:buChar char="•"/>
+              <a:defRPr sz="2400" kern="1200">
+                <a:solidFill>
+                  <a:schemeClr val="tx1"/>
+                </a:solidFill>
+                <a:latin typeface="+mn-lt"/>
+                <a:ea typeface="+mn-ea"/>
+                <a:cs typeface="+mn-cs"/>
+              </a:defRPr>
+            </a:lvl3pPr>
+            <a:lvl4pPr marL="1600200" indent="-228600" algn="l" defTabSz="457200" rtl="0" eaLnBrk="1" latinLnBrk="0" hangingPunct="1">
+              <a:spcBef>
+                <a:spcPct val="20000"/>
+              </a:spcBef>
+              <a:buFont typeface="Arial"/>
+              <a:buChar char="–"/>
+              <a:defRPr sz="2000" kern="1200">
+                <a:solidFill>
+                  <a:schemeClr val="tx1"/>
+                </a:solidFill>
+                <a:latin typeface="+mn-lt"/>
+                <a:ea typeface="+mn-ea"/>
+                <a:cs typeface="+mn-cs"/>
+              </a:defRPr>
+            </a:lvl4pPr>
+            <a:lvl5pPr marL="2057400" indent="-228600" algn="l" defTabSz="457200" rtl="0" eaLnBrk="1" latinLnBrk="0" hangingPunct="1">
+              <a:spcBef>
+                <a:spcPct val="20000"/>
+              </a:spcBef>
+              <a:buFont typeface="Arial"/>
+              <a:buChar char="»"/>
+              <a:defRPr sz="2000" kern="1200">
+                <a:solidFill>
+                  <a:schemeClr val="tx1"/>
+                </a:solidFill>
+                <a:latin typeface="+mn-lt"/>
+                <a:ea typeface="+mn-ea"/>
+                <a:cs typeface="+mn-cs"/>
+              </a:defRPr>
+            </a:lvl5pPr>
+            <a:lvl6pPr marL="2514600" indent="-228600" algn="l" defTabSz="457200" rtl="0" eaLnBrk="1" latinLnBrk="0" hangingPunct="1">
+              <a:spcBef>
+                <a:spcPct val="20000"/>
+              </a:spcBef>
+              <a:buFont typeface="Arial"/>
+              <a:buChar char="•"/>
+              <a:defRPr sz="2000" kern="1200">
+                <a:solidFill>
+                  <a:schemeClr val="tx1"/>
+                </a:solidFill>
+                <a:latin typeface="+mn-lt"/>
+                <a:ea typeface="+mn-ea"/>
+                <a:cs typeface="+mn-cs"/>
+              </a:defRPr>
+            </a:lvl6pPr>
+            <a:lvl7pPr marL="2971800" indent="-228600" algn="l" defTabSz="457200" rtl="0" eaLnBrk="1" latinLnBrk="0" hangingPunct="1">
+              <a:spcBef>
+                <a:spcPct val="20000"/>
+              </a:spcBef>
+              <a:buFont typeface="Arial"/>
+              <a:buChar char="•"/>
+              <a:defRPr sz="2000" kern="1200">
+                <a:solidFill>
+                  <a:schemeClr val="tx1"/>
+                </a:solidFill>
+                <a:latin typeface="+mn-lt"/>
+                <a:ea typeface="+mn-ea"/>
+                <a:cs typeface="+mn-cs"/>
+              </a:defRPr>
+            </a:lvl7pPr>
+            <a:lvl8pPr marL="3429000" indent="-228600" algn="l" defTabSz="457200" rtl="0" eaLnBrk="1" latinLnBrk="0" hangingPunct="1">
+              <a:spcBef>
+                <a:spcPct val="20000"/>
+              </a:spcBef>
+              <a:buFont typeface="Arial"/>
+              <a:buChar char="•"/>
+              <a:defRPr sz="2000" kern="1200">
+                <a:solidFill>
+                  <a:schemeClr val="tx1"/>
+                </a:solidFill>
+                <a:latin typeface="+mn-lt"/>
+                <a:ea typeface="+mn-ea"/>
+                <a:cs typeface="+mn-cs"/>
+              </a:defRPr>
+            </a:lvl8pPr>
+            <a:lvl9pPr marL="3886200" indent="-228600" algn="l" defTabSz="457200" rtl="0" eaLnBrk="1" latinLnBrk="0" hangingPunct="1">
+              <a:spcBef>
+                <a:spcPct val="20000"/>
+              </a:spcBef>
+              <a:buFont typeface="Arial"/>
+              <a:buChar char="•"/>
+              <a:defRPr sz="2000" kern="1200">
+                <a:solidFill>
+                  <a:schemeClr val="tx1"/>
+                </a:solidFill>
+                <a:latin typeface="+mn-lt"/>
+                <a:ea typeface="+mn-ea"/>
+                <a:cs typeface="+mn-cs"/>
+              </a:defRPr>
+            </a:lvl9pPr>
+          </a:lstStyle>
+          <a:p>
+            <a:pPr marL="0" indent="0">
+              <a:buNone/>
+            </a:pPr>
+            <a:r>
+              <a:rPr lang="en-US" sz="2000" dirty="0"/>
+              <a:t>1. SELECT * FROM authors;</a:t>
+            </a:r>
+          </a:p>
+          <a:p>
+            <a:pPr marL="0" indent="0">
+              <a:buNone/>
+            </a:pPr>
+            <a:r>
+              <a:rPr lang="en-US" sz="2000" dirty="0"/>
+              <a:t>2. Para </a:t>
+            </a:r>
+            <a:r>
+              <a:rPr lang="en-US" sz="2000" dirty="0" err="1"/>
+              <a:t>cada</a:t>
+            </a:r>
+            <a:r>
+              <a:rPr lang="en-US" sz="2000" dirty="0"/>
+              <a:t> </a:t>
+            </a:r>
+            <a:r>
+              <a:rPr lang="en-US" sz="2000" dirty="0" err="1"/>
+              <a:t>autor</a:t>
+            </a:r>
+            <a:r>
+              <a:rPr lang="en-US" sz="2000" dirty="0"/>
+              <a:t>:</a:t>
+            </a:r>
+          </a:p>
+          <a:p>
+            <a:pPr marL="0" indent="0">
+              <a:buNone/>
+            </a:pPr>
+            <a:r>
+              <a:rPr lang="en-US" sz="2000" dirty="0"/>
+              <a:t>   → SELECT * FROM books WHERE </a:t>
+            </a:r>
+            <a:r>
+              <a:rPr lang="en-US" sz="2000" dirty="0" err="1"/>
+              <a:t>author_id</a:t>
+            </a:r>
+            <a:r>
+              <a:rPr lang="en-US" sz="2000" dirty="0"/>
+              <a:t> = ?</a:t>
+            </a:r>
+          </a:p>
+          <a:p>
+            <a:pPr marL="0" indent="0">
+              <a:buNone/>
+            </a:pPr>
+            <a:r>
+              <a:rPr lang="en-US" sz="2000" dirty="0"/>
+              <a:t>   → SELECT * FROM books WHERE </a:t>
+            </a:r>
+            <a:r>
+              <a:rPr lang="en-US" sz="2000" dirty="0" err="1"/>
+              <a:t>author_id</a:t>
+            </a:r>
+            <a:r>
+              <a:rPr lang="en-US" sz="2000" dirty="0"/>
+              <a:t> = ?</a:t>
+            </a:r>
+          </a:p>
+          <a:p>
+            <a:pPr marL="0" indent="0">
+              <a:buNone/>
+            </a:pPr>
+            <a:r>
+              <a:rPr lang="en-US" sz="2000" dirty="0"/>
+              <a:t>   ...</a:t>
+            </a:r>
+          </a:p>
+          <a:p>
+            <a:pPr marL="0" indent="0">
+              <a:buNone/>
+            </a:pPr>
+            <a:r>
+              <a:rPr lang="en-US" sz="2000" dirty="0" err="1"/>
+              <a:t>Resultado</a:t>
+            </a:r>
+            <a:r>
+              <a:rPr lang="en-US" sz="2000" dirty="0"/>
+              <a:t>: 1 + N queries </a:t>
+            </a:r>
+            <a:r>
+              <a:rPr lang="en-US" sz="2000" dirty="0" err="1"/>
+              <a:t>ao</a:t>
+            </a:r>
+            <a:r>
+              <a:rPr lang="en-US" sz="2000" dirty="0"/>
+              <a:t> banco de dados</a:t>
+            </a:r>
+          </a:p>
+          <a:p>
+            <a:pPr marL="0" marR="0" indent="0">
+              <a:buNone/>
+            </a:pPr>
+            <a:endParaRPr lang="en-US" sz="1800" b="1" dirty="0"/>
+          </a:p>
+          <a:p>
+            <a:pPr marL="0" marR="0" indent="0">
+              <a:buNone/>
+            </a:pPr>
+            <a:endParaRPr lang="en-US" sz="1800" dirty="0"/>
+          </a:p>
+        </p:txBody>
+      </p:sp>
+      <p:sp>
+        <p:nvSpPr>
+          <p:cNvPr id="5" name="Title 1">
+            <a:extLst>
+              <a:ext uri="{FF2B5EF4-FFF2-40B4-BE49-F238E27FC236}">
+                <a16:creationId xmlns:a16="http://schemas.microsoft.com/office/drawing/2014/main" id="{73BE0F19-C739-0E76-AC76-A5FE02CDD4A0}"/>
+              </a:ext>
+            </a:extLst>
+          </p:cNvPr>
+          <p:cNvSpPr txBox="1">
+            <a:spLocks/>
+          </p:cNvSpPr>
+          <p:nvPr/>
+        </p:nvSpPr>
+        <p:spPr>
+          <a:xfrm>
+            <a:off x="457200" y="3246380"/>
+            <a:ext cx="8229600" cy="520206"/>
+          </a:xfrm>
+          <a:prstGeom prst="rect">
+            <a:avLst/>
+          </a:prstGeom>
+        </p:spPr>
+        <p:txBody>
+          <a:bodyPr vert="horz" lIns="91440" tIns="45720" rIns="91440" bIns="45720" rtlCol="0" anchor="ctr">
+            <a:normAutofit fontScale="77500" lnSpcReduction="20000"/>
+          </a:bodyPr>
+          <a:lstStyle>
+            <a:lvl1pPr algn="ctr" defTabSz="457200" rtl="0" eaLnBrk="1" latinLnBrk="0" hangingPunct="1">
+              <a:spcBef>
+                <a:spcPct val="0"/>
+              </a:spcBef>
+              <a:buNone/>
+              <a:defRPr sz="4400" kern="1200">
+                <a:solidFill>
+                  <a:schemeClr val="tx1"/>
+                </a:solidFill>
+                <a:latin typeface="+mj-lt"/>
+                <a:ea typeface="+mj-ea"/>
+                <a:cs typeface="+mj-cs"/>
+              </a:defRPr>
+            </a:lvl1pPr>
+          </a:lstStyle>
+          <a:p>
+            <a:r>
+              <a:rPr lang="en-US" dirty="0" err="1"/>
+              <a:t>Exemplo</a:t>
+            </a:r>
+            <a:endParaRPr lang="en-US" dirty="0"/>
+          </a:p>
+        </p:txBody>
+      </p:sp>
+      <p:sp>
+        <p:nvSpPr>
+          <p:cNvPr id="6" name="Content Placeholder 2">
+            <a:extLst>
+              <a:ext uri="{FF2B5EF4-FFF2-40B4-BE49-F238E27FC236}">
+                <a16:creationId xmlns:a16="http://schemas.microsoft.com/office/drawing/2014/main" id="{11C72AEB-E980-831C-1031-35B200B83352}"/>
+              </a:ext>
+            </a:extLst>
+          </p:cNvPr>
+          <p:cNvSpPr txBox="1">
+            <a:spLocks/>
+          </p:cNvSpPr>
+          <p:nvPr/>
+        </p:nvSpPr>
+        <p:spPr>
+          <a:xfrm>
+            <a:off x="457197" y="5444361"/>
+            <a:ext cx="8229600" cy="882868"/>
+          </a:xfrm>
+          <a:prstGeom prst="rect">
+            <a:avLst/>
+          </a:prstGeom>
+        </p:spPr>
+        <p:txBody>
+          <a:bodyPr vert="horz" lIns="91440" tIns="45720" rIns="91440" bIns="45720" rtlCol="0">
+            <a:normAutofit lnSpcReduction="10000"/>
+          </a:bodyPr>
+          <a:lstStyle>
+            <a:lvl1pPr marL="342900" indent="-342900" algn="l" defTabSz="457200" rtl="0" eaLnBrk="1" latinLnBrk="0" hangingPunct="1">
+              <a:spcBef>
+                <a:spcPct val="20000"/>
+              </a:spcBef>
+              <a:buFont typeface="Arial"/>
+              <a:buChar char="•"/>
+              <a:defRPr sz="3200" kern="1200">
+                <a:solidFill>
+                  <a:schemeClr val="tx1"/>
+                </a:solidFill>
+                <a:latin typeface="+mn-lt"/>
+                <a:ea typeface="+mn-ea"/>
+                <a:cs typeface="+mn-cs"/>
+              </a:defRPr>
+            </a:lvl1pPr>
+            <a:lvl2pPr marL="742950" indent="-285750" algn="l" defTabSz="457200" rtl="0" eaLnBrk="1" latinLnBrk="0" hangingPunct="1">
+              <a:spcBef>
+                <a:spcPct val="20000"/>
+              </a:spcBef>
+              <a:buFont typeface="Arial"/>
+              <a:buChar char="–"/>
+              <a:defRPr sz="2800" kern="1200">
+                <a:solidFill>
+                  <a:schemeClr val="tx1"/>
+                </a:solidFill>
+                <a:latin typeface="+mn-lt"/>
+                <a:ea typeface="+mn-ea"/>
+                <a:cs typeface="+mn-cs"/>
+              </a:defRPr>
+            </a:lvl2pPr>
+            <a:lvl3pPr marL="1143000" indent="-228600" algn="l" defTabSz="457200" rtl="0" eaLnBrk="1" latinLnBrk="0" hangingPunct="1">
+              <a:spcBef>
+                <a:spcPct val="20000"/>
+              </a:spcBef>
+              <a:buFont typeface="Arial"/>
+              <a:buChar char="•"/>
+              <a:defRPr sz="2400" kern="1200">
+                <a:solidFill>
+                  <a:schemeClr val="tx1"/>
+                </a:solidFill>
+                <a:latin typeface="+mn-lt"/>
+                <a:ea typeface="+mn-ea"/>
+                <a:cs typeface="+mn-cs"/>
+              </a:defRPr>
+            </a:lvl3pPr>
+            <a:lvl4pPr marL="1600200" indent="-228600" algn="l" defTabSz="457200" rtl="0" eaLnBrk="1" latinLnBrk="0" hangingPunct="1">
+              <a:spcBef>
+                <a:spcPct val="20000"/>
+              </a:spcBef>
+              <a:buFont typeface="Arial"/>
+              <a:buChar char="–"/>
+              <a:defRPr sz="2000" kern="1200">
+                <a:solidFill>
+                  <a:schemeClr val="tx1"/>
+                </a:solidFill>
+                <a:latin typeface="+mn-lt"/>
+                <a:ea typeface="+mn-ea"/>
+                <a:cs typeface="+mn-cs"/>
+              </a:defRPr>
+            </a:lvl4pPr>
+            <a:lvl5pPr marL="2057400" indent="-228600" algn="l" defTabSz="457200" rtl="0" eaLnBrk="1" latinLnBrk="0" hangingPunct="1">
+              <a:spcBef>
+                <a:spcPct val="20000"/>
+              </a:spcBef>
+              <a:buFont typeface="Arial"/>
+              <a:buChar char="»"/>
+              <a:defRPr sz="2000" kern="1200">
+                <a:solidFill>
+                  <a:schemeClr val="tx1"/>
+                </a:solidFill>
+                <a:latin typeface="+mn-lt"/>
+                <a:ea typeface="+mn-ea"/>
+                <a:cs typeface="+mn-cs"/>
+              </a:defRPr>
+            </a:lvl5pPr>
+            <a:lvl6pPr marL="2514600" indent="-228600" algn="l" defTabSz="457200" rtl="0" eaLnBrk="1" latinLnBrk="0" hangingPunct="1">
+              <a:spcBef>
+                <a:spcPct val="20000"/>
+              </a:spcBef>
+              <a:buFont typeface="Arial"/>
+              <a:buChar char="•"/>
+              <a:defRPr sz="2000" kern="1200">
+                <a:solidFill>
+                  <a:schemeClr val="tx1"/>
+                </a:solidFill>
+                <a:latin typeface="+mn-lt"/>
+                <a:ea typeface="+mn-ea"/>
+                <a:cs typeface="+mn-cs"/>
+              </a:defRPr>
+            </a:lvl6pPr>
+            <a:lvl7pPr marL="2971800" indent="-228600" algn="l" defTabSz="457200" rtl="0" eaLnBrk="1" latinLnBrk="0" hangingPunct="1">
+              <a:spcBef>
+                <a:spcPct val="20000"/>
+              </a:spcBef>
+              <a:buFont typeface="Arial"/>
+              <a:buChar char="•"/>
+              <a:defRPr sz="2000" kern="1200">
+                <a:solidFill>
+                  <a:schemeClr val="tx1"/>
+                </a:solidFill>
+                <a:latin typeface="+mn-lt"/>
+                <a:ea typeface="+mn-ea"/>
+                <a:cs typeface="+mn-cs"/>
+              </a:defRPr>
+            </a:lvl7pPr>
+            <a:lvl8pPr marL="3429000" indent="-228600" algn="l" defTabSz="457200" rtl="0" eaLnBrk="1" latinLnBrk="0" hangingPunct="1">
+              <a:spcBef>
+                <a:spcPct val="20000"/>
+              </a:spcBef>
+              <a:buFont typeface="Arial"/>
+              <a:buChar char="•"/>
+              <a:defRPr sz="2000" kern="1200">
+                <a:solidFill>
+                  <a:schemeClr val="tx1"/>
+                </a:solidFill>
+                <a:latin typeface="+mn-lt"/>
+                <a:ea typeface="+mn-ea"/>
+                <a:cs typeface="+mn-cs"/>
+              </a:defRPr>
+            </a:lvl8pPr>
+            <a:lvl9pPr marL="3886200" indent="-228600" algn="l" defTabSz="457200" rtl="0" eaLnBrk="1" latinLnBrk="0" hangingPunct="1">
+              <a:spcBef>
+                <a:spcPct val="20000"/>
+              </a:spcBef>
+              <a:buFont typeface="Arial"/>
+              <a:buChar char="•"/>
+              <a:defRPr sz="2000" kern="1200">
+                <a:solidFill>
+                  <a:schemeClr val="tx1"/>
+                </a:solidFill>
+                <a:latin typeface="+mn-lt"/>
+                <a:ea typeface="+mn-ea"/>
+                <a:cs typeface="+mn-cs"/>
+              </a:defRPr>
+            </a:lvl9pPr>
+          </a:lstStyle>
+          <a:p>
+            <a:pPr marL="0" marR="0" lvl="0" indent="0">
+              <a:buNone/>
+            </a:pPr>
+            <a:r>
+              <a:rPr lang="pt-PT" sz="1200" b="1" dirty="0">
+                <a:effectLst/>
+                <a:ea typeface="Times New Roman" panose="02020603050405020304" pitchFamily="18" charset="0"/>
+              </a:rPr>
+              <a:t>Soluções</a:t>
+            </a:r>
+          </a:p>
+          <a:p>
+            <a:pPr marL="342900" marR="0" lvl="0" indent="-342900">
+              <a:buFont typeface="Symbol" pitchFamily="2" charset="2"/>
+              <a:buChar char=""/>
+            </a:pPr>
+            <a:r>
+              <a:rPr lang="en-US" sz="1200" dirty="0"/>
+              <a:t>Fetch Join</a:t>
+            </a:r>
+          </a:p>
+          <a:p>
+            <a:pPr marL="342900" marR="0" lvl="0" indent="-342900">
+              <a:buFont typeface="Symbol" pitchFamily="2" charset="2"/>
+              <a:buChar char=""/>
+            </a:pPr>
+            <a:r>
+              <a:rPr lang="en-US" sz="1200" dirty="0"/>
+              <a:t>Batch Loading</a:t>
+            </a:r>
+          </a:p>
+          <a:p>
+            <a:pPr marL="342900" marR="0" lvl="0" indent="-342900">
+              <a:buFont typeface="Symbol" pitchFamily="2" charset="2"/>
+              <a:buChar char=""/>
+            </a:pPr>
+            <a:r>
+              <a:rPr lang="en-US" sz="1200" dirty="0" err="1"/>
+              <a:t>DataLoader</a:t>
+            </a:r>
+            <a:endParaRPr kumimoji="0" lang="pt-PT" altLang="en-US" sz="1200" b="0" i="0" u="none" strike="noStrike" cap="none" normalizeH="0" baseline="0" dirty="0">
+              <a:ln>
+                <a:noFill/>
+              </a:ln>
+              <a:solidFill>
+                <a:schemeClr val="tx1"/>
+              </a:solidFill>
+              <a:effectLst/>
+            </a:endParaRPr>
+          </a:p>
+        </p:txBody>
+      </p:sp>
+    </p:spTree>
+  </p:cSld>
+  <p:clrMapOvr>
+    <a:masterClrMapping/>
+  </p:clrMapOvr>
+</p:sld>
+</file>
+
+<file path=ppt/slides/slide14.xml><?xml version="1.0" encoding="utf-8"?>
+<p:sld xmlns:a="http://schemas.openxmlformats.org/drawingml/2006/main" xmlns:r="http://schemas.openxmlformats.org/officeDocument/2006/relationships" xmlns:p="http://schemas.openxmlformats.org/presentationml/2006/main">
+  <p:cSld>
+    <p:spTree>
+      <p:nvGrpSpPr>
+        <p:cNvPr id="1" name=""/>
+        <p:cNvGrpSpPr/>
+        <p:nvPr/>
+      </p:nvGrpSpPr>
+      <p:grpSpPr>
+        <a:xfrm>
+          <a:off x="0" y="0"/>
+          <a:ext cx="0" cy="0"/>
+          <a:chOff x="0" y="0"/>
+          <a:chExt cx="0" cy="0"/>
+        </a:xfrm>
+      </p:grpSpPr>
+      <p:sp>
+        <p:nvSpPr>
+          <p:cNvPr id="2" name="Title 1"/>
+          <p:cNvSpPr>
+            <a:spLocks noGrp="1"/>
+          </p:cNvSpPr>
+          <p:nvPr>
+            <p:ph type="title"/>
+          </p:nvPr>
+        </p:nvSpPr>
+        <p:spPr/>
+        <p:txBody>
+          <a:bodyPr/>
+          <a:lstStyle/>
+          <a:p>
+            <a:r>
               <a:t>10. Conclusão</a:t>
             </a:r>
           </a:p>
@@ -5289,8 +7720,8 @@
         </p:nvSpPr>
         <p:spPr>
           <a:xfrm>
-            <a:off x="457200" y="1600201"/>
-            <a:ext cx="8229600" cy="1321675"/>
+            <a:off x="457200" y="1600202"/>
+            <a:ext cx="8229600" cy="943302"/>
           </a:xfrm>
         </p:spPr>
         <p:txBody>
@@ -5305,6 +7736,18 @@
               <a:t>Overfetching</a:t>
             </a:r>
             <a:r>
+              <a:rPr lang="es-ES" dirty="0"/>
+              <a:t> (</a:t>
+            </a:r>
+            <a:r>
+              <a:rPr lang="es-ES" dirty="0" err="1"/>
+              <a:t>excesso</a:t>
+            </a:r>
+            <a:r>
+              <a:rPr lang="es-ES" dirty="0"/>
+              <a:t> de dados)</a:t>
+            </a:r>
+            <a:r>
               <a:rPr dirty="0"/>
               <a:t>: API </a:t>
             </a:r>
@@ -5339,6 +7782,10 @@
               <a:t>Underfetching</a:t>
             </a:r>
             <a:r>
+              <a:rPr lang="es-ES" dirty="0"/>
+              <a:t> (falta de dados)</a:t>
+            </a:r>
+            <a:r>
               <a:rPr dirty="0"/>
               <a:t>: </a:t>
             </a:r>
@@ -5361,48 +7808,6 @@
             <a:r>
               <a:rPr dirty="0" err="1"/>
               <a:t>requisições</a:t>
-            </a:r>
-            <a:endParaRPr dirty="0"/>
-          </a:p>
-          <a:p>
-            <a:pPr>
-              <a:defRPr sz="1800"/>
-            </a:pPr>
-            <a:r>
-              <a:rPr dirty="0" err="1"/>
-              <a:t>GraphQL</a:t>
-            </a:r>
-            <a:r>
-              <a:rPr dirty="0"/>
-              <a:t> </a:t>
-            </a:r>
-            <a:r>
-              <a:rPr dirty="0" err="1"/>
-              <a:t>permite</a:t>
-            </a:r>
-            <a:r>
-              <a:rPr dirty="0"/>
-              <a:t> </a:t>
-            </a:r>
-            <a:r>
-              <a:rPr dirty="0" err="1"/>
-              <a:t>consultar</a:t>
-            </a:r>
-            <a:r>
-              <a:rPr dirty="0"/>
-              <a:t> </a:t>
-            </a:r>
-            <a:r>
-              <a:rPr dirty="0" err="1"/>
-              <a:t>exatamente</a:t>
-            </a:r>
-            <a:r>
-              <a:rPr dirty="0"/>
-              <a:t> o </a:t>
-            </a:r>
-            <a:r>
-              <a:rPr dirty="0" err="1"/>
-              <a:t>necessário</a:t>
             </a:r>
             <a:endParaRPr dirty="0"/>
           </a:p>
@@ -5421,7 +7826,13 @@
   <p:cSld>
     <p:spTree>
       <p:nvGrpSpPr>
-        <p:cNvPr id="1" name=""/>
+        <p:cNvPr id="1" name="">
+          <a:extLst>
+            <a:ext uri="{FF2B5EF4-FFF2-40B4-BE49-F238E27FC236}">
+              <a16:creationId xmlns:a16="http://schemas.microsoft.com/office/drawing/2014/main" id="{535BC7C9-EEC4-A709-876C-7053CBF90096}"/>
+            </a:ext>
+          </a:extLst>
+        </p:cNvPr>
         <p:cNvGrpSpPr/>
         <p:nvPr/>
       </p:nvGrpSpPr>
@@ -5435,141 +7846,10 @@
       </p:grpSpPr>
       <p:sp>
         <p:nvSpPr>
-          <p:cNvPr id="2" name="Title 1"/>
-          <p:cNvSpPr>
-            <a:spLocks noGrp="1"/>
-          </p:cNvSpPr>
-          <p:nvPr>
-            <p:ph type="title"/>
-          </p:nvPr>
-        </p:nvSpPr>
-        <p:spPr/>
-        <p:txBody>
-          <a:bodyPr>
-            <a:normAutofit fontScale="90000"/>
-          </a:bodyPr>
-          <a:lstStyle/>
-          <a:p>
-            <a:r>
-              <a:t>5. SDL (Schema Definition Language)</a:t>
-            </a:r>
-          </a:p>
-        </p:txBody>
-      </p:sp>
-      <p:sp>
-        <p:nvSpPr>
-          <p:cNvPr id="3" name="Content Placeholder 2"/>
-          <p:cNvSpPr>
-            <a:spLocks noGrp="1"/>
-          </p:cNvSpPr>
-          <p:nvPr>
-            <p:ph idx="1"/>
-          </p:nvPr>
-        </p:nvSpPr>
-        <p:spPr>
-          <a:xfrm>
-            <a:off x="457200" y="1600201"/>
-            <a:ext cx="8229600" cy="1458310"/>
-          </a:xfrm>
-        </p:spPr>
-        <p:txBody>
-          <a:bodyPr/>
-          <a:lstStyle/>
-          <a:p>
-            <a:pPr>
-              <a:defRPr sz="1800"/>
-            </a:pPr>
-            <a:r>
-              <a:rPr dirty="0"/>
-              <a:t>Define </a:t>
-            </a:r>
-            <a:r>
-              <a:rPr dirty="0" err="1"/>
-              <a:t>estrutura</a:t>
-            </a:r>
-            <a:r>
-              <a:rPr dirty="0"/>
-              <a:t> da API </a:t>
-            </a:r>
-            <a:r>
-              <a:rPr dirty="0" err="1"/>
-              <a:t>GraphQL</a:t>
-            </a:r>
-            <a:endParaRPr dirty="0"/>
-          </a:p>
-          <a:p>
-            <a:pPr>
-              <a:defRPr sz="1800"/>
-            </a:pPr>
-            <a:r>
-              <a:rPr dirty="0" err="1"/>
-              <a:t>Tipos</a:t>
-            </a:r>
-            <a:r>
-              <a:rPr dirty="0"/>
-              <a:t>, campos, entradas, queries e mutations</a:t>
-            </a:r>
-          </a:p>
-          <a:p>
-            <a:pPr>
-              <a:defRPr sz="1800"/>
-            </a:pPr>
-            <a:r>
-              <a:rPr dirty="0" err="1"/>
-              <a:t>Contrato</a:t>
-            </a:r>
-            <a:r>
-              <a:rPr dirty="0"/>
-              <a:t> claro entre </a:t>
-            </a:r>
-            <a:r>
-              <a:rPr dirty="0" err="1"/>
-              <a:t>cliente</a:t>
-            </a:r>
-            <a:r>
-              <a:rPr dirty="0"/>
-              <a:t> e </a:t>
-            </a:r>
-            <a:r>
-              <a:rPr dirty="0" err="1"/>
-              <a:t>servidor</a:t>
-            </a:r>
-            <a:endParaRPr dirty="0"/>
-          </a:p>
-          <a:p>
-            <a:pPr>
-              <a:defRPr sz="1800"/>
-            </a:pPr>
-            <a:r>
-              <a:rPr dirty="0" err="1"/>
-              <a:t>Extensão</a:t>
-            </a:r>
-            <a:r>
-              <a:rPr dirty="0"/>
-              <a:t> </a:t>
-            </a:r>
-            <a:r>
-              <a:rPr dirty="0" err="1"/>
-              <a:t>comum</a:t>
-            </a:r>
-            <a:r>
-              <a:rPr dirty="0"/>
-              <a:t>: .</a:t>
-            </a:r>
-            <a:r>
-              <a:rPr dirty="0" err="1"/>
-              <a:t>graphqls</a:t>
-            </a:r>
-            <a:endParaRPr dirty="0"/>
-          </a:p>
-        </p:txBody>
-      </p:sp>
-      <p:sp>
-        <p:nvSpPr>
-          <p:cNvPr id="5" name="Title 1">
+          <p:cNvPr id="12" name="Title 1">
             <a:extLst>
               <a:ext uri="{FF2B5EF4-FFF2-40B4-BE49-F238E27FC236}">
-                <a16:creationId xmlns:a16="http://schemas.microsoft.com/office/drawing/2014/main" id="{66D8D575-A14C-6CB7-D8A7-706A50D4AA59}"/>
+                <a16:creationId xmlns:a16="http://schemas.microsoft.com/office/drawing/2014/main" id="{4DF1AD3E-CA1E-B153-86E4-AA4563FC489A}"/>
               </a:ext>
             </a:extLst>
           </p:cNvPr>
@@ -5580,7 +7860,7 @@
         </p:nvSpPr>
         <p:spPr>
           <a:xfrm>
-            <a:off x="457200" y="3288420"/>
+            <a:off x="373117" y="3017681"/>
             <a:ext cx="8229600" cy="520206"/>
           </a:xfrm>
           <a:prstGeom prst="rect">
@@ -5610,7 +7890,15 @@
           <a:p>
             <a:r>
               <a:rPr lang="en-US" dirty="0" err="1"/>
-              <a:t>Exemplo</a:t>
+              <a:t>Solução</a:t>
+            </a:r>
+            <a:r>
+              <a:rPr lang="en-US" dirty="0"/>
+              <a:t> </a:t>
+            </a:r>
+            <a:r>
+              <a:rPr lang="en-US" dirty="0" err="1"/>
+              <a:t>GraphQL</a:t>
             </a:r>
             <a:endParaRPr lang="en-US" dirty="0"/>
           </a:p>
@@ -5618,10 +7906,10 @@
       </p:sp>
       <p:sp>
         <p:nvSpPr>
-          <p:cNvPr id="6" name="Content Placeholder 2">
+          <p:cNvPr id="14" name="Content Placeholder 2">
             <a:extLst>
               <a:ext uri="{FF2B5EF4-FFF2-40B4-BE49-F238E27FC236}">
-                <a16:creationId xmlns:a16="http://schemas.microsoft.com/office/drawing/2014/main" id="{68BD3317-1EB7-CD32-6F21-008AC7D0823A}"/>
+                <a16:creationId xmlns:a16="http://schemas.microsoft.com/office/drawing/2014/main" id="{9596F65D-4A13-6379-4CBF-B73988C40E3C}"/>
               </a:ext>
             </a:extLst>
           </p:cNvPr>
@@ -5632,8 +7920,535 @@
         </p:nvSpPr>
         <p:spPr>
           <a:xfrm>
-            <a:off x="457200" y="3746936"/>
-            <a:ext cx="8229600" cy="2243957"/>
+            <a:off x="362607" y="3549783"/>
+            <a:ext cx="8229600" cy="1212694"/>
+          </a:xfrm>
+          <a:prstGeom prst="rect">
+            <a:avLst/>
+          </a:prstGeom>
+          <a:solidFill>
+            <a:schemeClr val="bg1"/>
+          </a:solidFill>
+          <a:ln>
+            <a:solidFill>
+              <a:schemeClr val="tx1"/>
+            </a:solidFill>
+          </a:ln>
+        </p:spPr>
+        <p:txBody>
+          <a:bodyPr vert="horz" lIns="91440" tIns="45720" rIns="91440" bIns="45720" rtlCol="0">
+            <a:normAutofit/>
+          </a:bodyPr>
+          <a:lstStyle>
+            <a:lvl1pPr marL="342900" indent="-342900" algn="l" defTabSz="457200" rtl="0" eaLnBrk="1" latinLnBrk="0" hangingPunct="1">
+              <a:spcBef>
+                <a:spcPct val="20000"/>
+              </a:spcBef>
+              <a:buFont typeface="Arial"/>
+              <a:buChar char="•"/>
+              <a:defRPr sz="3200" kern="1200">
+                <a:solidFill>
+                  <a:schemeClr val="tx1"/>
+                </a:solidFill>
+                <a:latin typeface="+mn-lt"/>
+                <a:ea typeface="+mn-ea"/>
+                <a:cs typeface="+mn-cs"/>
+              </a:defRPr>
+            </a:lvl1pPr>
+            <a:lvl2pPr marL="742950" indent="-285750" algn="l" defTabSz="457200" rtl="0" eaLnBrk="1" latinLnBrk="0" hangingPunct="1">
+              <a:spcBef>
+                <a:spcPct val="20000"/>
+              </a:spcBef>
+              <a:buFont typeface="Arial"/>
+              <a:buChar char="–"/>
+              <a:defRPr sz="2800" kern="1200">
+                <a:solidFill>
+                  <a:schemeClr val="tx1"/>
+                </a:solidFill>
+                <a:latin typeface="+mn-lt"/>
+                <a:ea typeface="+mn-ea"/>
+                <a:cs typeface="+mn-cs"/>
+              </a:defRPr>
+            </a:lvl2pPr>
+            <a:lvl3pPr marL="1143000" indent="-228600" algn="l" defTabSz="457200" rtl="0" eaLnBrk="1" latinLnBrk="0" hangingPunct="1">
+              <a:spcBef>
+                <a:spcPct val="20000"/>
+              </a:spcBef>
+              <a:buFont typeface="Arial"/>
+              <a:buChar char="•"/>
+              <a:defRPr sz="2400" kern="1200">
+                <a:solidFill>
+                  <a:schemeClr val="tx1"/>
+                </a:solidFill>
+                <a:latin typeface="+mn-lt"/>
+                <a:ea typeface="+mn-ea"/>
+                <a:cs typeface="+mn-cs"/>
+              </a:defRPr>
+            </a:lvl3pPr>
+            <a:lvl4pPr marL="1600200" indent="-228600" algn="l" defTabSz="457200" rtl="0" eaLnBrk="1" latinLnBrk="0" hangingPunct="1">
+              <a:spcBef>
+                <a:spcPct val="20000"/>
+              </a:spcBef>
+              <a:buFont typeface="Arial"/>
+              <a:buChar char="–"/>
+              <a:defRPr sz="2000" kern="1200">
+                <a:solidFill>
+                  <a:schemeClr val="tx1"/>
+                </a:solidFill>
+                <a:latin typeface="+mn-lt"/>
+                <a:ea typeface="+mn-ea"/>
+                <a:cs typeface="+mn-cs"/>
+              </a:defRPr>
+            </a:lvl4pPr>
+            <a:lvl5pPr marL="2057400" indent="-228600" algn="l" defTabSz="457200" rtl="0" eaLnBrk="1" latinLnBrk="0" hangingPunct="1">
+              <a:spcBef>
+                <a:spcPct val="20000"/>
+              </a:spcBef>
+              <a:buFont typeface="Arial"/>
+              <a:buChar char="»"/>
+              <a:defRPr sz="2000" kern="1200">
+                <a:solidFill>
+                  <a:schemeClr val="tx1"/>
+                </a:solidFill>
+                <a:latin typeface="+mn-lt"/>
+                <a:ea typeface="+mn-ea"/>
+                <a:cs typeface="+mn-cs"/>
+              </a:defRPr>
+            </a:lvl5pPr>
+            <a:lvl6pPr marL="2514600" indent="-228600" algn="l" defTabSz="457200" rtl="0" eaLnBrk="1" latinLnBrk="0" hangingPunct="1">
+              <a:spcBef>
+                <a:spcPct val="20000"/>
+              </a:spcBef>
+              <a:buFont typeface="Arial"/>
+              <a:buChar char="•"/>
+              <a:defRPr sz="2000" kern="1200">
+                <a:solidFill>
+                  <a:schemeClr val="tx1"/>
+                </a:solidFill>
+                <a:latin typeface="+mn-lt"/>
+                <a:ea typeface="+mn-ea"/>
+                <a:cs typeface="+mn-cs"/>
+              </a:defRPr>
+            </a:lvl6pPr>
+            <a:lvl7pPr marL="2971800" indent="-228600" algn="l" defTabSz="457200" rtl="0" eaLnBrk="1" latinLnBrk="0" hangingPunct="1">
+              <a:spcBef>
+                <a:spcPct val="20000"/>
+              </a:spcBef>
+              <a:buFont typeface="Arial"/>
+              <a:buChar char="•"/>
+              <a:defRPr sz="2000" kern="1200">
+                <a:solidFill>
+                  <a:schemeClr val="tx1"/>
+                </a:solidFill>
+                <a:latin typeface="+mn-lt"/>
+                <a:ea typeface="+mn-ea"/>
+                <a:cs typeface="+mn-cs"/>
+              </a:defRPr>
+            </a:lvl7pPr>
+            <a:lvl8pPr marL="3429000" indent="-228600" algn="l" defTabSz="457200" rtl="0" eaLnBrk="1" latinLnBrk="0" hangingPunct="1">
+              <a:spcBef>
+                <a:spcPct val="20000"/>
+              </a:spcBef>
+              <a:buFont typeface="Arial"/>
+              <a:buChar char="•"/>
+              <a:defRPr sz="2000" kern="1200">
+                <a:solidFill>
+                  <a:schemeClr val="tx1"/>
+                </a:solidFill>
+                <a:latin typeface="+mn-lt"/>
+                <a:ea typeface="+mn-ea"/>
+                <a:cs typeface="+mn-cs"/>
+              </a:defRPr>
+            </a:lvl8pPr>
+            <a:lvl9pPr marL="3886200" indent="-228600" algn="l" defTabSz="457200" rtl="0" eaLnBrk="1" latinLnBrk="0" hangingPunct="1">
+              <a:spcBef>
+                <a:spcPct val="20000"/>
+              </a:spcBef>
+              <a:buFont typeface="Arial"/>
+              <a:buChar char="•"/>
+              <a:defRPr sz="2000" kern="1200">
+                <a:solidFill>
+                  <a:schemeClr val="tx1"/>
+                </a:solidFill>
+                <a:latin typeface="+mn-lt"/>
+                <a:ea typeface="+mn-ea"/>
+                <a:cs typeface="+mn-cs"/>
+              </a:defRPr>
+            </a:lvl9pPr>
+          </a:lstStyle>
+          <a:p>
+            <a:pPr marL="0" indent="0">
+              <a:buNone/>
+            </a:pPr>
+            <a:r>
+              <a:rPr lang="en-US" sz="1000" dirty="0">
+                <a:effectLst/>
+                <a:latin typeface="Helvetica Neue" panose="02000503000000020004" pitchFamily="2" charset="0"/>
+              </a:rPr>
+              <a:t>query {</a:t>
+            </a:r>
+          </a:p>
+          <a:p>
+            <a:pPr marL="0" indent="0">
+              <a:buNone/>
+            </a:pPr>
+            <a:r>
+              <a:rPr lang="en-US" sz="1000" dirty="0">
+                <a:effectLst/>
+                <a:latin typeface="Helvetica Neue" panose="02000503000000020004" pitchFamily="2" charset="0"/>
+              </a:rPr>
+              <a:t>  user(id: 1) {</a:t>
+            </a:r>
+          </a:p>
+          <a:p>
+            <a:pPr marL="0" indent="0">
+              <a:buNone/>
+            </a:pPr>
+            <a:r>
+              <a:rPr lang="en-US" sz="1000" dirty="0">
+                <a:effectLst/>
+                <a:latin typeface="Helvetica Neue" panose="02000503000000020004" pitchFamily="2" charset="0"/>
+              </a:rPr>
+              <a:t>    name</a:t>
+            </a:r>
+          </a:p>
+          <a:p>
+            <a:pPr marL="0" indent="0">
+              <a:buNone/>
+            </a:pPr>
+            <a:r>
+              <a:rPr lang="en-US" sz="1000" dirty="0">
+                <a:effectLst/>
+                <a:latin typeface="Helvetica Neue" panose="02000503000000020004" pitchFamily="2" charset="0"/>
+              </a:rPr>
+              <a:t>    email</a:t>
+            </a:r>
+          </a:p>
+          <a:p>
+            <a:pPr marL="0" indent="0">
+              <a:buNone/>
+            </a:pPr>
+            <a:r>
+              <a:rPr lang="en-US" sz="1000" dirty="0">
+                <a:effectLst/>
+                <a:latin typeface="Helvetica Neue" panose="02000503000000020004" pitchFamily="2" charset="0"/>
+              </a:rPr>
+              <a:t>  }</a:t>
+            </a:r>
+          </a:p>
+          <a:p>
+            <a:pPr marL="0" indent="0">
+              <a:buNone/>
+            </a:pPr>
+            <a:r>
+              <a:rPr lang="en-US" sz="1000" dirty="0">
+                <a:effectLst/>
+                <a:latin typeface="Helvetica Neue" panose="02000503000000020004" pitchFamily="2" charset="0"/>
+              </a:rPr>
+              <a:t>}</a:t>
+            </a:r>
+          </a:p>
+        </p:txBody>
+      </p:sp>
+      <p:sp>
+        <p:nvSpPr>
+          <p:cNvPr id="16" name="Content Placeholder 2">
+            <a:extLst>
+              <a:ext uri="{FF2B5EF4-FFF2-40B4-BE49-F238E27FC236}">
+                <a16:creationId xmlns:a16="http://schemas.microsoft.com/office/drawing/2014/main" id="{1976A743-8DB7-495E-B6F8-9CEBA77B3DA1}"/>
+              </a:ext>
+            </a:extLst>
+          </p:cNvPr>
+          <p:cNvSpPr txBox="1">
+            <a:spLocks/>
+          </p:cNvSpPr>
+          <p:nvPr/>
+        </p:nvSpPr>
+        <p:spPr>
+          <a:xfrm>
+            <a:off x="373114" y="4761183"/>
+            <a:ext cx="8229600" cy="1539771"/>
+          </a:xfrm>
+          <a:prstGeom prst="rect">
+            <a:avLst/>
+          </a:prstGeom>
+          <a:ln>
+            <a:solidFill>
+              <a:schemeClr val="tx1"/>
+            </a:solidFill>
+          </a:ln>
+        </p:spPr>
+        <p:txBody>
+          <a:bodyPr vert="horz" lIns="91440" tIns="45720" rIns="91440" bIns="45720" rtlCol="0">
+            <a:noAutofit/>
+          </a:bodyPr>
+          <a:lstStyle>
+            <a:lvl1pPr marL="342900" indent="-342900" algn="l" defTabSz="457200" rtl="0" eaLnBrk="1" latinLnBrk="0" hangingPunct="1">
+              <a:spcBef>
+                <a:spcPct val="20000"/>
+              </a:spcBef>
+              <a:buFont typeface="Arial"/>
+              <a:buChar char="•"/>
+              <a:defRPr sz="3200" kern="1200">
+                <a:solidFill>
+                  <a:schemeClr val="tx1"/>
+                </a:solidFill>
+                <a:latin typeface="+mn-lt"/>
+                <a:ea typeface="+mn-ea"/>
+                <a:cs typeface="+mn-cs"/>
+              </a:defRPr>
+            </a:lvl1pPr>
+            <a:lvl2pPr marL="742950" indent="-285750" algn="l" defTabSz="457200" rtl="0" eaLnBrk="1" latinLnBrk="0" hangingPunct="1">
+              <a:spcBef>
+                <a:spcPct val="20000"/>
+              </a:spcBef>
+              <a:buFont typeface="Arial"/>
+              <a:buChar char="–"/>
+              <a:defRPr sz="2800" kern="1200">
+                <a:solidFill>
+                  <a:schemeClr val="tx1"/>
+                </a:solidFill>
+                <a:latin typeface="+mn-lt"/>
+                <a:ea typeface="+mn-ea"/>
+                <a:cs typeface="+mn-cs"/>
+              </a:defRPr>
+            </a:lvl2pPr>
+            <a:lvl3pPr marL="1143000" indent="-228600" algn="l" defTabSz="457200" rtl="0" eaLnBrk="1" latinLnBrk="0" hangingPunct="1">
+              <a:spcBef>
+                <a:spcPct val="20000"/>
+              </a:spcBef>
+              <a:buFont typeface="Arial"/>
+              <a:buChar char="•"/>
+              <a:defRPr sz="2400" kern="1200">
+                <a:solidFill>
+                  <a:schemeClr val="tx1"/>
+                </a:solidFill>
+                <a:latin typeface="+mn-lt"/>
+                <a:ea typeface="+mn-ea"/>
+                <a:cs typeface="+mn-cs"/>
+              </a:defRPr>
+            </a:lvl3pPr>
+            <a:lvl4pPr marL="1600200" indent="-228600" algn="l" defTabSz="457200" rtl="0" eaLnBrk="1" latinLnBrk="0" hangingPunct="1">
+              <a:spcBef>
+                <a:spcPct val="20000"/>
+              </a:spcBef>
+              <a:buFont typeface="Arial"/>
+              <a:buChar char="–"/>
+              <a:defRPr sz="2000" kern="1200">
+                <a:solidFill>
+                  <a:schemeClr val="tx1"/>
+                </a:solidFill>
+                <a:latin typeface="+mn-lt"/>
+                <a:ea typeface="+mn-ea"/>
+                <a:cs typeface="+mn-cs"/>
+              </a:defRPr>
+            </a:lvl4pPr>
+            <a:lvl5pPr marL="2057400" indent="-228600" algn="l" defTabSz="457200" rtl="0" eaLnBrk="1" latinLnBrk="0" hangingPunct="1">
+              <a:spcBef>
+                <a:spcPct val="20000"/>
+              </a:spcBef>
+              <a:buFont typeface="Arial"/>
+              <a:buChar char="»"/>
+              <a:defRPr sz="2000" kern="1200">
+                <a:solidFill>
+                  <a:schemeClr val="tx1"/>
+                </a:solidFill>
+                <a:latin typeface="+mn-lt"/>
+                <a:ea typeface="+mn-ea"/>
+                <a:cs typeface="+mn-cs"/>
+              </a:defRPr>
+            </a:lvl5pPr>
+            <a:lvl6pPr marL="2514600" indent="-228600" algn="l" defTabSz="457200" rtl="0" eaLnBrk="1" latinLnBrk="0" hangingPunct="1">
+              <a:spcBef>
+                <a:spcPct val="20000"/>
+              </a:spcBef>
+              <a:buFont typeface="Arial"/>
+              <a:buChar char="•"/>
+              <a:defRPr sz="2000" kern="1200">
+                <a:solidFill>
+                  <a:schemeClr val="tx1"/>
+                </a:solidFill>
+                <a:latin typeface="+mn-lt"/>
+                <a:ea typeface="+mn-ea"/>
+                <a:cs typeface="+mn-cs"/>
+              </a:defRPr>
+            </a:lvl6pPr>
+            <a:lvl7pPr marL="2971800" indent="-228600" algn="l" defTabSz="457200" rtl="0" eaLnBrk="1" latinLnBrk="0" hangingPunct="1">
+              <a:spcBef>
+                <a:spcPct val="20000"/>
+              </a:spcBef>
+              <a:buFont typeface="Arial"/>
+              <a:buChar char="•"/>
+              <a:defRPr sz="2000" kern="1200">
+                <a:solidFill>
+                  <a:schemeClr val="tx1"/>
+                </a:solidFill>
+                <a:latin typeface="+mn-lt"/>
+                <a:ea typeface="+mn-ea"/>
+                <a:cs typeface="+mn-cs"/>
+              </a:defRPr>
+            </a:lvl7pPr>
+            <a:lvl8pPr marL="3429000" indent="-228600" algn="l" defTabSz="457200" rtl="0" eaLnBrk="1" latinLnBrk="0" hangingPunct="1">
+              <a:spcBef>
+                <a:spcPct val="20000"/>
+              </a:spcBef>
+              <a:buFont typeface="Arial"/>
+              <a:buChar char="•"/>
+              <a:defRPr sz="2000" kern="1200">
+                <a:solidFill>
+                  <a:schemeClr val="tx1"/>
+                </a:solidFill>
+                <a:latin typeface="+mn-lt"/>
+                <a:ea typeface="+mn-ea"/>
+                <a:cs typeface="+mn-cs"/>
+              </a:defRPr>
+            </a:lvl8pPr>
+            <a:lvl9pPr marL="3886200" indent="-228600" algn="l" defTabSz="457200" rtl="0" eaLnBrk="1" latinLnBrk="0" hangingPunct="1">
+              <a:spcBef>
+                <a:spcPct val="20000"/>
+              </a:spcBef>
+              <a:buFont typeface="Arial"/>
+              <a:buChar char="•"/>
+              <a:defRPr sz="2000" kern="1200">
+                <a:solidFill>
+                  <a:schemeClr val="tx1"/>
+                </a:solidFill>
+                <a:latin typeface="+mn-lt"/>
+                <a:ea typeface="+mn-ea"/>
+                <a:cs typeface="+mn-cs"/>
+              </a:defRPr>
+            </a:lvl9pPr>
+          </a:lstStyle>
+          <a:p>
+            <a:pPr marL="0" indent="0">
+              <a:buNone/>
+            </a:pPr>
+            <a:r>
+              <a:rPr lang="en-US" sz="1000" dirty="0">
+                <a:effectLst/>
+                <a:latin typeface="Helvetica Neue" panose="02000503000000020004" pitchFamily="2" charset="0"/>
+              </a:rPr>
+              <a:t>{</a:t>
+            </a:r>
+          </a:p>
+          <a:p>
+            <a:pPr marL="0" indent="0">
+              <a:buNone/>
+            </a:pPr>
+            <a:r>
+              <a:rPr lang="en-US" sz="1000" dirty="0">
+                <a:effectLst/>
+                <a:latin typeface="Helvetica Neue" panose="02000503000000020004" pitchFamily="2" charset="0"/>
+              </a:rPr>
+              <a:t>  "data": {</a:t>
+            </a:r>
+          </a:p>
+          <a:p>
+            <a:pPr marL="0" indent="0">
+              <a:buNone/>
+            </a:pPr>
+            <a:r>
+              <a:rPr lang="en-US" sz="1000" dirty="0">
+                <a:effectLst/>
+                <a:latin typeface="Helvetica Neue" panose="02000503000000020004" pitchFamily="2" charset="0"/>
+              </a:rPr>
+              <a:t>    "user": {</a:t>
+            </a:r>
+          </a:p>
+          <a:p>
+            <a:pPr marL="0" indent="0">
+              <a:buNone/>
+            </a:pPr>
+            <a:r>
+              <a:rPr lang="en-US" sz="1000" dirty="0">
+                <a:effectLst/>
+                <a:latin typeface="Helvetica Neue" panose="02000503000000020004" pitchFamily="2" charset="0"/>
+              </a:rPr>
+              <a:t>      "name": "Carlos",</a:t>
+            </a:r>
+          </a:p>
+          <a:p>
+            <a:pPr marL="0" indent="0">
+              <a:buNone/>
+            </a:pPr>
+            <a:r>
+              <a:rPr lang="en-US" sz="1000" dirty="0">
+                <a:effectLst/>
+                <a:latin typeface="Helvetica Neue" panose="02000503000000020004" pitchFamily="2" charset="0"/>
+              </a:rPr>
+              <a:t>      "email": "</a:t>
+            </a:r>
+            <a:r>
+              <a:rPr lang="en-US" sz="1000" dirty="0" err="1">
+                <a:effectLst/>
+                <a:latin typeface="Helvetica Neue" panose="02000503000000020004" pitchFamily="2" charset="0"/>
+              </a:rPr>
+              <a:t>carlos@email.com</a:t>
+            </a:r>
+            <a:r>
+              <a:rPr lang="en-US" sz="1000" dirty="0">
+                <a:effectLst/>
+                <a:latin typeface="Helvetica Neue" panose="02000503000000020004" pitchFamily="2" charset="0"/>
+              </a:rPr>
+              <a:t>"</a:t>
+            </a:r>
+          </a:p>
+          <a:p>
+            <a:pPr marL="0" indent="0">
+              <a:buNone/>
+            </a:pPr>
+            <a:r>
+              <a:rPr lang="en-US" sz="1000" dirty="0">
+                <a:effectLst/>
+                <a:latin typeface="Helvetica Neue" panose="02000503000000020004" pitchFamily="2" charset="0"/>
+              </a:rPr>
+              <a:t>    }</a:t>
+            </a:r>
+          </a:p>
+          <a:p>
+            <a:pPr marL="0" indent="0">
+              <a:buNone/>
+            </a:pPr>
+            <a:r>
+              <a:rPr lang="en-US" sz="1000" dirty="0">
+                <a:effectLst/>
+                <a:latin typeface="Helvetica Neue" panose="02000503000000020004" pitchFamily="2" charset="0"/>
+              </a:rPr>
+              <a:t>  }</a:t>
+            </a:r>
+          </a:p>
+          <a:p>
+            <a:pPr marL="0" indent="0">
+              <a:buNone/>
+            </a:pPr>
+            <a:r>
+              <a:rPr lang="en-US" sz="1000" dirty="0">
+                <a:effectLst/>
+                <a:latin typeface="Helvetica Neue" panose="02000503000000020004" pitchFamily="2" charset="0"/>
+              </a:rPr>
+              <a:t>}</a:t>
+            </a:r>
+          </a:p>
+        </p:txBody>
+      </p:sp>
+      <p:sp>
+        <p:nvSpPr>
+          <p:cNvPr id="17" name="Content Placeholder 2">
+            <a:extLst>
+              <a:ext uri="{FF2B5EF4-FFF2-40B4-BE49-F238E27FC236}">
+                <a16:creationId xmlns:a16="http://schemas.microsoft.com/office/drawing/2014/main" id="{D6821333-7B5E-51A7-EAC7-76E49BD4F6B3}"/>
+              </a:ext>
+            </a:extLst>
+          </p:cNvPr>
+          <p:cNvSpPr txBox="1">
+            <a:spLocks/>
+          </p:cNvSpPr>
+          <p:nvPr/>
+        </p:nvSpPr>
+        <p:spPr>
+          <a:xfrm>
+            <a:off x="362607" y="6311465"/>
+            <a:ext cx="8229600" cy="352095"/>
           </a:xfrm>
           <a:prstGeom prst="rect">
             <a:avLst/>
@@ -5641,7 +8456,7 @@
         </p:spPr>
         <p:txBody>
           <a:bodyPr vert="horz" lIns="91440" tIns="45720" rIns="91440" bIns="45720" rtlCol="0">
-            <a:normAutofit lnSpcReduction="10000"/>
+            <a:normAutofit/>
           </a:bodyPr>
           <a:lstStyle>
             <a:lvl1pPr marL="342900" indent="-342900" algn="l" defTabSz="457200" rtl="0" eaLnBrk="1" latinLnBrk="0" hangingPunct="1">
@@ -5781,113 +8596,923 @@
             </a:lvl9pPr>
           </a:lstStyle>
           <a:p>
+            <a:pPr marL="0" indent="0" defTabSz="914400" eaLnBrk="0" fontAlgn="base" hangingPunct="0">
+              <a:spcBef>
+                <a:spcPct val="0"/>
+              </a:spcBef>
+              <a:spcAft>
+                <a:spcPct val="0"/>
+              </a:spcAft>
+              <a:buNone/>
+            </a:pPr>
+            <a:r>
+              <a:rPr lang="en-US" sz="1200" dirty="0" err="1">
+                <a:effectLst/>
+              </a:rPr>
+              <a:t>Resultado</a:t>
+            </a:r>
+            <a:r>
+              <a:rPr lang="en-US" sz="1200" dirty="0">
+                <a:effectLst/>
+              </a:rPr>
+              <a:t>: </a:t>
+            </a:r>
+            <a:r>
+              <a:rPr lang="en-US" sz="1200" b="1" dirty="0" err="1">
+                <a:effectLst/>
+              </a:rPr>
+              <a:t>somente</a:t>
+            </a:r>
+            <a:r>
+              <a:rPr lang="en-US" sz="1200" b="1" dirty="0">
+                <a:effectLst/>
+              </a:rPr>
+              <a:t> </a:t>
+            </a:r>
+            <a:r>
+              <a:rPr lang="en-US" sz="1200" b="1" dirty="0" err="1">
+                <a:effectLst/>
+              </a:rPr>
+              <a:t>os</a:t>
+            </a:r>
+            <a:r>
+              <a:rPr lang="en-US" sz="1200" b="1" dirty="0">
+                <a:effectLst/>
+              </a:rPr>
+              <a:t> dados </a:t>
+            </a:r>
+            <a:r>
+              <a:rPr lang="en-US" sz="1200" b="1" dirty="0" err="1">
+                <a:effectLst/>
+              </a:rPr>
+              <a:t>necessários</a:t>
+            </a:r>
+            <a:r>
+              <a:rPr lang="en-US" sz="1200" b="1" dirty="0">
+                <a:effectLst/>
+              </a:rPr>
+              <a:t> </a:t>
+            </a:r>
+            <a:r>
+              <a:rPr lang="en-US" sz="1200" b="1" dirty="0" err="1">
+                <a:effectLst/>
+              </a:rPr>
+              <a:t>são</a:t>
+            </a:r>
+            <a:r>
+              <a:rPr lang="en-US" sz="1200" b="1" dirty="0">
+                <a:effectLst/>
+              </a:rPr>
+              <a:t> </a:t>
+            </a:r>
+            <a:r>
+              <a:rPr lang="en-US" sz="1200" b="1" dirty="0" err="1">
+                <a:effectLst/>
+              </a:rPr>
+              <a:t>retornados</a:t>
+            </a:r>
+            <a:r>
+              <a:rPr lang="en-US" sz="1200" dirty="0">
+                <a:effectLst/>
+              </a:rPr>
+              <a:t>.</a:t>
+            </a:r>
+          </a:p>
+          <a:p>
+            <a:pPr marL="0" indent="0" defTabSz="914400" eaLnBrk="0" fontAlgn="base" hangingPunct="0">
+              <a:spcBef>
+                <a:spcPct val="0"/>
+              </a:spcBef>
+              <a:spcAft>
+                <a:spcPct val="0"/>
+              </a:spcAft>
+              <a:buNone/>
+            </a:pPr>
+            <a:endParaRPr kumimoji="0" lang="pt-PT" altLang="en-US" sz="1200" b="0" i="0" u="none" strike="noStrike" cap="none" normalizeH="0" baseline="0" dirty="0">
+              <a:ln>
+                <a:noFill/>
+              </a:ln>
+              <a:solidFill>
+                <a:schemeClr val="tx1"/>
+              </a:solidFill>
+              <a:effectLst/>
+            </a:endParaRPr>
+          </a:p>
+        </p:txBody>
+      </p:sp>
+      <p:sp>
+        <p:nvSpPr>
+          <p:cNvPr id="26" name="Title 1">
+            <a:extLst>
+              <a:ext uri="{FF2B5EF4-FFF2-40B4-BE49-F238E27FC236}">
+                <a16:creationId xmlns:a16="http://schemas.microsoft.com/office/drawing/2014/main" id="{398B644A-0E90-3545-0C34-3E8F7A8E665C}"/>
+              </a:ext>
+            </a:extLst>
+          </p:cNvPr>
+          <p:cNvSpPr txBox="1">
+            <a:spLocks/>
+          </p:cNvSpPr>
+          <p:nvPr/>
+        </p:nvSpPr>
+        <p:spPr>
+          <a:xfrm>
+            <a:off x="457200" y="166843"/>
+            <a:ext cx="8229600" cy="520206"/>
+          </a:xfrm>
+          <a:prstGeom prst="rect">
+            <a:avLst/>
+          </a:prstGeom>
+        </p:spPr>
+        <p:txBody>
+          <a:bodyPr vert="horz" lIns="91440" tIns="45720" rIns="91440" bIns="45720" rtlCol="0" anchor="ctr">
+            <a:normAutofit fontScale="77500" lnSpcReduction="20000"/>
+          </a:bodyPr>
+          <a:lstStyle>
+            <a:lvl1pPr algn="ctr" defTabSz="457200" rtl="0" eaLnBrk="1" latinLnBrk="0" hangingPunct="1">
+              <a:spcBef>
+                <a:spcPct val="0"/>
+              </a:spcBef>
+              <a:buNone/>
+              <a:defRPr sz="4400" kern="1200">
+                <a:solidFill>
+                  <a:schemeClr val="tx1"/>
+                </a:solidFill>
+                <a:latin typeface="+mj-lt"/>
+                <a:ea typeface="+mj-ea"/>
+                <a:cs typeface="+mj-cs"/>
+              </a:defRPr>
+            </a:lvl1pPr>
+          </a:lstStyle>
+          <a:p>
+            <a:r>
+              <a:rPr lang="en-US" dirty="0" err="1"/>
+              <a:t>Exemplo</a:t>
+            </a:r>
+            <a:r>
+              <a:rPr lang="en-US" dirty="0"/>
+              <a:t> REST de </a:t>
+            </a:r>
+            <a:r>
+              <a:rPr lang="en-US" dirty="0" err="1"/>
+              <a:t>Overfetching</a:t>
+            </a:r>
+            <a:endParaRPr lang="en-US" dirty="0"/>
+          </a:p>
+        </p:txBody>
+      </p:sp>
+      <p:sp>
+        <p:nvSpPr>
+          <p:cNvPr id="27" name="Content Placeholder 2">
+            <a:extLst>
+              <a:ext uri="{FF2B5EF4-FFF2-40B4-BE49-F238E27FC236}">
+                <a16:creationId xmlns:a16="http://schemas.microsoft.com/office/drawing/2014/main" id="{4508770A-0FF3-76D7-E0C1-4D7B91112F94}"/>
+              </a:ext>
+            </a:extLst>
+          </p:cNvPr>
+          <p:cNvSpPr txBox="1">
+            <a:spLocks/>
+          </p:cNvSpPr>
+          <p:nvPr/>
+        </p:nvSpPr>
+        <p:spPr>
+          <a:xfrm>
+            <a:off x="457200" y="2590884"/>
+            <a:ext cx="8229600" cy="383633"/>
+          </a:xfrm>
+          <a:prstGeom prst="rect">
+            <a:avLst/>
+          </a:prstGeom>
+        </p:spPr>
+        <p:txBody>
+          <a:bodyPr vert="horz" lIns="91440" tIns="45720" rIns="91440" bIns="45720" rtlCol="0">
+            <a:normAutofit/>
+          </a:bodyPr>
+          <a:lstStyle>
+            <a:lvl1pPr marL="342900" indent="-342900" algn="l" defTabSz="457200" rtl="0" eaLnBrk="1" latinLnBrk="0" hangingPunct="1">
+              <a:spcBef>
+                <a:spcPct val="20000"/>
+              </a:spcBef>
+              <a:buFont typeface="Arial"/>
+              <a:buChar char="•"/>
+              <a:defRPr sz="3200" kern="1200">
+                <a:solidFill>
+                  <a:schemeClr val="tx1"/>
+                </a:solidFill>
+                <a:latin typeface="+mn-lt"/>
+                <a:ea typeface="+mn-ea"/>
+                <a:cs typeface="+mn-cs"/>
+              </a:defRPr>
+            </a:lvl1pPr>
+            <a:lvl2pPr marL="742950" indent="-285750" algn="l" defTabSz="457200" rtl="0" eaLnBrk="1" latinLnBrk="0" hangingPunct="1">
+              <a:spcBef>
+                <a:spcPct val="20000"/>
+              </a:spcBef>
+              <a:buFont typeface="Arial"/>
+              <a:buChar char="–"/>
+              <a:defRPr sz="2800" kern="1200">
+                <a:solidFill>
+                  <a:schemeClr val="tx1"/>
+                </a:solidFill>
+                <a:latin typeface="+mn-lt"/>
+                <a:ea typeface="+mn-ea"/>
+                <a:cs typeface="+mn-cs"/>
+              </a:defRPr>
+            </a:lvl2pPr>
+            <a:lvl3pPr marL="1143000" indent="-228600" algn="l" defTabSz="457200" rtl="0" eaLnBrk="1" latinLnBrk="0" hangingPunct="1">
+              <a:spcBef>
+                <a:spcPct val="20000"/>
+              </a:spcBef>
+              <a:buFont typeface="Arial"/>
+              <a:buChar char="•"/>
+              <a:defRPr sz="2400" kern="1200">
+                <a:solidFill>
+                  <a:schemeClr val="tx1"/>
+                </a:solidFill>
+                <a:latin typeface="+mn-lt"/>
+                <a:ea typeface="+mn-ea"/>
+                <a:cs typeface="+mn-cs"/>
+              </a:defRPr>
+            </a:lvl3pPr>
+            <a:lvl4pPr marL="1600200" indent="-228600" algn="l" defTabSz="457200" rtl="0" eaLnBrk="1" latinLnBrk="0" hangingPunct="1">
+              <a:spcBef>
+                <a:spcPct val="20000"/>
+              </a:spcBef>
+              <a:buFont typeface="Arial"/>
+              <a:buChar char="–"/>
+              <a:defRPr sz="2000" kern="1200">
+                <a:solidFill>
+                  <a:schemeClr val="tx1"/>
+                </a:solidFill>
+                <a:latin typeface="+mn-lt"/>
+                <a:ea typeface="+mn-ea"/>
+                <a:cs typeface="+mn-cs"/>
+              </a:defRPr>
+            </a:lvl4pPr>
+            <a:lvl5pPr marL="2057400" indent="-228600" algn="l" defTabSz="457200" rtl="0" eaLnBrk="1" latinLnBrk="0" hangingPunct="1">
+              <a:spcBef>
+                <a:spcPct val="20000"/>
+              </a:spcBef>
+              <a:buFont typeface="Arial"/>
+              <a:buChar char="»"/>
+              <a:defRPr sz="2000" kern="1200">
+                <a:solidFill>
+                  <a:schemeClr val="tx1"/>
+                </a:solidFill>
+                <a:latin typeface="+mn-lt"/>
+                <a:ea typeface="+mn-ea"/>
+                <a:cs typeface="+mn-cs"/>
+              </a:defRPr>
+            </a:lvl5pPr>
+            <a:lvl6pPr marL="2514600" indent="-228600" algn="l" defTabSz="457200" rtl="0" eaLnBrk="1" latinLnBrk="0" hangingPunct="1">
+              <a:spcBef>
+                <a:spcPct val="20000"/>
+              </a:spcBef>
+              <a:buFont typeface="Arial"/>
+              <a:buChar char="•"/>
+              <a:defRPr sz="2000" kern="1200">
+                <a:solidFill>
+                  <a:schemeClr val="tx1"/>
+                </a:solidFill>
+                <a:latin typeface="+mn-lt"/>
+                <a:ea typeface="+mn-ea"/>
+                <a:cs typeface="+mn-cs"/>
+              </a:defRPr>
+            </a:lvl6pPr>
+            <a:lvl7pPr marL="2971800" indent="-228600" algn="l" defTabSz="457200" rtl="0" eaLnBrk="1" latinLnBrk="0" hangingPunct="1">
+              <a:spcBef>
+                <a:spcPct val="20000"/>
+              </a:spcBef>
+              <a:buFont typeface="Arial"/>
+              <a:buChar char="•"/>
+              <a:defRPr sz="2000" kern="1200">
+                <a:solidFill>
+                  <a:schemeClr val="tx1"/>
+                </a:solidFill>
+                <a:latin typeface="+mn-lt"/>
+                <a:ea typeface="+mn-ea"/>
+                <a:cs typeface="+mn-cs"/>
+              </a:defRPr>
+            </a:lvl7pPr>
+            <a:lvl8pPr marL="3429000" indent="-228600" algn="l" defTabSz="457200" rtl="0" eaLnBrk="1" latinLnBrk="0" hangingPunct="1">
+              <a:spcBef>
+                <a:spcPct val="20000"/>
+              </a:spcBef>
+              <a:buFont typeface="Arial"/>
+              <a:buChar char="•"/>
+              <a:defRPr sz="2000" kern="1200">
+                <a:solidFill>
+                  <a:schemeClr val="tx1"/>
+                </a:solidFill>
+                <a:latin typeface="+mn-lt"/>
+                <a:ea typeface="+mn-ea"/>
+                <a:cs typeface="+mn-cs"/>
+              </a:defRPr>
+            </a:lvl8pPr>
+            <a:lvl9pPr marL="3886200" indent="-228600" algn="l" defTabSz="457200" rtl="0" eaLnBrk="1" latinLnBrk="0" hangingPunct="1">
+              <a:spcBef>
+                <a:spcPct val="20000"/>
+              </a:spcBef>
+              <a:buFont typeface="Arial"/>
+              <a:buChar char="•"/>
+              <a:defRPr sz="2000" kern="1200">
+                <a:solidFill>
+                  <a:schemeClr val="tx1"/>
+                </a:solidFill>
+                <a:latin typeface="+mn-lt"/>
+                <a:ea typeface="+mn-ea"/>
+                <a:cs typeface="+mn-cs"/>
+              </a:defRPr>
+            </a:lvl9pPr>
+          </a:lstStyle>
+          <a:p>
+            <a:pPr marL="0" indent="0" defTabSz="914400" eaLnBrk="0" fontAlgn="base" hangingPunct="0">
+              <a:spcBef>
+                <a:spcPct val="0"/>
+              </a:spcBef>
+              <a:spcAft>
+                <a:spcPct val="0"/>
+              </a:spcAft>
+              <a:buNone/>
+            </a:pPr>
+            <a:r>
+              <a:rPr kumimoji="0" lang="pt-PT" altLang="en-US" sz="1200" b="0" i="0" u="none" strike="noStrike" cap="none" normalizeH="0" baseline="0" dirty="0">
+                <a:ln>
+                  <a:noFill/>
+                </a:ln>
+                <a:solidFill>
+                  <a:schemeClr val="tx1"/>
+                </a:solidFill>
+                <a:effectLst/>
+                <a:ea typeface="Times New Roman" panose="02020603050405020304" pitchFamily="18" charset="0"/>
+              </a:rPr>
+              <a:t>Problema: o cliente </a:t>
+            </a:r>
+            <a:r>
+              <a:rPr kumimoji="0" lang="pt-PT" altLang="en-US" sz="1200" b="1" i="0" u="none" strike="noStrike" cap="none" normalizeH="0" baseline="0" dirty="0">
+                <a:ln>
+                  <a:noFill/>
+                </a:ln>
+                <a:solidFill>
+                  <a:schemeClr val="tx1"/>
+                </a:solidFill>
+                <a:effectLst/>
+                <a:ea typeface="Times New Roman" panose="02020603050405020304" pitchFamily="18" charset="0"/>
+              </a:rPr>
+              <a:t>só queria </a:t>
+            </a:r>
+            <a:r>
+              <a:rPr kumimoji="0" lang="pt-PT" altLang="en-US" sz="1200" b="1" i="0" u="none" strike="noStrike" cap="none" normalizeH="0" baseline="0" dirty="0" err="1">
+                <a:ln>
+                  <a:noFill/>
+                </a:ln>
+                <a:solidFill>
+                  <a:schemeClr val="tx1"/>
+                </a:solidFill>
+                <a:effectLst/>
+                <a:ea typeface="Times New Roman" panose="02020603050405020304" pitchFamily="18" charset="0"/>
+                <a:cs typeface="Courier New" panose="02070309020205020404" pitchFamily="49" charset="0"/>
+              </a:rPr>
+              <a:t>name</a:t>
+            </a:r>
+            <a:r>
+              <a:rPr kumimoji="0" lang="pt-PT" altLang="en-US" sz="1200" b="1" i="0" u="none" strike="noStrike" cap="none" normalizeH="0" baseline="0" dirty="0">
+                <a:ln>
+                  <a:noFill/>
+                </a:ln>
+                <a:solidFill>
+                  <a:schemeClr val="tx1"/>
+                </a:solidFill>
+                <a:effectLst/>
+                <a:ea typeface="Times New Roman" panose="02020603050405020304" pitchFamily="18" charset="0"/>
+              </a:rPr>
+              <a:t> e </a:t>
+            </a:r>
+            <a:r>
+              <a:rPr kumimoji="0" lang="pt-PT" altLang="en-US" sz="1200" b="1" i="0" u="none" strike="noStrike" cap="none" normalizeH="0" baseline="0" dirty="0">
+                <a:ln>
+                  <a:noFill/>
+                </a:ln>
+                <a:solidFill>
+                  <a:schemeClr val="tx1"/>
+                </a:solidFill>
+                <a:effectLst/>
+                <a:ea typeface="Times New Roman" panose="02020603050405020304" pitchFamily="18" charset="0"/>
+                <a:cs typeface="Courier New" panose="02070309020205020404" pitchFamily="49" charset="0"/>
+              </a:rPr>
+              <a:t>email</a:t>
+            </a:r>
+            <a:r>
+              <a:rPr kumimoji="0" lang="pt-PT" altLang="en-US" sz="1200" b="0" i="0" u="none" strike="noStrike" cap="none" normalizeH="0" baseline="0" dirty="0">
+                <a:ln>
+                  <a:noFill/>
+                </a:ln>
+                <a:solidFill>
+                  <a:schemeClr val="tx1"/>
+                </a:solidFill>
+                <a:effectLst/>
+                <a:ea typeface="Times New Roman" panose="02020603050405020304" pitchFamily="18" charset="0"/>
+              </a:rPr>
+              <a:t>, mas recebeu muito mais.</a:t>
+            </a:r>
+            <a:endParaRPr kumimoji="0" lang="pt-PT" altLang="en-US" sz="1200" b="0" i="0" u="none" strike="noStrike" cap="none" normalizeH="0" baseline="0" dirty="0">
+              <a:ln>
+                <a:noFill/>
+              </a:ln>
+              <a:solidFill>
+                <a:schemeClr val="tx1"/>
+              </a:solidFill>
+              <a:effectLst/>
+            </a:endParaRPr>
+          </a:p>
+        </p:txBody>
+      </p:sp>
+      <p:sp>
+        <p:nvSpPr>
+          <p:cNvPr id="28" name="Content Placeholder 2">
+            <a:extLst>
+              <a:ext uri="{FF2B5EF4-FFF2-40B4-BE49-F238E27FC236}">
+                <a16:creationId xmlns:a16="http://schemas.microsoft.com/office/drawing/2014/main" id="{78E5DD06-6122-F568-F852-C1681D69C203}"/>
+              </a:ext>
+            </a:extLst>
+          </p:cNvPr>
+          <p:cNvSpPr txBox="1">
+            <a:spLocks/>
+          </p:cNvSpPr>
+          <p:nvPr/>
+        </p:nvSpPr>
+        <p:spPr>
+          <a:xfrm>
+            <a:off x="457200" y="1066800"/>
+            <a:ext cx="8229600" cy="1508225"/>
+          </a:xfrm>
+          <a:prstGeom prst="rect">
+            <a:avLst/>
+          </a:prstGeom>
+          <a:ln>
+            <a:solidFill>
+              <a:schemeClr val="tx1"/>
+            </a:solidFill>
+          </a:ln>
+        </p:spPr>
+        <p:txBody>
+          <a:bodyPr vert="horz" lIns="91440" tIns="45720" rIns="91440" bIns="45720" rtlCol="0">
+            <a:noAutofit/>
+          </a:bodyPr>
+          <a:lstStyle>
+            <a:lvl1pPr marL="342900" indent="-342900" algn="l" defTabSz="457200" rtl="0" eaLnBrk="1" latinLnBrk="0" hangingPunct="1">
+              <a:spcBef>
+                <a:spcPct val="20000"/>
+              </a:spcBef>
+              <a:buFont typeface="Arial"/>
+              <a:buChar char="•"/>
+              <a:defRPr sz="3200" kern="1200">
+                <a:solidFill>
+                  <a:schemeClr val="tx1"/>
+                </a:solidFill>
+                <a:latin typeface="+mn-lt"/>
+                <a:ea typeface="+mn-ea"/>
+                <a:cs typeface="+mn-cs"/>
+              </a:defRPr>
+            </a:lvl1pPr>
+            <a:lvl2pPr marL="742950" indent="-285750" algn="l" defTabSz="457200" rtl="0" eaLnBrk="1" latinLnBrk="0" hangingPunct="1">
+              <a:spcBef>
+                <a:spcPct val="20000"/>
+              </a:spcBef>
+              <a:buFont typeface="Arial"/>
+              <a:buChar char="–"/>
+              <a:defRPr sz="2800" kern="1200">
+                <a:solidFill>
+                  <a:schemeClr val="tx1"/>
+                </a:solidFill>
+                <a:latin typeface="+mn-lt"/>
+                <a:ea typeface="+mn-ea"/>
+                <a:cs typeface="+mn-cs"/>
+              </a:defRPr>
+            </a:lvl2pPr>
+            <a:lvl3pPr marL="1143000" indent="-228600" algn="l" defTabSz="457200" rtl="0" eaLnBrk="1" latinLnBrk="0" hangingPunct="1">
+              <a:spcBef>
+                <a:spcPct val="20000"/>
+              </a:spcBef>
+              <a:buFont typeface="Arial"/>
+              <a:buChar char="•"/>
+              <a:defRPr sz="2400" kern="1200">
+                <a:solidFill>
+                  <a:schemeClr val="tx1"/>
+                </a:solidFill>
+                <a:latin typeface="+mn-lt"/>
+                <a:ea typeface="+mn-ea"/>
+                <a:cs typeface="+mn-cs"/>
+              </a:defRPr>
+            </a:lvl3pPr>
+            <a:lvl4pPr marL="1600200" indent="-228600" algn="l" defTabSz="457200" rtl="0" eaLnBrk="1" latinLnBrk="0" hangingPunct="1">
+              <a:spcBef>
+                <a:spcPct val="20000"/>
+              </a:spcBef>
+              <a:buFont typeface="Arial"/>
+              <a:buChar char="–"/>
+              <a:defRPr sz="2000" kern="1200">
+                <a:solidFill>
+                  <a:schemeClr val="tx1"/>
+                </a:solidFill>
+                <a:latin typeface="+mn-lt"/>
+                <a:ea typeface="+mn-ea"/>
+                <a:cs typeface="+mn-cs"/>
+              </a:defRPr>
+            </a:lvl4pPr>
+            <a:lvl5pPr marL="2057400" indent="-228600" algn="l" defTabSz="457200" rtl="0" eaLnBrk="1" latinLnBrk="0" hangingPunct="1">
+              <a:spcBef>
+                <a:spcPct val="20000"/>
+              </a:spcBef>
+              <a:buFont typeface="Arial"/>
+              <a:buChar char="»"/>
+              <a:defRPr sz="2000" kern="1200">
+                <a:solidFill>
+                  <a:schemeClr val="tx1"/>
+                </a:solidFill>
+                <a:latin typeface="+mn-lt"/>
+                <a:ea typeface="+mn-ea"/>
+                <a:cs typeface="+mn-cs"/>
+              </a:defRPr>
+            </a:lvl5pPr>
+            <a:lvl6pPr marL="2514600" indent="-228600" algn="l" defTabSz="457200" rtl="0" eaLnBrk="1" latinLnBrk="0" hangingPunct="1">
+              <a:spcBef>
+                <a:spcPct val="20000"/>
+              </a:spcBef>
+              <a:buFont typeface="Arial"/>
+              <a:buChar char="•"/>
+              <a:defRPr sz="2000" kern="1200">
+                <a:solidFill>
+                  <a:schemeClr val="tx1"/>
+                </a:solidFill>
+                <a:latin typeface="+mn-lt"/>
+                <a:ea typeface="+mn-ea"/>
+                <a:cs typeface="+mn-cs"/>
+              </a:defRPr>
+            </a:lvl6pPr>
+            <a:lvl7pPr marL="2971800" indent="-228600" algn="l" defTabSz="457200" rtl="0" eaLnBrk="1" latinLnBrk="0" hangingPunct="1">
+              <a:spcBef>
+                <a:spcPct val="20000"/>
+              </a:spcBef>
+              <a:buFont typeface="Arial"/>
+              <a:buChar char="•"/>
+              <a:defRPr sz="2000" kern="1200">
+                <a:solidFill>
+                  <a:schemeClr val="tx1"/>
+                </a:solidFill>
+                <a:latin typeface="+mn-lt"/>
+                <a:ea typeface="+mn-ea"/>
+                <a:cs typeface="+mn-cs"/>
+              </a:defRPr>
+            </a:lvl7pPr>
+            <a:lvl8pPr marL="3429000" indent="-228600" algn="l" defTabSz="457200" rtl="0" eaLnBrk="1" latinLnBrk="0" hangingPunct="1">
+              <a:spcBef>
+                <a:spcPct val="20000"/>
+              </a:spcBef>
+              <a:buFont typeface="Arial"/>
+              <a:buChar char="•"/>
+              <a:defRPr sz="2000" kern="1200">
+                <a:solidFill>
+                  <a:schemeClr val="tx1"/>
+                </a:solidFill>
+                <a:latin typeface="+mn-lt"/>
+                <a:ea typeface="+mn-ea"/>
+                <a:cs typeface="+mn-cs"/>
+              </a:defRPr>
+            </a:lvl8pPr>
+            <a:lvl9pPr marL="3886200" indent="-228600" algn="l" defTabSz="457200" rtl="0" eaLnBrk="1" latinLnBrk="0" hangingPunct="1">
+              <a:spcBef>
+                <a:spcPct val="20000"/>
+              </a:spcBef>
+              <a:buFont typeface="Arial"/>
+              <a:buChar char="•"/>
+              <a:defRPr sz="2000" kern="1200">
+                <a:solidFill>
+                  <a:schemeClr val="tx1"/>
+                </a:solidFill>
+                <a:latin typeface="+mn-lt"/>
+                <a:ea typeface="+mn-ea"/>
+                <a:cs typeface="+mn-cs"/>
+              </a:defRPr>
+            </a:lvl9pPr>
+          </a:lstStyle>
+          <a:p>
             <a:pPr marL="0" indent="0">
-              <a:buFont typeface="Arial"/>
+              <a:buNone/>
+            </a:pPr>
+            <a:r>
+              <a:rPr lang="en-US" sz="1000" dirty="0">
+                <a:effectLst/>
+              </a:rPr>
+              <a:t>{</a:t>
+            </a:r>
+          </a:p>
+          <a:p>
+            <a:pPr marL="0" indent="0">
+              <a:buNone/>
+            </a:pPr>
+            <a:r>
+              <a:rPr lang="en-US" sz="1000" dirty="0">
+                <a:effectLst/>
+              </a:rPr>
+              <a:t>  "id": 1,</a:t>
+            </a:r>
+          </a:p>
+          <a:p>
+            <a:pPr marL="0" indent="0">
+              <a:buNone/>
+            </a:pPr>
+            <a:r>
+              <a:rPr lang="en-US" sz="1000" dirty="0">
+                <a:effectLst/>
+              </a:rPr>
+              <a:t>  "name": "Carlos",</a:t>
+            </a:r>
+          </a:p>
+          <a:p>
+            <a:pPr marL="0" indent="0">
+              <a:buNone/>
+            </a:pPr>
+            <a:r>
+              <a:rPr lang="en-US" sz="1000" dirty="0">
+                <a:effectLst/>
+              </a:rPr>
+              <a:t>  "email": "</a:t>
+            </a:r>
+            <a:r>
+              <a:rPr lang="en-US" sz="1000" dirty="0" err="1">
+                <a:effectLst/>
+              </a:rPr>
+              <a:t>carlos@email.com</a:t>
+            </a:r>
+            <a:r>
+              <a:rPr lang="en-US" sz="1000" dirty="0">
+                <a:effectLst/>
+              </a:rPr>
+              <a:t>",</a:t>
+            </a:r>
+          </a:p>
+          <a:p>
+            <a:pPr marL="0" indent="0">
+              <a:buNone/>
+            </a:pPr>
+            <a:r>
+              <a:rPr lang="en-US" sz="1000" dirty="0">
+                <a:effectLst/>
+              </a:rPr>
+              <a:t>  "phone": "123-456-7890",</a:t>
+            </a:r>
+          </a:p>
+          <a:p>
+            <a:pPr marL="0" indent="0">
+              <a:buNone/>
+            </a:pPr>
+            <a:r>
+              <a:rPr lang="en-US" sz="1000" dirty="0">
+                <a:effectLst/>
+              </a:rPr>
+              <a:t>  "address": "Rua A, Bairro B",</a:t>
+            </a:r>
+          </a:p>
+          <a:p>
+            <a:pPr marL="0" indent="0">
+              <a:buNone/>
+            </a:pPr>
+            <a:r>
+              <a:rPr lang="en-US" sz="1000" dirty="0">
+                <a:effectLst/>
+              </a:rPr>
+              <a:t>  "</a:t>
+            </a:r>
+            <a:r>
+              <a:rPr lang="en-US" sz="1000" dirty="0" err="1">
+                <a:effectLst/>
+              </a:rPr>
+              <a:t>birthDate</a:t>
+            </a:r>
+            <a:r>
+              <a:rPr lang="en-US" sz="1000" dirty="0">
+                <a:effectLst/>
+              </a:rPr>
+              <a:t>": "1990-01-01”</a:t>
+            </a:r>
+          </a:p>
+          <a:p>
+            <a:pPr marL="0" indent="0">
+              <a:buNone/>
+            </a:pPr>
+            <a:r>
+              <a:rPr lang="en-US" sz="1000" dirty="0">
+                <a:effectLst/>
+              </a:rPr>
+              <a:t>}</a:t>
+            </a:r>
+          </a:p>
+        </p:txBody>
+      </p:sp>
+      <p:sp>
+        <p:nvSpPr>
+          <p:cNvPr id="29" name="Content Placeholder 2">
+            <a:extLst>
+              <a:ext uri="{FF2B5EF4-FFF2-40B4-BE49-F238E27FC236}">
+                <a16:creationId xmlns:a16="http://schemas.microsoft.com/office/drawing/2014/main" id="{9C22F375-FB80-5115-70B8-35B00A8CFBD3}"/>
+              </a:ext>
+            </a:extLst>
+          </p:cNvPr>
+          <p:cNvSpPr txBox="1">
+            <a:spLocks/>
+          </p:cNvSpPr>
+          <p:nvPr/>
+        </p:nvSpPr>
+        <p:spPr>
+          <a:xfrm>
+            <a:off x="457200" y="693669"/>
+            <a:ext cx="8229600" cy="383633"/>
+          </a:xfrm>
+          <a:prstGeom prst="rect">
+            <a:avLst/>
+          </a:prstGeom>
+          <a:ln>
+            <a:solidFill>
+              <a:schemeClr val="tx1"/>
+            </a:solidFill>
+          </a:ln>
+        </p:spPr>
+        <p:txBody>
+          <a:bodyPr vert="horz" lIns="91440" tIns="45720" rIns="91440" bIns="45720" rtlCol="0">
+            <a:normAutofit/>
+          </a:bodyPr>
+          <a:lstStyle>
+            <a:lvl1pPr marL="342900" indent="-342900" algn="l" defTabSz="457200" rtl="0" eaLnBrk="1" latinLnBrk="0" hangingPunct="1">
+              <a:spcBef>
+                <a:spcPct val="20000"/>
+              </a:spcBef>
+              <a:buFont typeface="Arial"/>
+              <a:buChar char="•"/>
+              <a:defRPr sz="3200" kern="1200">
+                <a:solidFill>
+                  <a:schemeClr val="tx1"/>
+                </a:solidFill>
+                <a:latin typeface="+mn-lt"/>
+                <a:ea typeface="+mn-ea"/>
+                <a:cs typeface="+mn-cs"/>
+              </a:defRPr>
+            </a:lvl1pPr>
+            <a:lvl2pPr marL="742950" indent="-285750" algn="l" defTabSz="457200" rtl="0" eaLnBrk="1" latinLnBrk="0" hangingPunct="1">
+              <a:spcBef>
+                <a:spcPct val="20000"/>
+              </a:spcBef>
+              <a:buFont typeface="Arial"/>
+              <a:buChar char="–"/>
+              <a:defRPr sz="2800" kern="1200">
+                <a:solidFill>
+                  <a:schemeClr val="tx1"/>
+                </a:solidFill>
+                <a:latin typeface="+mn-lt"/>
+                <a:ea typeface="+mn-ea"/>
+                <a:cs typeface="+mn-cs"/>
+              </a:defRPr>
+            </a:lvl2pPr>
+            <a:lvl3pPr marL="1143000" indent="-228600" algn="l" defTabSz="457200" rtl="0" eaLnBrk="1" latinLnBrk="0" hangingPunct="1">
+              <a:spcBef>
+                <a:spcPct val="20000"/>
+              </a:spcBef>
+              <a:buFont typeface="Arial"/>
+              <a:buChar char="•"/>
+              <a:defRPr sz="2400" kern="1200">
+                <a:solidFill>
+                  <a:schemeClr val="tx1"/>
+                </a:solidFill>
+                <a:latin typeface="+mn-lt"/>
+                <a:ea typeface="+mn-ea"/>
+                <a:cs typeface="+mn-cs"/>
+              </a:defRPr>
+            </a:lvl3pPr>
+            <a:lvl4pPr marL="1600200" indent="-228600" algn="l" defTabSz="457200" rtl="0" eaLnBrk="1" latinLnBrk="0" hangingPunct="1">
+              <a:spcBef>
+                <a:spcPct val="20000"/>
+              </a:spcBef>
+              <a:buFont typeface="Arial"/>
+              <a:buChar char="–"/>
+              <a:defRPr sz="2000" kern="1200">
+                <a:solidFill>
+                  <a:schemeClr val="tx1"/>
+                </a:solidFill>
+                <a:latin typeface="+mn-lt"/>
+                <a:ea typeface="+mn-ea"/>
+                <a:cs typeface="+mn-cs"/>
+              </a:defRPr>
+            </a:lvl4pPr>
+            <a:lvl5pPr marL="2057400" indent="-228600" algn="l" defTabSz="457200" rtl="0" eaLnBrk="1" latinLnBrk="0" hangingPunct="1">
+              <a:spcBef>
+                <a:spcPct val="20000"/>
+              </a:spcBef>
+              <a:buFont typeface="Arial"/>
+              <a:buChar char="»"/>
+              <a:defRPr sz="2000" kern="1200">
+                <a:solidFill>
+                  <a:schemeClr val="tx1"/>
+                </a:solidFill>
+                <a:latin typeface="+mn-lt"/>
+                <a:ea typeface="+mn-ea"/>
+                <a:cs typeface="+mn-cs"/>
+              </a:defRPr>
+            </a:lvl5pPr>
+            <a:lvl6pPr marL="2514600" indent="-228600" algn="l" defTabSz="457200" rtl="0" eaLnBrk="1" latinLnBrk="0" hangingPunct="1">
+              <a:spcBef>
+                <a:spcPct val="20000"/>
+              </a:spcBef>
+              <a:buFont typeface="Arial"/>
+              <a:buChar char="•"/>
+              <a:defRPr sz="2000" kern="1200">
+                <a:solidFill>
+                  <a:schemeClr val="tx1"/>
+                </a:solidFill>
+                <a:latin typeface="+mn-lt"/>
+                <a:ea typeface="+mn-ea"/>
+                <a:cs typeface="+mn-cs"/>
+              </a:defRPr>
+            </a:lvl6pPr>
+            <a:lvl7pPr marL="2971800" indent="-228600" algn="l" defTabSz="457200" rtl="0" eaLnBrk="1" latinLnBrk="0" hangingPunct="1">
+              <a:spcBef>
+                <a:spcPct val="20000"/>
+              </a:spcBef>
+              <a:buFont typeface="Arial"/>
+              <a:buChar char="•"/>
+              <a:defRPr sz="2000" kern="1200">
+                <a:solidFill>
+                  <a:schemeClr val="tx1"/>
+                </a:solidFill>
+                <a:latin typeface="+mn-lt"/>
+                <a:ea typeface="+mn-ea"/>
+                <a:cs typeface="+mn-cs"/>
+              </a:defRPr>
+            </a:lvl7pPr>
+            <a:lvl8pPr marL="3429000" indent="-228600" algn="l" defTabSz="457200" rtl="0" eaLnBrk="1" latinLnBrk="0" hangingPunct="1">
+              <a:spcBef>
+                <a:spcPct val="20000"/>
+              </a:spcBef>
+              <a:buFont typeface="Arial"/>
+              <a:buChar char="•"/>
+              <a:defRPr sz="2000" kern="1200">
+                <a:solidFill>
+                  <a:schemeClr val="tx1"/>
+                </a:solidFill>
+                <a:latin typeface="+mn-lt"/>
+                <a:ea typeface="+mn-ea"/>
+                <a:cs typeface="+mn-cs"/>
+              </a:defRPr>
+            </a:lvl8pPr>
+            <a:lvl9pPr marL="3886200" indent="-228600" algn="l" defTabSz="457200" rtl="0" eaLnBrk="1" latinLnBrk="0" hangingPunct="1">
+              <a:spcBef>
+                <a:spcPct val="20000"/>
+              </a:spcBef>
+              <a:buFont typeface="Arial"/>
+              <a:buChar char="•"/>
+              <a:defRPr sz="2000" kern="1200">
+                <a:solidFill>
+                  <a:schemeClr val="tx1"/>
+                </a:solidFill>
+                <a:latin typeface="+mn-lt"/>
+                <a:ea typeface="+mn-ea"/>
+                <a:cs typeface="+mn-cs"/>
+              </a:defRPr>
+            </a:lvl9pPr>
+          </a:lstStyle>
+          <a:p>
+            <a:pPr marL="0" indent="0">
               <a:buNone/>
               <a:defRPr sz="1800"/>
             </a:pPr>
             <a:r>
-              <a:rPr lang="en-US" sz="1800" dirty="0"/>
-              <a:t>type Student {</a:t>
-            </a:r>
-          </a:p>
-          <a:p>
-            <a:pPr marL="0" indent="0">
-              <a:buFont typeface="Arial"/>
-              <a:buNone/>
-              <a:defRPr sz="1800"/>
-            </a:pPr>
-            <a:r>
-              <a:rPr lang="en-US" sz="1800" dirty="0"/>
-              <a:t>  	id: ID!</a:t>
-            </a:r>
-          </a:p>
-          <a:p>
-            <a:pPr marL="0" indent="0">
-              <a:buFont typeface="Arial"/>
-              <a:buNone/>
-              <a:defRPr sz="1800"/>
-            </a:pPr>
-            <a:r>
-              <a:rPr lang="en-US" sz="1800" dirty="0"/>
-              <a:t>  	</a:t>
-            </a:r>
-            <a:r>
-              <a:rPr lang="en-US" sz="1800" dirty="0" err="1"/>
-              <a:t>firstName</a:t>
-            </a:r>
-            <a:r>
-              <a:rPr lang="en-US" sz="1800" dirty="0"/>
-              <a:t>: String!</a:t>
-            </a:r>
-          </a:p>
-          <a:p>
-            <a:pPr marL="0" indent="0">
-              <a:buFont typeface="Arial"/>
-              <a:buNone/>
-              <a:defRPr sz="1800"/>
-            </a:pPr>
-            <a:r>
-              <a:rPr lang="en-US" sz="1800" dirty="0"/>
-              <a:t>  	</a:t>
-            </a:r>
-            <a:r>
-              <a:rPr lang="en-US" sz="1800" dirty="0" err="1"/>
-              <a:t>lastName</a:t>
-            </a:r>
-            <a:r>
-              <a:rPr lang="en-US" sz="1800" dirty="0"/>
-              <a:t>: String!</a:t>
-            </a:r>
-          </a:p>
-          <a:p>
-            <a:pPr marL="0" indent="0">
-              <a:buFont typeface="Arial"/>
-              <a:buNone/>
-              <a:defRPr sz="1800"/>
-            </a:pPr>
-            <a:r>
-              <a:rPr lang="en-US" sz="1800" dirty="0"/>
-              <a:t>	email: String</a:t>
-            </a:r>
-          </a:p>
-          <a:p>
-            <a:pPr marL="0" indent="0">
-              <a:buFont typeface="Arial"/>
-              <a:buNone/>
-              <a:defRPr sz="1800"/>
-            </a:pPr>
-            <a:r>
-              <a:rPr lang="en-US" sz="1800" dirty="0"/>
-              <a:t>	street: String</a:t>
-            </a:r>
-          </a:p>
-          <a:p>
-            <a:pPr marL="0" indent="0">
-              <a:buFont typeface="Arial"/>
-              <a:buNone/>
-              <a:defRPr sz="1800"/>
-            </a:pPr>
-            <a:r>
-              <a:rPr lang="en-US" sz="1800" dirty="0"/>
-              <a:t>}</a:t>
-            </a:r>
-          </a:p>
-          <a:p>
-            <a:pPr marL="0" marR="0" indent="0">
-              <a:buNone/>
-            </a:pPr>
-            <a:endParaRPr lang="en-US" sz="1800" dirty="0"/>
-          </a:p>
-          <a:p>
-            <a:pPr marL="0" marR="0" indent="0">
-              <a:buNone/>
-            </a:pPr>
-            <a:endParaRPr lang="en-US" sz="1800" dirty="0"/>
+              <a:rPr lang="pt-PT" sz="1200" dirty="0">
+                <a:effectLst/>
+                <a:ea typeface="Times New Roman" panose="02020603050405020304" pitchFamily="18" charset="0"/>
+              </a:rPr>
+              <a:t>GET /</a:t>
+            </a:r>
+            <a:r>
+              <a:rPr lang="pt-PT" sz="1200" dirty="0" err="1">
+                <a:effectLst/>
+                <a:ea typeface="Times New Roman" panose="02020603050405020304" pitchFamily="18" charset="0"/>
+              </a:rPr>
+              <a:t>users</a:t>
+            </a:r>
+            <a:r>
+              <a:rPr lang="pt-PT" sz="1200" dirty="0">
+                <a:effectLst/>
+                <a:ea typeface="Times New Roman" panose="02020603050405020304" pitchFamily="18" charset="0"/>
+              </a:rPr>
+              <a:t>/1</a:t>
+            </a:r>
           </a:p>
         </p:txBody>
       </p:sp>
     </p:spTree>
+    <p:extLst>
+      <p:ext uri="{BB962C8B-B14F-4D97-AF65-F5344CB8AC3E}">
+        <p14:creationId xmlns:p14="http://schemas.microsoft.com/office/powerpoint/2010/main" val="1820419092"/>
+      </p:ext>
+    </p:extLst>
   </p:cSld>
   <p:clrMapOvr>
     <a:masterClrMapping/>
@@ -5900,7 +9525,13 @@
   <p:cSld>
     <p:spTree>
       <p:nvGrpSpPr>
-        <p:cNvPr id="1" name=""/>
+        <p:cNvPr id="1" name="">
+          <a:extLst>
+            <a:ext uri="{FF2B5EF4-FFF2-40B4-BE49-F238E27FC236}">
+              <a16:creationId xmlns:a16="http://schemas.microsoft.com/office/drawing/2014/main" id="{948F9181-565E-96D4-E6CB-97FD69B9B821}"/>
+            </a:ext>
+          </a:extLst>
+        </p:cNvPr>
         <p:cNvGrpSpPr/>
         <p:nvPr/>
       </p:nvGrpSpPr>
@@ -5914,172 +9545,10 @@
       </p:grpSpPr>
       <p:sp>
         <p:nvSpPr>
-          <p:cNvPr id="2" name="Title 1"/>
-          <p:cNvSpPr>
-            <a:spLocks noGrp="1"/>
-          </p:cNvSpPr>
-          <p:nvPr>
-            <p:ph type="title"/>
-          </p:nvPr>
-        </p:nvSpPr>
-        <p:spPr/>
-        <p:txBody>
-          <a:bodyPr/>
-          <a:lstStyle/>
-          <a:p>
-            <a:r>
-              <a:rPr dirty="0"/>
-              <a:t>6. </a:t>
-            </a:r>
-            <a:r>
-              <a:rPr dirty="0" err="1"/>
-              <a:t>GraphQL</a:t>
-            </a:r>
-            <a:r>
-              <a:rPr dirty="0"/>
-              <a:t> Query</a:t>
-            </a:r>
-          </a:p>
-        </p:txBody>
-      </p:sp>
-      <p:sp>
-        <p:nvSpPr>
-          <p:cNvPr id="3" name="Content Placeholder 2"/>
-          <p:cNvSpPr>
-            <a:spLocks noGrp="1"/>
-          </p:cNvSpPr>
-          <p:nvPr>
-            <p:ph idx="1"/>
-          </p:nvPr>
-        </p:nvSpPr>
-        <p:spPr>
-          <a:xfrm>
-            <a:off x="457200" y="1600200"/>
-            <a:ext cx="8229600" cy="1594945"/>
-          </a:xfrm>
-        </p:spPr>
-        <p:txBody>
-          <a:bodyPr/>
-          <a:lstStyle/>
-          <a:p>
-            <a:pPr>
-              <a:defRPr sz="1800"/>
-            </a:pPr>
-            <a:r>
-              <a:rPr dirty="0" err="1"/>
-              <a:t>Usada</a:t>
-            </a:r>
-            <a:r>
-              <a:rPr dirty="0"/>
-              <a:t> para </a:t>
-            </a:r>
-            <a:r>
-              <a:rPr dirty="0" err="1"/>
-              <a:t>buscar</a:t>
-            </a:r>
-            <a:r>
-              <a:rPr dirty="0"/>
-              <a:t> dados</a:t>
-            </a:r>
-          </a:p>
-          <a:p>
-            <a:pPr>
-              <a:defRPr sz="1800"/>
-            </a:pPr>
-            <a:r>
-              <a:rPr dirty="0" err="1"/>
-              <a:t>Cliente</a:t>
-            </a:r>
-            <a:r>
-              <a:rPr dirty="0"/>
-              <a:t> define </a:t>
-            </a:r>
-            <a:r>
-              <a:rPr dirty="0" err="1"/>
-              <a:t>os</a:t>
-            </a:r>
-            <a:r>
-              <a:rPr dirty="0"/>
-              <a:t> campos </a:t>
-            </a:r>
-            <a:r>
-              <a:rPr dirty="0" err="1"/>
-              <a:t>desejados</a:t>
-            </a:r>
-            <a:endParaRPr dirty="0"/>
-          </a:p>
-          <a:p>
-            <a:pPr>
-              <a:defRPr sz="1800"/>
-            </a:pPr>
-            <a:r>
-              <a:rPr dirty="0"/>
-              <a:t>Evita </a:t>
-            </a:r>
-            <a:r>
-              <a:rPr dirty="0" err="1"/>
-              <a:t>Overfetching</a:t>
-            </a:r>
-            <a:endParaRPr dirty="0"/>
-          </a:p>
-          <a:p>
-            <a:pPr>
-              <a:defRPr sz="1800"/>
-            </a:pPr>
-            <a:r>
-              <a:rPr dirty="0" err="1"/>
-              <a:t>Permite</a:t>
-            </a:r>
-            <a:r>
-              <a:rPr dirty="0"/>
-              <a:t> </a:t>
-            </a:r>
-            <a:r>
-              <a:rPr dirty="0" err="1"/>
-              <a:t>múltiplas</a:t>
-            </a:r>
-            <a:r>
-              <a:rPr dirty="0"/>
-              <a:t> queries </a:t>
-            </a:r>
-            <a:r>
-              <a:rPr dirty="0" err="1"/>
-              <a:t>em</a:t>
-            </a:r>
-            <a:r>
-              <a:rPr dirty="0"/>
-              <a:t> </a:t>
-            </a:r>
-            <a:r>
-              <a:rPr dirty="0" err="1"/>
-              <a:t>uma</a:t>
-            </a:r>
-            <a:r>
-              <a:rPr dirty="0"/>
-              <a:t> </a:t>
-            </a:r>
-            <a:r>
-              <a:rPr dirty="0" err="1"/>
-              <a:t>única</a:t>
-            </a:r>
-            <a:r>
-              <a:rPr dirty="0"/>
-              <a:t> </a:t>
-            </a:r>
-            <a:r>
-              <a:rPr dirty="0" err="1"/>
-              <a:t>chamada</a:t>
-            </a:r>
-            <a:endParaRPr dirty="0"/>
-          </a:p>
-        </p:txBody>
-      </p:sp>
-      <p:sp>
-        <p:nvSpPr>
-          <p:cNvPr id="4" name="Content Placeholder 2">
+          <p:cNvPr id="12" name="Title 1">
             <a:extLst>
               <a:ext uri="{FF2B5EF4-FFF2-40B4-BE49-F238E27FC236}">
-                <a16:creationId xmlns:a16="http://schemas.microsoft.com/office/drawing/2014/main" id="{26C93BF0-291A-3062-1834-39C0979A5316}"/>
+                <a16:creationId xmlns:a16="http://schemas.microsoft.com/office/drawing/2014/main" id="{A4BD4392-B49F-5B6F-D9EB-E573991B104A}"/>
               </a:ext>
             </a:extLst>
           </p:cNvPr>
@@ -6090,267 +9559,7 @@
         </p:nvSpPr>
         <p:spPr>
           <a:xfrm>
-            <a:off x="457200" y="3746937"/>
-            <a:ext cx="8229600" cy="1445172"/>
-          </a:xfrm>
-          <a:prstGeom prst="rect">
-            <a:avLst/>
-          </a:prstGeom>
-        </p:spPr>
-        <p:txBody>
-          <a:bodyPr vert="horz" lIns="91440" tIns="45720" rIns="91440" bIns="45720" rtlCol="0">
-            <a:normAutofit/>
-          </a:bodyPr>
-          <a:lstStyle>
-            <a:lvl1pPr marL="342900" indent="-342900" algn="l" defTabSz="457200" rtl="0" eaLnBrk="1" latinLnBrk="0" hangingPunct="1">
-              <a:spcBef>
-                <a:spcPct val="20000"/>
-              </a:spcBef>
-              <a:buFont typeface="Arial"/>
-              <a:buChar char="•"/>
-              <a:defRPr sz="3200" kern="1200">
-                <a:solidFill>
-                  <a:schemeClr val="tx1"/>
-                </a:solidFill>
-                <a:latin typeface="+mn-lt"/>
-                <a:ea typeface="+mn-ea"/>
-                <a:cs typeface="+mn-cs"/>
-              </a:defRPr>
-            </a:lvl1pPr>
-            <a:lvl2pPr marL="742950" indent="-285750" algn="l" defTabSz="457200" rtl="0" eaLnBrk="1" latinLnBrk="0" hangingPunct="1">
-              <a:spcBef>
-                <a:spcPct val="20000"/>
-              </a:spcBef>
-              <a:buFont typeface="Arial"/>
-              <a:buChar char="–"/>
-              <a:defRPr sz="2800" kern="1200">
-                <a:solidFill>
-                  <a:schemeClr val="tx1"/>
-                </a:solidFill>
-                <a:latin typeface="+mn-lt"/>
-                <a:ea typeface="+mn-ea"/>
-                <a:cs typeface="+mn-cs"/>
-              </a:defRPr>
-            </a:lvl2pPr>
-            <a:lvl3pPr marL="1143000" indent="-228600" algn="l" defTabSz="457200" rtl="0" eaLnBrk="1" latinLnBrk="0" hangingPunct="1">
-              <a:spcBef>
-                <a:spcPct val="20000"/>
-              </a:spcBef>
-              <a:buFont typeface="Arial"/>
-              <a:buChar char="•"/>
-              <a:defRPr sz="2400" kern="1200">
-                <a:solidFill>
-                  <a:schemeClr val="tx1"/>
-                </a:solidFill>
-                <a:latin typeface="+mn-lt"/>
-                <a:ea typeface="+mn-ea"/>
-                <a:cs typeface="+mn-cs"/>
-              </a:defRPr>
-            </a:lvl3pPr>
-            <a:lvl4pPr marL="1600200" indent="-228600" algn="l" defTabSz="457200" rtl="0" eaLnBrk="1" latinLnBrk="0" hangingPunct="1">
-              <a:spcBef>
-                <a:spcPct val="20000"/>
-              </a:spcBef>
-              <a:buFont typeface="Arial"/>
-              <a:buChar char="–"/>
-              <a:defRPr sz="2000" kern="1200">
-                <a:solidFill>
-                  <a:schemeClr val="tx1"/>
-                </a:solidFill>
-                <a:latin typeface="+mn-lt"/>
-                <a:ea typeface="+mn-ea"/>
-                <a:cs typeface="+mn-cs"/>
-              </a:defRPr>
-            </a:lvl4pPr>
-            <a:lvl5pPr marL="2057400" indent="-228600" algn="l" defTabSz="457200" rtl="0" eaLnBrk="1" latinLnBrk="0" hangingPunct="1">
-              <a:spcBef>
-                <a:spcPct val="20000"/>
-              </a:spcBef>
-              <a:buFont typeface="Arial"/>
-              <a:buChar char="»"/>
-              <a:defRPr sz="2000" kern="1200">
-                <a:solidFill>
-                  <a:schemeClr val="tx1"/>
-                </a:solidFill>
-                <a:latin typeface="+mn-lt"/>
-                <a:ea typeface="+mn-ea"/>
-                <a:cs typeface="+mn-cs"/>
-              </a:defRPr>
-            </a:lvl5pPr>
-            <a:lvl6pPr marL="2514600" indent="-228600" algn="l" defTabSz="457200" rtl="0" eaLnBrk="1" latinLnBrk="0" hangingPunct="1">
-              <a:spcBef>
-                <a:spcPct val="20000"/>
-              </a:spcBef>
-              <a:buFont typeface="Arial"/>
-              <a:buChar char="•"/>
-              <a:defRPr sz="2000" kern="1200">
-                <a:solidFill>
-                  <a:schemeClr val="tx1"/>
-                </a:solidFill>
-                <a:latin typeface="+mn-lt"/>
-                <a:ea typeface="+mn-ea"/>
-                <a:cs typeface="+mn-cs"/>
-              </a:defRPr>
-            </a:lvl6pPr>
-            <a:lvl7pPr marL="2971800" indent="-228600" algn="l" defTabSz="457200" rtl="0" eaLnBrk="1" latinLnBrk="0" hangingPunct="1">
-              <a:spcBef>
-                <a:spcPct val="20000"/>
-              </a:spcBef>
-              <a:buFont typeface="Arial"/>
-              <a:buChar char="•"/>
-              <a:defRPr sz="2000" kern="1200">
-                <a:solidFill>
-                  <a:schemeClr val="tx1"/>
-                </a:solidFill>
-                <a:latin typeface="+mn-lt"/>
-                <a:ea typeface="+mn-ea"/>
-                <a:cs typeface="+mn-cs"/>
-              </a:defRPr>
-            </a:lvl7pPr>
-            <a:lvl8pPr marL="3429000" indent="-228600" algn="l" defTabSz="457200" rtl="0" eaLnBrk="1" latinLnBrk="0" hangingPunct="1">
-              <a:spcBef>
-                <a:spcPct val="20000"/>
-              </a:spcBef>
-              <a:buFont typeface="Arial"/>
-              <a:buChar char="•"/>
-              <a:defRPr sz="2000" kern="1200">
-                <a:solidFill>
-                  <a:schemeClr val="tx1"/>
-                </a:solidFill>
-                <a:latin typeface="+mn-lt"/>
-                <a:ea typeface="+mn-ea"/>
-                <a:cs typeface="+mn-cs"/>
-              </a:defRPr>
-            </a:lvl8pPr>
-            <a:lvl9pPr marL="3886200" indent="-228600" algn="l" defTabSz="457200" rtl="0" eaLnBrk="1" latinLnBrk="0" hangingPunct="1">
-              <a:spcBef>
-                <a:spcPct val="20000"/>
-              </a:spcBef>
-              <a:buFont typeface="Arial"/>
-              <a:buChar char="•"/>
-              <a:defRPr sz="2000" kern="1200">
-                <a:solidFill>
-                  <a:schemeClr val="tx1"/>
-                </a:solidFill>
-                <a:latin typeface="+mn-lt"/>
-                <a:ea typeface="+mn-ea"/>
-                <a:cs typeface="+mn-cs"/>
-              </a:defRPr>
-            </a:lvl9pPr>
-          </a:lstStyle>
-          <a:p>
-            <a:pPr marL="0" indent="0">
-              <a:buNone/>
-            </a:pPr>
-            <a:r>
-              <a:rPr lang="en-US" sz="1800" dirty="0">
-                <a:latin typeface="Helvetica Neue" panose="02000503000000020004" pitchFamily="2" charset="0"/>
-              </a:rPr>
-              <a:t>q</a:t>
-            </a:r>
-            <a:r>
-              <a:rPr lang="en-US" sz="1800" dirty="0">
-                <a:effectLst/>
-                <a:latin typeface="Helvetica Neue" panose="02000503000000020004" pitchFamily="2" charset="0"/>
-              </a:rPr>
-              <a:t>uery {</a:t>
-            </a:r>
-          </a:p>
-          <a:p>
-            <a:pPr marL="0" indent="0">
-              <a:buNone/>
-            </a:pPr>
-            <a:r>
-              <a:rPr lang="en-US" sz="1800" dirty="0">
-                <a:effectLst/>
-                <a:latin typeface="Helvetica Neue" panose="02000503000000020004" pitchFamily="2" charset="0"/>
-              </a:rPr>
-              <a:t>  </a:t>
-            </a:r>
-            <a:r>
-              <a:rPr lang="en-US" sz="1800" dirty="0" err="1">
-                <a:effectLst/>
-                <a:latin typeface="Helvetica Neue" panose="02000503000000020004" pitchFamily="2" charset="0"/>
-              </a:rPr>
-              <a:t>firstQuery</a:t>
-            </a:r>
-            <a:r>
-              <a:rPr lang="en-US" sz="1800" dirty="0">
-                <a:effectLst/>
-                <a:latin typeface="Helvetica Neue" panose="02000503000000020004" pitchFamily="2" charset="0"/>
-              </a:rPr>
-              <a:t>: String</a:t>
-            </a:r>
-          </a:p>
-          <a:p>
-            <a:pPr marL="0" indent="0">
-              <a:buNone/>
-            </a:pPr>
-            <a:r>
-              <a:rPr lang="en-US" sz="1800" dirty="0">
-                <a:effectLst/>
-                <a:latin typeface="Helvetica Neue" panose="02000503000000020004" pitchFamily="2" charset="0"/>
-              </a:rPr>
-              <a:t>  </a:t>
-            </a:r>
-            <a:r>
-              <a:rPr lang="en-US" sz="1800" dirty="0" err="1">
-                <a:effectLst/>
-                <a:latin typeface="Helvetica Neue" panose="02000503000000020004" pitchFamily="2" charset="0"/>
-              </a:rPr>
-              <a:t>secondQuery</a:t>
-            </a:r>
-            <a:r>
-              <a:rPr lang="en-US" sz="1800" dirty="0">
-                <a:effectLst/>
-                <a:latin typeface="Helvetica Neue" panose="02000503000000020004" pitchFamily="2" charset="0"/>
-              </a:rPr>
-              <a:t>: String</a:t>
-            </a:r>
-          </a:p>
-          <a:p>
-            <a:pPr marL="0" indent="0">
-              <a:buNone/>
-            </a:pPr>
-            <a:r>
-              <a:rPr lang="en-US" sz="1800" dirty="0">
-                <a:effectLst/>
-                <a:latin typeface="Helvetica Neue" panose="02000503000000020004" pitchFamily="2" charset="0"/>
-              </a:rPr>
-              <a:t>}</a:t>
-            </a:r>
-          </a:p>
-          <a:p>
-            <a:pPr marL="0" marR="0" indent="0">
-              <a:buNone/>
-            </a:pPr>
-            <a:endParaRPr lang="en-US" sz="1800" dirty="0"/>
-          </a:p>
-          <a:p>
-            <a:pPr marL="0" marR="0" indent="0">
-              <a:buNone/>
-            </a:pPr>
-            <a:endParaRPr lang="en-US" sz="1800" dirty="0"/>
-          </a:p>
-        </p:txBody>
-      </p:sp>
-      <p:sp>
-        <p:nvSpPr>
-          <p:cNvPr id="5" name="Title 1">
-            <a:extLst>
-              <a:ext uri="{FF2B5EF4-FFF2-40B4-BE49-F238E27FC236}">
-                <a16:creationId xmlns:a16="http://schemas.microsoft.com/office/drawing/2014/main" id="{CE31AB3D-EE00-C4CF-1F57-82BF3710BF81}"/>
-              </a:ext>
-            </a:extLst>
-          </p:cNvPr>
-          <p:cNvSpPr txBox="1">
-            <a:spLocks/>
-          </p:cNvSpPr>
-          <p:nvPr/>
-        </p:nvSpPr>
-        <p:spPr>
-          <a:xfrm>
-            <a:off x="457200" y="3288420"/>
+            <a:off x="373117" y="3017681"/>
             <a:ext cx="8229600" cy="520206"/>
           </a:xfrm>
           <a:prstGeom prst="rect">
@@ -6380,13 +9589,1091 @@
           <a:p>
             <a:r>
               <a:rPr lang="en-US" dirty="0" err="1"/>
+              <a:t>Solução</a:t>
+            </a:r>
+            <a:r>
+              <a:rPr lang="en-US" dirty="0"/>
+              <a:t> </a:t>
+            </a:r>
+            <a:r>
+              <a:rPr lang="en-US" dirty="0" err="1"/>
+              <a:t>GraphQL</a:t>
+            </a:r>
+            <a:endParaRPr lang="en-US" dirty="0"/>
+          </a:p>
+        </p:txBody>
+      </p:sp>
+      <p:sp>
+        <p:nvSpPr>
+          <p:cNvPr id="14" name="Content Placeholder 2">
+            <a:extLst>
+              <a:ext uri="{FF2B5EF4-FFF2-40B4-BE49-F238E27FC236}">
+                <a16:creationId xmlns:a16="http://schemas.microsoft.com/office/drawing/2014/main" id="{1D868AD7-76B7-F972-9D3B-3CD2CF8BA19F}"/>
+              </a:ext>
+            </a:extLst>
+          </p:cNvPr>
+          <p:cNvSpPr txBox="1">
+            <a:spLocks/>
+          </p:cNvSpPr>
+          <p:nvPr/>
+        </p:nvSpPr>
+        <p:spPr>
+          <a:xfrm>
+            <a:off x="362607" y="3549783"/>
+            <a:ext cx="8229600" cy="2318736"/>
+          </a:xfrm>
+          <a:prstGeom prst="rect">
+            <a:avLst/>
+          </a:prstGeom>
+          <a:solidFill>
+            <a:schemeClr val="bg1"/>
+          </a:solidFill>
+          <a:ln>
+            <a:solidFill>
+              <a:schemeClr val="tx1"/>
+            </a:solidFill>
+          </a:ln>
+        </p:spPr>
+        <p:txBody>
+          <a:bodyPr vert="horz" lIns="91440" tIns="45720" rIns="91440" bIns="45720" rtlCol="0">
+            <a:normAutofit/>
+          </a:bodyPr>
+          <a:lstStyle>
+            <a:lvl1pPr marL="342900" indent="-342900" algn="l" defTabSz="457200" rtl="0" eaLnBrk="1" latinLnBrk="0" hangingPunct="1">
+              <a:spcBef>
+                <a:spcPct val="20000"/>
+              </a:spcBef>
+              <a:buFont typeface="Arial"/>
+              <a:buChar char="•"/>
+              <a:defRPr sz="3200" kern="1200">
+                <a:solidFill>
+                  <a:schemeClr val="tx1"/>
+                </a:solidFill>
+                <a:latin typeface="+mn-lt"/>
+                <a:ea typeface="+mn-ea"/>
+                <a:cs typeface="+mn-cs"/>
+              </a:defRPr>
+            </a:lvl1pPr>
+            <a:lvl2pPr marL="742950" indent="-285750" algn="l" defTabSz="457200" rtl="0" eaLnBrk="1" latinLnBrk="0" hangingPunct="1">
+              <a:spcBef>
+                <a:spcPct val="20000"/>
+              </a:spcBef>
+              <a:buFont typeface="Arial"/>
+              <a:buChar char="–"/>
+              <a:defRPr sz="2800" kern="1200">
+                <a:solidFill>
+                  <a:schemeClr val="tx1"/>
+                </a:solidFill>
+                <a:latin typeface="+mn-lt"/>
+                <a:ea typeface="+mn-ea"/>
+                <a:cs typeface="+mn-cs"/>
+              </a:defRPr>
+            </a:lvl2pPr>
+            <a:lvl3pPr marL="1143000" indent="-228600" algn="l" defTabSz="457200" rtl="0" eaLnBrk="1" latinLnBrk="0" hangingPunct="1">
+              <a:spcBef>
+                <a:spcPct val="20000"/>
+              </a:spcBef>
+              <a:buFont typeface="Arial"/>
+              <a:buChar char="•"/>
+              <a:defRPr sz="2400" kern="1200">
+                <a:solidFill>
+                  <a:schemeClr val="tx1"/>
+                </a:solidFill>
+                <a:latin typeface="+mn-lt"/>
+                <a:ea typeface="+mn-ea"/>
+                <a:cs typeface="+mn-cs"/>
+              </a:defRPr>
+            </a:lvl3pPr>
+            <a:lvl4pPr marL="1600200" indent="-228600" algn="l" defTabSz="457200" rtl="0" eaLnBrk="1" latinLnBrk="0" hangingPunct="1">
+              <a:spcBef>
+                <a:spcPct val="20000"/>
+              </a:spcBef>
+              <a:buFont typeface="Arial"/>
+              <a:buChar char="–"/>
+              <a:defRPr sz="2000" kern="1200">
+                <a:solidFill>
+                  <a:schemeClr val="tx1"/>
+                </a:solidFill>
+                <a:latin typeface="+mn-lt"/>
+                <a:ea typeface="+mn-ea"/>
+                <a:cs typeface="+mn-cs"/>
+              </a:defRPr>
+            </a:lvl4pPr>
+            <a:lvl5pPr marL="2057400" indent="-228600" algn="l" defTabSz="457200" rtl="0" eaLnBrk="1" latinLnBrk="0" hangingPunct="1">
+              <a:spcBef>
+                <a:spcPct val="20000"/>
+              </a:spcBef>
+              <a:buFont typeface="Arial"/>
+              <a:buChar char="»"/>
+              <a:defRPr sz="2000" kern="1200">
+                <a:solidFill>
+                  <a:schemeClr val="tx1"/>
+                </a:solidFill>
+                <a:latin typeface="+mn-lt"/>
+                <a:ea typeface="+mn-ea"/>
+                <a:cs typeface="+mn-cs"/>
+              </a:defRPr>
+            </a:lvl5pPr>
+            <a:lvl6pPr marL="2514600" indent="-228600" algn="l" defTabSz="457200" rtl="0" eaLnBrk="1" latinLnBrk="0" hangingPunct="1">
+              <a:spcBef>
+                <a:spcPct val="20000"/>
+              </a:spcBef>
+              <a:buFont typeface="Arial"/>
+              <a:buChar char="•"/>
+              <a:defRPr sz="2000" kern="1200">
+                <a:solidFill>
+                  <a:schemeClr val="tx1"/>
+                </a:solidFill>
+                <a:latin typeface="+mn-lt"/>
+                <a:ea typeface="+mn-ea"/>
+                <a:cs typeface="+mn-cs"/>
+              </a:defRPr>
+            </a:lvl6pPr>
+            <a:lvl7pPr marL="2971800" indent="-228600" algn="l" defTabSz="457200" rtl="0" eaLnBrk="1" latinLnBrk="0" hangingPunct="1">
+              <a:spcBef>
+                <a:spcPct val="20000"/>
+              </a:spcBef>
+              <a:buFont typeface="Arial"/>
+              <a:buChar char="•"/>
+              <a:defRPr sz="2000" kern="1200">
+                <a:solidFill>
+                  <a:schemeClr val="tx1"/>
+                </a:solidFill>
+                <a:latin typeface="+mn-lt"/>
+                <a:ea typeface="+mn-ea"/>
+                <a:cs typeface="+mn-cs"/>
+              </a:defRPr>
+            </a:lvl7pPr>
+            <a:lvl8pPr marL="3429000" indent="-228600" algn="l" defTabSz="457200" rtl="0" eaLnBrk="1" latinLnBrk="0" hangingPunct="1">
+              <a:spcBef>
+                <a:spcPct val="20000"/>
+              </a:spcBef>
+              <a:buFont typeface="Arial"/>
+              <a:buChar char="•"/>
+              <a:defRPr sz="2000" kern="1200">
+                <a:solidFill>
+                  <a:schemeClr val="tx1"/>
+                </a:solidFill>
+                <a:latin typeface="+mn-lt"/>
+                <a:ea typeface="+mn-ea"/>
+                <a:cs typeface="+mn-cs"/>
+              </a:defRPr>
+            </a:lvl8pPr>
+            <a:lvl9pPr marL="3886200" indent="-228600" algn="l" defTabSz="457200" rtl="0" eaLnBrk="1" latinLnBrk="0" hangingPunct="1">
+              <a:spcBef>
+                <a:spcPct val="20000"/>
+              </a:spcBef>
+              <a:buFont typeface="Arial"/>
+              <a:buChar char="•"/>
+              <a:defRPr sz="2000" kern="1200">
+                <a:solidFill>
+                  <a:schemeClr val="tx1"/>
+                </a:solidFill>
+                <a:latin typeface="+mn-lt"/>
+                <a:ea typeface="+mn-ea"/>
+                <a:cs typeface="+mn-cs"/>
+              </a:defRPr>
+            </a:lvl9pPr>
+          </a:lstStyle>
+          <a:p>
+            <a:pPr marL="0" indent="0">
+              <a:buNone/>
+            </a:pPr>
+            <a:r>
+              <a:rPr lang="en-US" sz="1200" dirty="0">
+                <a:effectLst/>
+              </a:rPr>
+              <a:t>query {</a:t>
+            </a:r>
+          </a:p>
+          <a:p>
+            <a:pPr marL="0" indent="0">
+              <a:buNone/>
+            </a:pPr>
+            <a:r>
+              <a:rPr lang="en-US" sz="1200" dirty="0">
+                <a:effectLst/>
+              </a:rPr>
+              <a:t>  user(id: 1) {</a:t>
+            </a:r>
+          </a:p>
+          <a:p>
+            <a:pPr marL="0" indent="0">
+              <a:buNone/>
+            </a:pPr>
+            <a:r>
+              <a:rPr lang="en-US" sz="1200" dirty="0">
+                <a:effectLst/>
+              </a:rPr>
+              <a:t>    name</a:t>
+            </a:r>
+          </a:p>
+          <a:p>
+            <a:pPr marL="0" indent="0">
+              <a:buNone/>
+            </a:pPr>
+            <a:r>
+              <a:rPr lang="en-US" sz="1200" dirty="0">
+                <a:effectLst/>
+              </a:rPr>
+              <a:t>    email</a:t>
+            </a:r>
+          </a:p>
+          <a:p>
+            <a:pPr marL="0" indent="0">
+              <a:buNone/>
+            </a:pPr>
+            <a:r>
+              <a:rPr lang="en-US" sz="1200" dirty="0">
+                <a:effectLst/>
+              </a:rPr>
+              <a:t>    orders {</a:t>
+            </a:r>
+          </a:p>
+          <a:p>
+            <a:pPr marL="0" indent="0">
+              <a:buNone/>
+            </a:pPr>
+            <a:r>
+              <a:rPr lang="en-US" sz="1200" dirty="0">
+                <a:effectLst/>
+              </a:rPr>
+              <a:t>      id</a:t>
+            </a:r>
+          </a:p>
+          <a:p>
+            <a:pPr marL="0" indent="0">
+              <a:buNone/>
+            </a:pPr>
+            <a:r>
+              <a:rPr lang="en-US" sz="1200" dirty="0">
+                <a:effectLst/>
+              </a:rPr>
+              <a:t>      total</a:t>
+            </a:r>
+          </a:p>
+          <a:p>
+            <a:pPr marL="0" indent="0">
+              <a:buNone/>
+            </a:pPr>
+            <a:r>
+              <a:rPr lang="en-US" sz="1200" dirty="0">
+                <a:effectLst/>
+              </a:rPr>
+              <a:t>    }</a:t>
+            </a:r>
+          </a:p>
+          <a:p>
+            <a:pPr marL="0" indent="0">
+              <a:buNone/>
+            </a:pPr>
+            <a:r>
+              <a:rPr lang="en-US" sz="1200" dirty="0">
+                <a:effectLst/>
+              </a:rPr>
+              <a:t>  }</a:t>
+            </a:r>
+          </a:p>
+          <a:p>
+            <a:pPr marL="0" indent="0">
+              <a:buNone/>
+            </a:pPr>
+            <a:r>
+              <a:rPr lang="en-US" sz="1200" dirty="0">
+                <a:effectLst/>
+              </a:rPr>
+              <a:t>}</a:t>
+            </a:r>
+          </a:p>
+        </p:txBody>
+      </p:sp>
+      <p:sp>
+        <p:nvSpPr>
+          <p:cNvPr id="17" name="Content Placeholder 2">
+            <a:extLst>
+              <a:ext uri="{FF2B5EF4-FFF2-40B4-BE49-F238E27FC236}">
+                <a16:creationId xmlns:a16="http://schemas.microsoft.com/office/drawing/2014/main" id="{EE8545E5-110C-C0B6-D817-6D5869EDFCC4}"/>
+              </a:ext>
+            </a:extLst>
+          </p:cNvPr>
+          <p:cNvSpPr txBox="1">
+            <a:spLocks/>
+          </p:cNvSpPr>
+          <p:nvPr/>
+        </p:nvSpPr>
+        <p:spPr>
+          <a:xfrm>
+            <a:off x="362607" y="5870028"/>
+            <a:ext cx="8229600" cy="352095"/>
+          </a:xfrm>
+          <a:prstGeom prst="rect">
+            <a:avLst/>
+          </a:prstGeom>
+        </p:spPr>
+        <p:txBody>
+          <a:bodyPr vert="horz" lIns="91440" tIns="45720" rIns="91440" bIns="45720" rtlCol="0">
+            <a:normAutofit/>
+          </a:bodyPr>
+          <a:lstStyle>
+            <a:lvl1pPr marL="342900" indent="-342900" algn="l" defTabSz="457200" rtl="0" eaLnBrk="1" latinLnBrk="0" hangingPunct="1">
+              <a:spcBef>
+                <a:spcPct val="20000"/>
+              </a:spcBef>
+              <a:buFont typeface="Arial"/>
+              <a:buChar char="•"/>
+              <a:defRPr sz="3200" kern="1200">
+                <a:solidFill>
+                  <a:schemeClr val="tx1"/>
+                </a:solidFill>
+                <a:latin typeface="+mn-lt"/>
+                <a:ea typeface="+mn-ea"/>
+                <a:cs typeface="+mn-cs"/>
+              </a:defRPr>
+            </a:lvl1pPr>
+            <a:lvl2pPr marL="742950" indent="-285750" algn="l" defTabSz="457200" rtl="0" eaLnBrk="1" latinLnBrk="0" hangingPunct="1">
+              <a:spcBef>
+                <a:spcPct val="20000"/>
+              </a:spcBef>
+              <a:buFont typeface="Arial"/>
+              <a:buChar char="–"/>
+              <a:defRPr sz="2800" kern="1200">
+                <a:solidFill>
+                  <a:schemeClr val="tx1"/>
+                </a:solidFill>
+                <a:latin typeface="+mn-lt"/>
+                <a:ea typeface="+mn-ea"/>
+                <a:cs typeface="+mn-cs"/>
+              </a:defRPr>
+            </a:lvl2pPr>
+            <a:lvl3pPr marL="1143000" indent="-228600" algn="l" defTabSz="457200" rtl="0" eaLnBrk="1" latinLnBrk="0" hangingPunct="1">
+              <a:spcBef>
+                <a:spcPct val="20000"/>
+              </a:spcBef>
+              <a:buFont typeface="Arial"/>
+              <a:buChar char="•"/>
+              <a:defRPr sz="2400" kern="1200">
+                <a:solidFill>
+                  <a:schemeClr val="tx1"/>
+                </a:solidFill>
+                <a:latin typeface="+mn-lt"/>
+                <a:ea typeface="+mn-ea"/>
+                <a:cs typeface="+mn-cs"/>
+              </a:defRPr>
+            </a:lvl3pPr>
+            <a:lvl4pPr marL="1600200" indent="-228600" algn="l" defTabSz="457200" rtl="0" eaLnBrk="1" latinLnBrk="0" hangingPunct="1">
+              <a:spcBef>
+                <a:spcPct val="20000"/>
+              </a:spcBef>
+              <a:buFont typeface="Arial"/>
+              <a:buChar char="–"/>
+              <a:defRPr sz="2000" kern="1200">
+                <a:solidFill>
+                  <a:schemeClr val="tx1"/>
+                </a:solidFill>
+                <a:latin typeface="+mn-lt"/>
+                <a:ea typeface="+mn-ea"/>
+                <a:cs typeface="+mn-cs"/>
+              </a:defRPr>
+            </a:lvl4pPr>
+            <a:lvl5pPr marL="2057400" indent="-228600" algn="l" defTabSz="457200" rtl="0" eaLnBrk="1" latinLnBrk="0" hangingPunct="1">
+              <a:spcBef>
+                <a:spcPct val="20000"/>
+              </a:spcBef>
+              <a:buFont typeface="Arial"/>
+              <a:buChar char="»"/>
+              <a:defRPr sz="2000" kern="1200">
+                <a:solidFill>
+                  <a:schemeClr val="tx1"/>
+                </a:solidFill>
+                <a:latin typeface="+mn-lt"/>
+                <a:ea typeface="+mn-ea"/>
+                <a:cs typeface="+mn-cs"/>
+              </a:defRPr>
+            </a:lvl5pPr>
+            <a:lvl6pPr marL="2514600" indent="-228600" algn="l" defTabSz="457200" rtl="0" eaLnBrk="1" latinLnBrk="0" hangingPunct="1">
+              <a:spcBef>
+                <a:spcPct val="20000"/>
+              </a:spcBef>
+              <a:buFont typeface="Arial"/>
+              <a:buChar char="•"/>
+              <a:defRPr sz="2000" kern="1200">
+                <a:solidFill>
+                  <a:schemeClr val="tx1"/>
+                </a:solidFill>
+                <a:latin typeface="+mn-lt"/>
+                <a:ea typeface="+mn-ea"/>
+                <a:cs typeface="+mn-cs"/>
+              </a:defRPr>
+            </a:lvl6pPr>
+            <a:lvl7pPr marL="2971800" indent="-228600" algn="l" defTabSz="457200" rtl="0" eaLnBrk="1" latinLnBrk="0" hangingPunct="1">
+              <a:spcBef>
+                <a:spcPct val="20000"/>
+              </a:spcBef>
+              <a:buFont typeface="Arial"/>
+              <a:buChar char="•"/>
+              <a:defRPr sz="2000" kern="1200">
+                <a:solidFill>
+                  <a:schemeClr val="tx1"/>
+                </a:solidFill>
+                <a:latin typeface="+mn-lt"/>
+                <a:ea typeface="+mn-ea"/>
+                <a:cs typeface="+mn-cs"/>
+              </a:defRPr>
+            </a:lvl7pPr>
+            <a:lvl8pPr marL="3429000" indent="-228600" algn="l" defTabSz="457200" rtl="0" eaLnBrk="1" latinLnBrk="0" hangingPunct="1">
+              <a:spcBef>
+                <a:spcPct val="20000"/>
+              </a:spcBef>
+              <a:buFont typeface="Arial"/>
+              <a:buChar char="•"/>
+              <a:defRPr sz="2000" kern="1200">
+                <a:solidFill>
+                  <a:schemeClr val="tx1"/>
+                </a:solidFill>
+                <a:latin typeface="+mn-lt"/>
+                <a:ea typeface="+mn-ea"/>
+                <a:cs typeface="+mn-cs"/>
+              </a:defRPr>
+            </a:lvl8pPr>
+            <a:lvl9pPr marL="3886200" indent="-228600" algn="l" defTabSz="457200" rtl="0" eaLnBrk="1" latinLnBrk="0" hangingPunct="1">
+              <a:spcBef>
+                <a:spcPct val="20000"/>
+              </a:spcBef>
+              <a:buFont typeface="Arial"/>
+              <a:buChar char="•"/>
+              <a:defRPr sz="2000" kern="1200">
+                <a:solidFill>
+                  <a:schemeClr val="tx1"/>
+                </a:solidFill>
+                <a:latin typeface="+mn-lt"/>
+                <a:ea typeface="+mn-ea"/>
+                <a:cs typeface="+mn-cs"/>
+              </a:defRPr>
+            </a:lvl9pPr>
+          </a:lstStyle>
+          <a:p>
+            <a:pPr marL="0" marR="0" indent="0">
+              <a:buNone/>
+            </a:pPr>
+            <a:r>
+              <a:rPr lang="pt-PT" sz="1200" dirty="0">
+                <a:effectLst/>
+                <a:ea typeface="Times New Roman" panose="02020603050405020304" pitchFamily="18" charset="0"/>
+              </a:rPr>
+              <a:t>Resultado: </a:t>
+            </a:r>
+            <a:r>
+              <a:rPr lang="pt-PT" sz="1200" b="1" dirty="0">
+                <a:effectLst/>
+                <a:ea typeface="Times New Roman" panose="02020603050405020304" pitchFamily="18" charset="0"/>
+              </a:rPr>
+              <a:t>uma única chamada, com estrutura aninhada</a:t>
+            </a:r>
+            <a:r>
+              <a:rPr lang="pt-PT" sz="1200" dirty="0">
+                <a:effectLst/>
+                <a:ea typeface="Times New Roman" panose="02020603050405020304" pitchFamily="18" charset="0"/>
+              </a:rPr>
+              <a:t> e todos os dados desejados.</a:t>
+            </a:r>
+            <a:endParaRPr lang="en-US" sz="1200" dirty="0">
+              <a:effectLst/>
+              <a:ea typeface="Times New Roman" panose="02020603050405020304" pitchFamily="18" charset="0"/>
+            </a:endParaRPr>
+          </a:p>
+          <a:p>
+            <a:pPr marL="0" indent="0" defTabSz="914400" eaLnBrk="0" fontAlgn="base" hangingPunct="0">
+              <a:spcBef>
+                <a:spcPct val="0"/>
+              </a:spcBef>
+              <a:spcAft>
+                <a:spcPct val="0"/>
+              </a:spcAft>
+              <a:buNone/>
+            </a:pPr>
+            <a:endParaRPr kumimoji="0" lang="pt-PT" altLang="en-US" sz="1200" b="0" i="0" u="none" strike="noStrike" cap="none" normalizeH="0" baseline="0" dirty="0">
+              <a:ln>
+                <a:noFill/>
+              </a:ln>
+              <a:solidFill>
+                <a:schemeClr val="tx1"/>
+              </a:solidFill>
+              <a:effectLst/>
+            </a:endParaRPr>
+          </a:p>
+        </p:txBody>
+      </p:sp>
+      <p:sp>
+        <p:nvSpPr>
+          <p:cNvPr id="26" name="Title 1">
+            <a:extLst>
+              <a:ext uri="{FF2B5EF4-FFF2-40B4-BE49-F238E27FC236}">
+                <a16:creationId xmlns:a16="http://schemas.microsoft.com/office/drawing/2014/main" id="{DC8FE8A9-3911-9A47-8C14-64E80335C682}"/>
+              </a:ext>
+            </a:extLst>
+          </p:cNvPr>
+          <p:cNvSpPr txBox="1">
+            <a:spLocks/>
+          </p:cNvSpPr>
+          <p:nvPr/>
+        </p:nvSpPr>
+        <p:spPr>
+          <a:xfrm>
+            <a:off x="457200" y="166843"/>
+            <a:ext cx="8229600" cy="520206"/>
+          </a:xfrm>
+          <a:prstGeom prst="rect">
+            <a:avLst/>
+          </a:prstGeom>
+        </p:spPr>
+        <p:txBody>
+          <a:bodyPr vert="horz" lIns="91440" tIns="45720" rIns="91440" bIns="45720" rtlCol="0" anchor="ctr">
+            <a:normAutofit fontScale="77500" lnSpcReduction="20000"/>
+          </a:bodyPr>
+          <a:lstStyle>
+            <a:lvl1pPr algn="ctr" defTabSz="457200" rtl="0" eaLnBrk="1" latinLnBrk="0" hangingPunct="1">
+              <a:spcBef>
+                <a:spcPct val="0"/>
+              </a:spcBef>
+              <a:buNone/>
+              <a:defRPr sz="4400" kern="1200">
+                <a:solidFill>
+                  <a:schemeClr val="tx1"/>
+                </a:solidFill>
+                <a:latin typeface="+mj-lt"/>
+                <a:ea typeface="+mj-ea"/>
+                <a:cs typeface="+mj-cs"/>
+              </a:defRPr>
+            </a:lvl1pPr>
+          </a:lstStyle>
+          <a:p>
+            <a:r>
+              <a:rPr lang="en-US" dirty="0" err="1"/>
               <a:t>Exemplo</a:t>
             </a:r>
+            <a:r>
+              <a:rPr lang="en-US" dirty="0"/>
+              <a:t> REST de </a:t>
+            </a:r>
+            <a:r>
+              <a:rPr lang="en-US" dirty="0" err="1"/>
+              <a:t>Underfetching</a:t>
+            </a:r>
             <a:endParaRPr lang="en-US" dirty="0"/>
           </a:p>
         </p:txBody>
       </p:sp>
+      <p:sp>
+        <p:nvSpPr>
+          <p:cNvPr id="27" name="Content Placeholder 2">
+            <a:extLst>
+              <a:ext uri="{FF2B5EF4-FFF2-40B4-BE49-F238E27FC236}">
+                <a16:creationId xmlns:a16="http://schemas.microsoft.com/office/drawing/2014/main" id="{A79D5646-0B17-3505-CB30-940E2F0F585E}"/>
+              </a:ext>
+            </a:extLst>
+          </p:cNvPr>
+          <p:cNvSpPr txBox="1">
+            <a:spLocks/>
+          </p:cNvSpPr>
+          <p:nvPr/>
+        </p:nvSpPr>
+        <p:spPr>
+          <a:xfrm>
+            <a:off x="457200" y="1205319"/>
+            <a:ext cx="8229600" cy="360722"/>
+          </a:xfrm>
+          <a:prstGeom prst="rect">
+            <a:avLst/>
+          </a:prstGeom>
+        </p:spPr>
+        <p:txBody>
+          <a:bodyPr vert="horz" lIns="91440" tIns="45720" rIns="91440" bIns="45720" rtlCol="0">
+            <a:normAutofit/>
+          </a:bodyPr>
+          <a:lstStyle>
+            <a:lvl1pPr marL="342900" indent="-342900" algn="l" defTabSz="457200" rtl="0" eaLnBrk="1" latinLnBrk="0" hangingPunct="1">
+              <a:spcBef>
+                <a:spcPct val="20000"/>
+              </a:spcBef>
+              <a:buFont typeface="Arial"/>
+              <a:buChar char="•"/>
+              <a:defRPr sz="3200" kern="1200">
+                <a:solidFill>
+                  <a:schemeClr val="tx1"/>
+                </a:solidFill>
+                <a:latin typeface="+mn-lt"/>
+                <a:ea typeface="+mn-ea"/>
+                <a:cs typeface="+mn-cs"/>
+              </a:defRPr>
+            </a:lvl1pPr>
+            <a:lvl2pPr marL="742950" indent="-285750" algn="l" defTabSz="457200" rtl="0" eaLnBrk="1" latinLnBrk="0" hangingPunct="1">
+              <a:spcBef>
+                <a:spcPct val="20000"/>
+              </a:spcBef>
+              <a:buFont typeface="Arial"/>
+              <a:buChar char="–"/>
+              <a:defRPr sz="2800" kern="1200">
+                <a:solidFill>
+                  <a:schemeClr val="tx1"/>
+                </a:solidFill>
+                <a:latin typeface="+mn-lt"/>
+                <a:ea typeface="+mn-ea"/>
+                <a:cs typeface="+mn-cs"/>
+              </a:defRPr>
+            </a:lvl2pPr>
+            <a:lvl3pPr marL="1143000" indent="-228600" algn="l" defTabSz="457200" rtl="0" eaLnBrk="1" latinLnBrk="0" hangingPunct="1">
+              <a:spcBef>
+                <a:spcPct val="20000"/>
+              </a:spcBef>
+              <a:buFont typeface="Arial"/>
+              <a:buChar char="•"/>
+              <a:defRPr sz="2400" kern="1200">
+                <a:solidFill>
+                  <a:schemeClr val="tx1"/>
+                </a:solidFill>
+                <a:latin typeface="+mn-lt"/>
+                <a:ea typeface="+mn-ea"/>
+                <a:cs typeface="+mn-cs"/>
+              </a:defRPr>
+            </a:lvl3pPr>
+            <a:lvl4pPr marL="1600200" indent="-228600" algn="l" defTabSz="457200" rtl="0" eaLnBrk="1" latinLnBrk="0" hangingPunct="1">
+              <a:spcBef>
+                <a:spcPct val="20000"/>
+              </a:spcBef>
+              <a:buFont typeface="Arial"/>
+              <a:buChar char="–"/>
+              <a:defRPr sz="2000" kern="1200">
+                <a:solidFill>
+                  <a:schemeClr val="tx1"/>
+                </a:solidFill>
+                <a:latin typeface="+mn-lt"/>
+                <a:ea typeface="+mn-ea"/>
+                <a:cs typeface="+mn-cs"/>
+              </a:defRPr>
+            </a:lvl4pPr>
+            <a:lvl5pPr marL="2057400" indent="-228600" algn="l" defTabSz="457200" rtl="0" eaLnBrk="1" latinLnBrk="0" hangingPunct="1">
+              <a:spcBef>
+                <a:spcPct val="20000"/>
+              </a:spcBef>
+              <a:buFont typeface="Arial"/>
+              <a:buChar char="»"/>
+              <a:defRPr sz="2000" kern="1200">
+                <a:solidFill>
+                  <a:schemeClr val="tx1"/>
+                </a:solidFill>
+                <a:latin typeface="+mn-lt"/>
+                <a:ea typeface="+mn-ea"/>
+                <a:cs typeface="+mn-cs"/>
+              </a:defRPr>
+            </a:lvl5pPr>
+            <a:lvl6pPr marL="2514600" indent="-228600" algn="l" defTabSz="457200" rtl="0" eaLnBrk="1" latinLnBrk="0" hangingPunct="1">
+              <a:spcBef>
+                <a:spcPct val="20000"/>
+              </a:spcBef>
+              <a:buFont typeface="Arial"/>
+              <a:buChar char="•"/>
+              <a:defRPr sz="2000" kern="1200">
+                <a:solidFill>
+                  <a:schemeClr val="tx1"/>
+                </a:solidFill>
+                <a:latin typeface="+mn-lt"/>
+                <a:ea typeface="+mn-ea"/>
+                <a:cs typeface="+mn-cs"/>
+              </a:defRPr>
+            </a:lvl6pPr>
+            <a:lvl7pPr marL="2971800" indent="-228600" algn="l" defTabSz="457200" rtl="0" eaLnBrk="1" latinLnBrk="0" hangingPunct="1">
+              <a:spcBef>
+                <a:spcPct val="20000"/>
+              </a:spcBef>
+              <a:buFont typeface="Arial"/>
+              <a:buChar char="•"/>
+              <a:defRPr sz="2000" kern="1200">
+                <a:solidFill>
+                  <a:schemeClr val="tx1"/>
+                </a:solidFill>
+                <a:latin typeface="+mn-lt"/>
+                <a:ea typeface="+mn-ea"/>
+                <a:cs typeface="+mn-cs"/>
+              </a:defRPr>
+            </a:lvl7pPr>
+            <a:lvl8pPr marL="3429000" indent="-228600" algn="l" defTabSz="457200" rtl="0" eaLnBrk="1" latinLnBrk="0" hangingPunct="1">
+              <a:spcBef>
+                <a:spcPct val="20000"/>
+              </a:spcBef>
+              <a:buFont typeface="Arial"/>
+              <a:buChar char="•"/>
+              <a:defRPr sz="2000" kern="1200">
+                <a:solidFill>
+                  <a:schemeClr val="tx1"/>
+                </a:solidFill>
+                <a:latin typeface="+mn-lt"/>
+                <a:ea typeface="+mn-ea"/>
+                <a:cs typeface="+mn-cs"/>
+              </a:defRPr>
+            </a:lvl8pPr>
+            <a:lvl9pPr marL="3886200" indent="-228600" algn="l" defTabSz="457200" rtl="0" eaLnBrk="1" latinLnBrk="0" hangingPunct="1">
+              <a:spcBef>
+                <a:spcPct val="20000"/>
+              </a:spcBef>
+              <a:buFont typeface="Arial"/>
+              <a:buChar char="•"/>
+              <a:defRPr sz="2000" kern="1200">
+                <a:solidFill>
+                  <a:schemeClr val="tx1"/>
+                </a:solidFill>
+                <a:latin typeface="+mn-lt"/>
+                <a:ea typeface="+mn-ea"/>
+                <a:cs typeface="+mn-cs"/>
+              </a:defRPr>
+            </a:lvl9pPr>
+          </a:lstStyle>
+          <a:p>
+            <a:pPr marL="0" indent="0" defTabSz="914400" eaLnBrk="0" fontAlgn="base" hangingPunct="0">
+              <a:spcBef>
+                <a:spcPct val="0"/>
+              </a:spcBef>
+              <a:spcAft>
+                <a:spcPct val="0"/>
+              </a:spcAft>
+              <a:buNone/>
+            </a:pPr>
+            <a:r>
+              <a:rPr lang="en-US" sz="1200" dirty="0" err="1">
+                <a:effectLst/>
+                <a:ea typeface="Times New Roman" panose="02020603050405020304" pitchFamily="18" charset="0"/>
+              </a:rPr>
+              <a:t>Problema</a:t>
+            </a:r>
+            <a:r>
+              <a:rPr lang="en-US" sz="1200" dirty="0">
+                <a:effectLst/>
+                <a:ea typeface="Times New Roman" panose="02020603050405020304" pitchFamily="18" charset="0"/>
+              </a:rPr>
+              <a:t>: o </a:t>
+            </a:r>
+            <a:r>
+              <a:rPr lang="en-US" sz="1200" dirty="0" err="1">
+                <a:effectLst/>
+                <a:ea typeface="Times New Roman" panose="02020603050405020304" pitchFamily="18" charset="0"/>
+              </a:rPr>
+              <a:t>cliente</a:t>
+            </a:r>
+            <a:r>
+              <a:rPr lang="en-US" sz="1200" dirty="0">
+                <a:effectLst/>
+                <a:ea typeface="Times New Roman" panose="02020603050405020304" pitchFamily="18" charset="0"/>
+              </a:rPr>
+              <a:t> </a:t>
+            </a:r>
+            <a:r>
+              <a:rPr lang="en-US" sz="1200" b="1" dirty="0" err="1">
+                <a:effectLst/>
+                <a:ea typeface="Times New Roman" panose="02020603050405020304" pitchFamily="18" charset="0"/>
+              </a:rPr>
+              <a:t>precisa</a:t>
+            </a:r>
+            <a:r>
+              <a:rPr lang="en-US" sz="1200" b="1" dirty="0">
+                <a:effectLst/>
+                <a:ea typeface="Times New Roman" panose="02020603050405020304" pitchFamily="18" charset="0"/>
+              </a:rPr>
+              <a:t> </a:t>
+            </a:r>
+            <a:r>
+              <a:rPr lang="en-US" sz="1200" b="1" dirty="0" err="1">
+                <a:effectLst/>
+                <a:ea typeface="Times New Roman" panose="02020603050405020304" pitchFamily="18" charset="0"/>
+              </a:rPr>
+              <a:t>combinar</a:t>
+            </a:r>
+            <a:r>
+              <a:rPr lang="en-US" sz="1200" b="1" dirty="0">
+                <a:effectLst/>
+                <a:ea typeface="Times New Roman" panose="02020603050405020304" pitchFamily="18" charset="0"/>
+              </a:rPr>
+              <a:t> </a:t>
+            </a:r>
+            <a:r>
+              <a:rPr lang="en-US" sz="1200" b="1" dirty="0" err="1">
+                <a:effectLst/>
+                <a:ea typeface="Times New Roman" panose="02020603050405020304" pitchFamily="18" charset="0"/>
+              </a:rPr>
+              <a:t>múltiplas</a:t>
+            </a:r>
+            <a:r>
+              <a:rPr lang="en-US" sz="1200" b="1" dirty="0">
+                <a:effectLst/>
+                <a:ea typeface="Times New Roman" panose="02020603050405020304" pitchFamily="18" charset="0"/>
+              </a:rPr>
+              <a:t> </a:t>
+            </a:r>
+            <a:r>
+              <a:rPr lang="en-US" sz="1200" b="1" dirty="0" err="1">
+                <a:effectLst/>
+                <a:ea typeface="Times New Roman" panose="02020603050405020304" pitchFamily="18" charset="0"/>
+              </a:rPr>
+              <a:t>respostas</a:t>
+            </a:r>
+            <a:r>
+              <a:rPr lang="en-US" sz="1200" dirty="0">
+                <a:effectLst/>
+                <a:ea typeface="Times New Roman" panose="02020603050405020304" pitchFamily="18" charset="0"/>
+              </a:rPr>
+              <a:t>.</a:t>
+            </a:r>
+          </a:p>
+          <a:p>
+            <a:pPr marL="0" indent="0" defTabSz="914400" eaLnBrk="0" fontAlgn="base" hangingPunct="0">
+              <a:spcBef>
+                <a:spcPct val="0"/>
+              </a:spcBef>
+              <a:spcAft>
+                <a:spcPct val="0"/>
+              </a:spcAft>
+              <a:buNone/>
+            </a:pPr>
+            <a:endParaRPr kumimoji="0" lang="pt-PT" altLang="en-US" sz="1200" b="0" i="0" u="none" strike="noStrike" cap="none" normalizeH="0" baseline="0" dirty="0">
+              <a:ln>
+                <a:noFill/>
+              </a:ln>
+              <a:solidFill>
+                <a:schemeClr val="tx1"/>
+              </a:solidFill>
+              <a:effectLst/>
+            </a:endParaRPr>
+          </a:p>
+        </p:txBody>
+      </p:sp>
+      <p:sp>
+        <p:nvSpPr>
+          <p:cNvPr id="29" name="Content Placeholder 2">
+            <a:extLst>
+              <a:ext uri="{FF2B5EF4-FFF2-40B4-BE49-F238E27FC236}">
+                <a16:creationId xmlns:a16="http://schemas.microsoft.com/office/drawing/2014/main" id="{819752FD-15BF-6886-D56F-696318D05D98}"/>
+              </a:ext>
+            </a:extLst>
+          </p:cNvPr>
+          <p:cNvSpPr txBox="1">
+            <a:spLocks/>
+          </p:cNvSpPr>
+          <p:nvPr/>
+        </p:nvSpPr>
+        <p:spPr>
+          <a:xfrm>
+            <a:off x="457200" y="693670"/>
+            <a:ext cx="8229600" cy="520206"/>
+          </a:xfrm>
+          <a:prstGeom prst="rect">
+            <a:avLst/>
+          </a:prstGeom>
+          <a:ln>
+            <a:solidFill>
+              <a:schemeClr val="tx1"/>
+            </a:solidFill>
+          </a:ln>
+        </p:spPr>
+        <p:txBody>
+          <a:bodyPr vert="horz" lIns="91440" tIns="45720" rIns="91440" bIns="45720" rtlCol="0">
+            <a:normAutofit/>
+          </a:bodyPr>
+          <a:lstStyle>
+            <a:lvl1pPr marL="342900" indent="-342900" algn="l" defTabSz="457200" rtl="0" eaLnBrk="1" latinLnBrk="0" hangingPunct="1">
+              <a:spcBef>
+                <a:spcPct val="20000"/>
+              </a:spcBef>
+              <a:buFont typeface="Arial"/>
+              <a:buChar char="•"/>
+              <a:defRPr sz="3200" kern="1200">
+                <a:solidFill>
+                  <a:schemeClr val="tx1"/>
+                </a:solidFill>
+                <a:latin typeface="+mn-lt"/>
+                <a:ea typeface="+mn-ea"/>
+                <a:cs typeface="+mn-cs"/>
+              </a:defRPr>
+            </a:lvl1pPr>
+            <a:lvl2pPr marL="742950" indent="-285750" algn="l" defTabSz="457200" rtl="0" eaLnBrk="1" latinLnBrk="0" hangingPunct="1">
+              <a:spcBef>
+                <a:spcPct val="20000"/>
+              </a:spcBef>
+              <a:buFont typeface="Arial"/>
+              <a:buChar char="–"/>
+              <a:defRPr sz="2800" kern="1200">
+                <a:solidFill>
+                  <a:schemeClr val="tx1"/>
+                </a:solidFill>
+                <a:latin typeface="+mn-lt"/>
+                <a:ea typeface="+mn-ea"/>
+                <a:cs typeface="+mn-cs"/>
+              </a:defRPr>
+            </a:lvl2pPr>
+            <a:lvl3pPr marL="1143000" indent="-228600" algn="l" defTabSz="457200" rtl="0" eaLnBrk="1" latinLnBrk="0" hangingPunct="1">
+              <a:spcBef>
+                <a:spcPct val="20000"/>
+              </a:spcBef>
+              <a:buFont typeface="Arial"/>
+              <a:buChar char="•"/>
+              <a:defRPr sz="2400" kern="1200">
+                <a:solidFill>
+                  <a:schemeClr val="tx1"/>
+                </a:solidFill>
+                <a:latin typeface="+mn-lt"/>
+                <a:ea typeface="+mn-ea"/>
+                <a:cs typeface="+mn-cs"/>
+              </a:defRPr>
+            </a:lvl3pPr>
+            <a:lvl4pPr marL="1600200" indent="-228600" algn="l" defTabSz="457200" rtl="0" eaLnBrk="1" latinLnBrk="0" hangingPunct="1">
+              <a:spcBef>
+                <a:spcPct val="20000"/>
+              </a:spcBef>
+              <a:buFont typeface="Arial"/>
+              <a:buChar char="–"/>
+              <a:defRPr sz="2000" kern="1200">
+                <a:solidFill>
+                  <a:schemeClr val="tx1"/>
+                </a:solidFill>
+                <a:latin typeface="+mn-lt"/>
+                <a:ea typeface="+mn-ea"/>
+                <a:cs typeface="+mn-cs"/>
+              </a:defRPr>
+            </a:lvl4pPr>
+            <a:lvl5pPr marL="2057400" indent="-228600" algn="l" defTabSz="457200" rtl="0" eaLnBrk="1" latinLnBrk="0" hangingPunct="1">
+              <a:spcBef>
+                <a:spcPct val="20000"/>
+              </a:spcBef>
+              <a:buFont typeface="Arial"/>
+              <a:buChar char="»"/>
+              <a:defRPr sz="2000" kern="1200">
+                <a:solidFill>
+                  <a:schemeClr val="tx1"/>
+                </a:solidFill>
+                <a:latin typeface="+mn-lt"/>
+                <a:ea typeface="+mn-ea"/>
+                <a:cs typeface="+mn-cs"/>
+              </a:defRPr>
+            </a:lvl5pPr>
+            <a:lvl6pPr marL="2514600" indent="-228600" algn="l" defTabSz="457200" rtl="0" eaLnBrk="1" latinLnBrk="0" hangingPunct="1">
+              <a:spcBef>
+                <a:spcPct val="20000"/>
+              </a:spcBef>
+              <a:buFont typeface="Arial"/>
+              <a:buChar char="•"/>
+              <a:defRPr sz="2000" kern="1200">
+                <a:solidFill>
+                  <a:schemeClr val="tx1"/>
+                </a:solidFill>
+                <a:latin typeface="+mn-lt"/>
+                <a:ea typeface="+mn-ea"/>
+                <a:cs typeface="+mn-cs"/>
+              </a:defRPr>
+            </a:lvl6pPr>
+            <a:lvl7pPr marL="2971800" indent="-228600" algn="l" defTabSz="457200" rtl="0" eaLnBrk="1" latinLnBrk="0" hangingPunct="1">
+              <a:spcBef>
+                <a:spcPct val="20000"/>
+              </a:spcBef>
+              <a:buFont typeface="Arial"/>
+              <a:buChar char="•"/>
+              <a:defRPr sz="2000" kern="1200">
+                <a:solidFill>
+                  <a:schemeClr val="tx1"/>
+                </a:solidFill>
+                <a:latin typeface="+mn-lt"/>
+                <a:ea typeface="+mn-ea"/>
+                <a:cs typeface="+mn-cs"/>
+              </a:defRPr>
+            </a:lvl7pPr>
+            <a:lvl8pPr marL="3429000" indent="-228600" algn="l" defTabSz="457200" rtl="0" eaLnBrk="1" latinLnBrk="0" hangingPunct="1">
+              <a:spcBef>
+                <a:spcPct val="20000"/>
+              </a:spcBef>
+              <a:buFont typeface="Arial"/>
+              <a:buChar char="•"/>
+              <a:defRPr sz="2000" kern="1200">
+                <a:solidFill>
+                  <a:schemeClr val="tx1"/>
+                </a:solidFill>
+                <a:latin typeface="+mn-lt"/>
+                <a:ea typeface="+mn-ea"/>
+                <a:cs typeface="+mn-cs"/>
+              </a:defRPr>
+            </a:lvl8pPr>
+            <a:lvl9pPr marL="3886200" indent="-228600" algn="l" defTabSz="457200" rtl="0" eaLnBrk="1" latinLnBrk="0" hangingPunct="1">
+              <a:spcBef>
+                <a:spcPct val="20000"/>
+              </a:spcBef>
+              <a:buFont typeface="Arial"/>
+              <a:buChar char="•"/>
+              <a:defRPr sz="2000" kern="1200">
+                <a:solidFill>
+                  <a:schemeClr val="tx1"/>
+                </a:solidFill>
+                <a:latin typeface="+mn-lt"/>
+                <a:ea typeface="+mn-ea"/>
+                <a:cs typeface="+mn-cs"/>
+              </a:defRPr>
+            </a:lvl9pPr>
+          </a:lstStyle>
+          <a:p>
+            <a:pPr marL="0" indent="0">
+              <a:buNone/>
+              <a:defRPr sz="1800"/>
+            </a:pPr>
+            <a:r>
+              <a:rPr lang="pt-PT" sz="1200" dirty="0">
+                <a:effectLst/>
+                <a:ea typeface="Times New Roman" panose="02020603050405020304" pitchFamily="18" charset="0"/>
+              </a:rPr>
+              <a:t>GET /</a:t>
+            </a:r>
+            <a:r>
+              <a:rPr lang="pt-PT" sz="1200" dirty="0" err="1">
+                <a:effectLst/>
+                <a:ea typeface="Times New Roman" panose="02020603050405020304" pitchFamily="18" charset="0"/>
+              </a:rPr>
+              <a:t>users</a:t>
+            </a:r>
+            <a:r>
+              <a:rPr lang="pt-PT" sz="1200" dirty="0">
+                <a:effectLst/>
+                <a:ea typeface="Times New Roman" panose="02020603050405020304" pitchFamily="18" charset="0"/>
+              </a:rPr>
+              <a:t>/1</a:t>
+            </a:r>
+          </a:p>
+          <a:p>
+            <a:pPr marL="0" indent="0">
+              <a:buNone/>
+              <a:defRPr sz="1800"/>
+            </a:pPr>
+            <a:r>
+              <a:rPr lang="en-US" sz="1200" dirty="0">
+                <a:solidFill>
+                  <a:srgbClr val="000000"/>
+                </a:solidFill>
+                <a:effectLst/>
+                <a:ea typeface="Times New Roman" panose="02020603050405020304" pitchFamily="18" charset="0"/>
+              </a:rPr>
+              <a:t>GET /users/1/orders</a:t>
+            </a:r>
+            <a:r>
+              <a:rPr lang="en-US" sz="1200" dirty="0">
+                <a:effectLst/>
+              </a:rPr>
+              <a:t> </a:t>
+            </a:r>
+            <a:endParaRPr lang="pt-PT" sz="1200" dirty="0">
+              <a:effectLst/>
+              <a:ea typeface="Times New Roman" panose="02020603050405020304" pitchFamily="18" charset="0"/>
+            </a:endParaRPr>
+          </a:p>
+        </p:txBody>
+      </p:sp>
     </p:spTree>
+    <p:extLst>
+      <p:ext uri="{BB962C8B-B14F-4D97-AF65-F5344CB8AC3E}">
+        <p14:creationId xmlns:p14="http://schemas.microsoft.com/office/powerpoint/2010/main" val="880505296"/>
+      </p:ext>
+    </p:extLst>
   </p:cSld>
   <p:clrMapOvr>
     <a:masterClrMapping/>
@@ -6423,20 +10710,13 @@
         </p:nvSpPr>
         <p:spPr/>
         <p:txBody>
-          <a:bodyPr/>
+          <a:bodyPr>
+            <a:normAutofit fontScale="90000"/>
+          </a:bodyPr>
           <a:lstStyle/>
           <a:p>
             <a:r>
-              <a:rPr dirty="0"/>
-              <a:t>7. </a:t>
-            </a:r>
-            <a:r>
-              <a:rPr dirty="0" err="1"/>
-              <a:t>GraphQL</a:t>
-            </a:r>
-            <a:r>
-              <a:rPr dirty="0"/>
-              <a:t> Mutation</a:t>
+              <a:t>5. SDL (Schema Definition Language)</a:t>
             </a:r>
           </a:p>
         </p:txBody>
@@ -6453,8 +10733,8 @@
         </p:nvSpPr>
         <p:spPr>
           <a:xfrm>
-            <a:off x="457200" y="1600200"/>
-            <a:ext cx="8229600" cy="1227083"/>
+            <a:off x="457200" y="1600201"/>
+            <a:ext cx="8229600" cy="1458310"/>
           </a:xfrm>
         </p:spPr>
         <p:txBody>
@@ -6465,24 +10745,24 @@
               <a:defRPr sz="1800"/>
             </a:pPr>
             <a:r>
-              <a:rPr dirty="0" err="1"/>
-              <a:t>Usada</a:t>
-            </a:r>
-            <a:r>
-              <a:rPr dirty="0"/>
-              <a:t> para </a:t>
-            </a:r>
-            <a:r>
-              <a:rPr dirty="0" err="1"/>
-              <a:t>criar</a:t>
-            </a:r>
-            <a:r>
-              <a:rPr dirty="0"/>
-              <a:t>, </a:t>
-            </a:r>
-            <a:r>
-              <a:rPr dirty="0" err="1"/>
-              <a:t>atualizar</a:t>
+              <a:rPr lang="es-ES" dirty="0" err="1"/>
+              <a:t>Linguaguem</a:t>
+            </a:r>
+            <a:r>
+              <a:rPr lang="es-ES" dirty="0"/>
+              <a:t> que d</a:t>
+            </a:r>
+            <a:r>
+              <a:rPr dirty="0"/>
+              <a:t>e</a:t>
+            </a:r>
+            <a:r>
+              <a:rPr lang="es-ES" dirty="0" err="1"/>
+              <a:t>screve</a:t>
+            </a:r>
+            <a:r>
+              <a:rPr lang="es-ES" dirty="0"/>
+              <a:t> a</a:t>
             </a:r>
             <a:r>
               <a:rPr dirty="0"/>
@@ -6490,32 +10770,33 @@
             </a:r>
             <a:r>
               <a:rPr dirty="0" err="1"/>
-              <a:t>ou</a:t>
-            </a:r>
-            <a:r>
-              <a:rPr dirty="0"/>
-              <a:t> remover dados</a:t>
-            </a:r>
+              <a:t>estrutura</a:t>
+            </a:r>
+            <a:r>
+              <a:rPr dirty="0"/>
+              <a:t> da API </a:t>
+            </a:r>
+            <a:r>
+              <a:rPr dirty="0" err="1"/>
+              <a:t>GraphQL</a:t>
+            </a:r>
+            <a:endParaRPr dirty="0"/>
           </a:p>
           <a:p>
             <a:pPr>
               <a:defRPr sz="1800"/>
             </a:pPr>
             <a:r>
-              <a:rPr dirty="0" err="1"/>
-              <a:t>Definida</a:t>
-            </a:r>
-            <a:r>
-              <a:rPr dirty="0"/>
-              <a:t> no schema </a:t>
-            </a:r>
-            <a:r>
-              <a:rPr dirty="0" err="1"/>
-              <a:t>como</a:t>
-            </a:r>
-            <a:r>
-              <a:rPr dirty="0"/>
-              <a:t> 'Mutation'</a:t>
+              <a:rPr lang="es-ES" dirty="0"/>
+              <a:t>Elementos: </a:t>
+            </a:r>
+            <a:r>
+              <a:rPr dirty="0" err="1"/>
+              <a:t>Tipos</a:t>
+            </a:r>
+            <a:r>
+              <a:rPr dirty="0"/>
+              <a:t>, campos, entradas, queries e mutations</a:t>
             </a:r>
           </a:p>
           <a:p>
@@ -6523,12 +10804,34 @@
               <a:defRPr sz="1800"/>
             </a:pPr>
             <a:r>
-              <a:rPr dirty="0"/>
-              <a:t>Cada campo </a:t>
-            </a:r>
-            <a:r>
-              <a:rPr dirty="0" err="1"/>
-              <a:t>representa</a:t>
+              <a:rPr dirty="0" err="1"/>
+              <a:t>Contrato</a:t>
+            </a:r>
+            <a:r>
+              <a:rPr dirty="0"/>
+              <a:t> claro entre </a:t>
+            </a:r>
+            <a:r>
+              <a:rPr dirty="0" err="1"/>
+              <a:t>cliente</a:t>
+            </a:r>
+            <a:r>
+              <a:rPr dirty="0"/>
+              <a:t> e </a:t>
+            </a:r>
+            <a:r>
+              <a:rPr dirty="0" err="1"/>
+              <a:t>servidor</a:t>
+            </a:r>
+            <a:endParaRPr dirty="0"/>
+          </a:p>
+          <a:p>
+            <a:pPr>
+              <a:defRPr sz="1800"/>
+            </a:pPr>
+            <a:r>
+              <a:rPr dirty="0" err="1"/>
+              <a:t>Extensão</a:t>
             </a:r>
             <a:r>
               <a:rPr dirty="0"/>
@@ -6536,376 +10839,17 @@
             </a:r>
             <a:r>
               <a:rPr dirty="0" err="1"/>
-              <a:t>uma</a:t>
-            </a:r>
-            <a:r>
-              <a:rPr dirty="0"/>
-              <a:t> </a:t>
-            </a:r>
-            <a:r>
-              <a:rPr dirty="0" err="1"/>
-              <a:t>operação</a:t>
+              <a:t>comum</a:t>
+            </a:r>
+            <a:r>
+              <a:rPr dirty="0"/>
+              <a:t>: .</a:t>
+            </a:r>
+            <a:r>
+              <a:rPr dirty="0" err="1"/>
+              <a:t>graphqls</a:t>
             </a:r>
             <a:endParaRPr dirty="0"/>
-          </a:p>
-        </p:txBody>
-      </p:sp>
-      <p:sp>
-        <p:nvSpPr>
-          <p:cNvPr id="4" name="Content Placeholder 2">
-            <a:extLst>
-              <a:ext uri="{FF2B5EF4-FFF2-40B4-BE49-F238E27FC236}">
-                <a16:creationId xmlns:a16="http://schemas.microsoft.com/office/drawing/2014/main" id="{DA2BE089-7B62-1FC4-CFBD-ED677A978C7D}"/>
-              </a:ext>
-            </a:extLst>
-          </p:cNvPr>
-          <p:cNvSpPr txBox="1">
-            <a:spLocks/>
-          </p:cNvSpPr>
-          <p:nvPr/>
-        </p:nvSpPr>
-        <p:spPr>
-          <a:xfrm>
-            <a:off x="457200" y="3808626"/>
-            <a:ext cx="8229600" cy="1658005"/>
-          </a:xfrm>
-          <a:prstGeom prst="rect">
-            <a:avLst/>
-          </a:prstGeom>
-        </p:spPr>
-        <p:txBody>
-          <a:bodyPr vert="horz" lIns="91440" tIns="45720" rIns="91440" bIns="45720" rtlCol="0">
-            <a:normAutofit fontScale="92500" lnSpcReduction="20000"/>
-          </a:bodyPr>
-          <a:lstStyle>
-            <a:lvl1pPr marL="342900" indent="-342900" algn="l" defTabSz="457200" rtl="0" eaLnBrk="1" latinLnBrk="0" hangingPunct="1">
-              <a:spcBef>
-                <a:spcPct val="20000"/>
-              </a:spcBef>
-              <a:buFont typeface="Arial"/>
-              <a:buChar char="•"/>
-              <a:defRPr sz="3200" kern="1200">
-                <a:solidFill>
-                  <a:schemeClr val="tx1"/>
-                </a:solidFill>
-                <a:latin typeface="+mn-lt"/>
-                <a:ea typeface="+mn-ea"/>
-                <a:cs typeface="+mn-cs"/>
-              </a:defRPr>
-            </a:lvl1pPr>
-            <a:lvl2pPr marL="742950" indent="-285750" algn="l" defTabSz="457200" rtl="0" eaLnBrk="1" latinLnBrk="0" hangingPunct="1">
-              <a:spcBef>
-                <a:spcPct val="20000"/>
-              </a:spcBef>
-              <a:buFont typeface="Arial"/>
-              <a:buChar char="–"/>
-              <a:defRPr sz="2800" kern="1200">
-                <a:solidFill>
-                  <a:schemeClr val="tx1"/>
-                </a:solidFill>
-                <a:latin typeface="+mn-lt"/>
-                <a:ea typeface="+mn-ea"/>
-                <a:cs typeface="+mn-cs"/>
-              </a:defRPr>
-            </a:lvl2pPr>
-            <a:lvl3pPr marL="1143000" indent="-228600" algn="l" defTabSz="457200" rtl="0" eaLnBrk="1" latinLnBrk="0" hangingPunct="1">
-              <a:spcBef>
-                <a:spcPct val="20000"/>
-              </a:spcBef>
-              <a:buFont typeface="Arial"/>
-              <a:buChar char="•"/>
-              <a:defRPr sz="2400" kern="1200">
-                <a:solidFill>
-                  <a:schemeClr val="tx1"/>
-                </a:solidFill>
-                <a:latin typeface="+mn-lt"/>
-                <a:ea typeface="+mn-ea"/>
-                <a:cs typeface="+mn-cs"/>
-              </a:defRPr>
-            </a:lvl3pPr>
-            <a:lvl4pPr marL="1600200" indent="-228600" algn="l" defTabSz="457200" rtl="0" eaLnBrk="1" latinLnBrk="0" hangingPunct="1">
-              <a:spcBef>
-                <a:spcPct val="20000"/>
-              </a:spcBef>
-              <a:buFont typeface="Arial"/>
-              <a:buChar char="–"/>
-              <a:defRPr sz="2000" kern="1200">
-                <a:solidFill>
-                  <a:schemeClr val="tx1"/>
-                </a:solidFill>
-                <a:latin typeface="+mn-lt"/>
-                <a:ea typeface="+mn-ea"/>
-                <a:cs typeface="+mn-cs"/>
-              </a:defRPr>
-            </a:lvl4pPr>
-            <a:lvl5pPr marL="2057400" indent="-228600" algn="l" defTabSz="457200" rtl="0" eaLnBrk="1" latinLnBrk="0" hangingPunct="1">
-              <a:spcBef>
-                <a:spcPct val="20000"/>
-              </a:spcBef>
-              <a:buFont typeface="Arial"/>
-              <a:buChar char="»"/>
-              <a:defRPr sz="2000" kern="1200">
-                <a:solidFill>
-                  <a:schemeClr val="tx1"/>
-                </a:solidFill>
-                <a:latin typeface="+mn-lt"/>
-                <a:ea typeface="+mn-ea"/>
-                <a:cs typeface="+mn-cs"/>
-              </a:defRPr>
-            </a:lvl5pPr>
-            <a:lvl6pPr marL="2514600" indent="-228600" algn="l" defTabSz="457200" rtl="0" eaLnBrk="1" latinLnBrk="0" hangingPunct="1">
-              <a:spcBef>
-                <a:spcPct val="20000"/>
-              </a:spcBef>
-              <a:buFont typeface="Arial"/>
-              <a:buChar char="•"/>
-              <a:defRPr sz="2000" kern="1200">
-                <a:solidFill>
-                  <a:schemeClr val="tx1"/>
-                </a:solidFill>
-                <a:latin typeface="+mn-lt"/>
-                <a:ea typeface="+mn-ea"/>
-                <a:cs typeface="+mn-cs"/>
-              </a:defRPr>
-            </a:lvl6pPr>
-            <a:lvl7pPr marL="2971800" indent="-228600" algn="l" defTabSz="457200" rtl="0" eaLnBrk="1" latinLnBrk="0" hangingPunct="1">
-              <a:spcBef>
-                <a:spcPct val="20000"/>
-              </a:spcBef>
-              <a:buFont typeface="Arial"/>
-              <a:buChar char="•"/>
-              <a:defRPr sz="2000" kern="1200">
-                <a:solidFill>
-                  <a:schemeClr val="tx1"/>
-                </a:solidFill>
-                <a:latin typeface="+mn-lt"/>
-                <a:ea typeface="+mn-ea"/>
-                <a:cs typeface="+mn-cs"/>
-              </a:defRPr>
-            </a:lvl7pPr>
-            <a:lvl8pPr marL="3429000" indent="-228600" algn="l" defTabSz="457200" rtl="0" eaLnBrk="1" latinLnBrk="0" hangingPunct="1">
-              <a:spcBef>
-                <a:spcPct val="20000"/>
-              </a:spcBef>
-              <a:buFont typeface="Arial"/>
-              <a:buChar char="•"/>
-              <a:defRPr sz="2000" kern="1200">
-                <a:solidFill>
-                  <a:schemeClr val="tx1"/>
-                </a:solidFill>
-                <a:latin typeface="+mn-lt"/>
-                <a:ea typeface="+mn-ea"/>
-                <a:cs typeface="+mn-cs"/>
-              </a:defRPr>
-            </a:lvl8pPr>
-            <a:lvl9pPr marL="3886200" indent="-228600" algn="l" defTabSz="457200" rtl="0" eaLnBrk="1" latinLnBrk="0" hangingPunct="1">
-              <a:spcBef>
-                <a:spcPct val="20000"/>
-              </a:spcBef>
-              <a:buFont typeface="Arial"/>
-              <a:buChar char="•"/>
-              <a:defRPr sz="2000" kern="1200">
-                <a:solidFill>
-                  <a:schemeClr val="tx1"/>
-                </a:solidFill>
-                <a:latin typeface="+mn-lt"/>
-                <a:ea typeface="+mn-ea"/>
-                <a:cs typeface="+mn-cs"/>
-              </a:defRPr>
-            </a:lvl9pPr>
-          </a:lstStyle>
-          <a:p>
-            <a:pPr marL="0" indent="0">
-              <a:buNone/>
-            </a:pPr>
-            <a:r>
-              <a:rPr lang="en-US" sz="1900" dirty="0">
-                <a:latin typeface="Helvetica Neue" panose="02000503000000020004" pitchFamily="2" charset="0"/>
-                <a:ea typeface="Helvetica Neue" panose="02000503000000020004" pitchFamily="2" charset="0"/>
-                <a:cs typeface="Helvetica Neue" panose="02000503000000020004" pitchFamily="2" charset="0"/>
-              </a:rPr>
-              <a:t>mutation</a:t>
-            </a:r>
-            <a:r>
-              <a:rPr lang="en-US" sz="1900" dirty="0">
-                <a:effectLst/>
-                <a:latin typeface="Helvetica Neue" panose="02000503000000020004" pitchFamily="2" charset="0"/>
-                <a:ea typeface="Helvetica Neue" panose="02000503000000020004" pitchFamily="2" charset="0"/>
-                <a:cs typeface="Helvetica Neue" panose="02000503000000020004" pitchFamily="2" charset="0"/>
-              </a:rPr>
-              <a:t> {</a:t>
-            </a:r>
-          </a:p>
-          <a:p>
-            <a:pPr marL="0" indent="0">
-              <a:buNone/>
-            </a:pPr>
-            <a:r>
-              <a:rPr lang="en-US" sz="1900" dirty="0">
-                <a:effectLst/>
-                <a:latin typeface="Helvetica Neue" panose="02000503000000020004" pitchFamily="2" charset="0"/>
-                <a:ea typeface="Helvetica Neue" panose="02000503000000020004" pitchFamily="2" charset="0"/>
-                <a:cs typeface="Helvetica Neue" panose="02000503000000020004" pitchFamily="2" charset="0"/>
-              </a:rPr>
-              <a:t>  </a:t>
-            </a:r>
-            <a:r>
-              <a:rPr lang="en-US" sz="1900" dirty="0" err="1">
-                <a:effectLst/>
-                <a:latin typeface="Helvetica Neue" panose="02000503000000020004" pitchFamily="2" charset="0"/>
-                <a:ea typeface="Helvetica Neue" panose="02000503000000020004" pitchFamily="2" charset="0"/>
-                <a:cs typeface="Helvetica Neue" panose="02000503000000020004" pitchFamily="2" charset="0"/>
-              </a:rPr>
-              <a:t>createStudent</a:t>
-            </a:r>
-            <a:r>
-              <a:rPr lang="en-US" sz="1900" dirty="0">
-                <a:effectLst/>
-                <a:latin typeface="Helvetica Neue" panose="02000503000000020004" pitchFamily="2" charset="0"/>
-                <a:ea typeface="Helvetica Neue" panose="02000503000000020004" pitchFamily="2" charset="0"/>
-                <a:cs typeface="Helvetica Neue" panose="02000503000000020004" pitchFamily="2" charset="0"/>
-              </a:rPr>
-              <a:t>(</a:t>
-            </a:r>
-            <a:r>
-              <a:rPr lang="en-US" sz="1900" dirty="0" err="1">
-                <a:effectLst/>
-                <a:latin typeface="Helvetica Neue" panose="02000503000000020004" pitchFamily="2" charset="0"/>
-                <a:ea typeface="Helvetica Neue" panose="02000503000000020004" pitchFamily="2" charset="0"/>
-                <a:cs typeface="Helvetica Neue" panose="02000503000000020004" pitchFamily="2" charset="0"/>
-              </a:rPr>
-              <a:t>createStudentRequest</a:t>
-            </a:r>
-            <a:r>
-              <a:rPr lang="en-US" sz="1900" dirty="0">
-                <a:effectLst/>
-                <a:latin typeface="Helvetica Neue" panose="02000503000000020004" pitchFamily="2" charset="0"/>
-                <a:ea typeface="Helvetica Neue" panose="02000503000000020004" pitchFamily="2" charset="0"/>
-                <a:cs typeface="Helvetica Neue" panose="02000503000000020004" pitchFamily="2" charset="0"/>
-              </a:rPr>
-              <a:t> : {</a:t>
-            </a:r>
-          </a:p>
-          <a:p>
-            <a:pPr marL="0" indent="0">
-              <a:lnSpc>
-                <a:spcPts val="1350"/>
-              </a:lnSpc>
-              <a:buNone/>
-            </a:pPr>
-            <a:r>
-              <a:rPr lang="en-US" sz="1900" b="0" dirty="0">
-                <a:effectLst/>
-                <a:latin typeface="Helvetica Neue" panose="02000503000000020004" pitchFamily="2" charset="0"/>
-                <a:ea typeface="Helvetica Neue" panose="02000503000000020004" pitchFamily="2" charset="0"/>
-                <a:cs typeface="Helvetica Neue" panose="02000503000000020004" pitchFamily="2" charset="0"/>
-              </a:rPr>
-              <a:t>      </a:t>
-            </a:r>
-            <a:r>
-              <a:rPr lang="en-US" sz="1900" b="0" dirty="0" err="1">
-                <a:effectLst/>
-                <a:latin typeface="Helvetica Neue" panose="02000503000000020004" pitchFamily="2" charset="0"/>
-                <a:ea typeface="Helvetica Neue" panose="02000503000000020004" pitchFamily="2" charset="0"/>
-                <a:cs typeface="Helvetica Neue" panose="02000503000000020004" pitchFamily="2" charset="0"/>
-              </a:rPr>
-              <a:t>firstName</a:t>
-            </a:r>
-            <a:r>
-              <a:rPr lang="en-US" sz="1900" b="0" dirty="0">
-                <a:effectLst/>
-                <a:latin typeface="Helvetica Neue" panose="02000503000000020004" pitchFamily="2" charset="0"/>
-                <a:ea typeface="Helvetica Neue" panose="02000503000000020004" pitchFamily="2" charset="0"/>
-                <a:cs typeface="Helvetica Neue" panose="02000503000000020004" pitchFamily="2" charset="0"/>
-              </a:rPr>
-              <a:t>: "John"</a:t>
-            </a:r>
-          </a:p>
-          <a:p>
-            <a:pPr marL="0" indent="0">
-              <a:lnSpc>
-                <a:spcPts val="1350"/>
-              </a:lnSpc>
-              <a:buNone/>
-            </a:pPr>
-            <a:r>
-              <a:rPr lang="en-US" sz="1900" b="0" dirty="0">
-                <a:effectLst/>
-                <a:latin typeface="Helvetica Neue" panose="02000503000000020004" pitchFamily="2" charset="0"/>
-                <a:ea typeface="Helvetica Neue" panose="02000503000000020004" pitchFamily="2" charset="0"/>
-                <a:cs typeface="Helvetica Neue" panose="02000503000000020004" pitchFamily="2" charset="0"/>
-              </a:rPr>
-              <a:t>      </a:t>
-            </a:r>
-            <a:r>
-              <a:rPr lang="en-US" sz="1900" b="0" dirty="0" err="1">
-                <a:effectLst/>
-                <a:latin typeface="Helvetica Neue" panose="02000503000000020004" pitchFamily="2" charset="0"/>
-                <a:ea typeface="Helvetica Neue" panose="02000503000000020004" pitchFamily="2" charset="0"/>
-                <a:cs typeface="Helvetica Neue" panose="02000503000000020004" pitchFamily="2" charset="0"/>
-              </a:rPr>
-              <a:t>lastName</a:t>
-            </a:r>
-            <a:r>
-              <a:rPr lang="en-US" sz="1900" b="0" dirty="0">
-                <a:effectLst/>
-                <a:latin typeface="Helvetica Neue" panose="02000503000000020004" pitchFamily="2" charset="0"/>
-                <a:ea typeface="Helvetica Neue" panose="02000503000000020004" pitchFamily="2" charset="0"/>
-                <a:cs typeface="Helvetica Neue" panose="02000503000000020004" pitchFamily="2" charset="0"/>
-              </a:rPr>
-              <a:t>: "Doe"</a:t>
-            </a:r>
-            <a:endParaRPr lang="en-US" sz="1900" dirty="0">
-              <a:effectLst/>
-              <a:latin typeface="Helvetica Neue" panose="02000503000000020004" pitchFamily="2" charset="0"/>
-              <a:ea typeface="Helvetica Neue" panose="02000503000000020004" pitchFamily="2" charset="0"/>
-              <a:cs typeface="Helvetica Neue" panose="02000503000000020004" pitchFamily="2" charset="0"/>
-            </a:endParaRPr>
-          </a:p>
-          <a:p>
-            <a:pPr marL="0" indent="0">
-              <a:buNone/>
-            </a:pPr>
-            <a:r>
-              <a:rPr lang="en-US" sz="1900" dirty="0">
-                <a:latin typeface="Helvetica Neue" panose="02000503000000020004" pitchFamily="2" charset="0"/>
-                <a:ea typeface="Helvetica Neue" panose="02000503000000020004" pitchFamily="2" charset="0"/>
-                <a:cs typeface="Helvetica Neue" panose="02000503000000020004" pitchFamily="2" charset="0"/>
-              </a:rPr>
-              <a:t>   }</a:t>
-            </a:r>
-            <a:endParaRPr lang="en-US" sz="1900" dirty="0">
-              <a:effectLst/>
-              <a:latin typeface="Helvetica Neue" panose="02000503000000020004" pitchFamily="2" charset="0"/>
-              <a:ea typeface="Helvetica Neue" panose="02000503000000020004" pitchFamily="2" charset="0"/>
-              <a:cs typeface="Helvetica Neue" panose="02000503000000020004" pitchFamily="2" charset="0"/>
-            </a:endParaRPr>
-          </a:p>
-          <a:p>
-            <a:pPr marL="0" indent="0">
-              <a:buNone/>
-            </a:pPr>
-            <a:r>
-              <a:rPr lang="en-US" sz="1900" dirty="0">
-                <a:effectLst/>
-                <a:latin typeface="Helvetica Neue" panose="02000503000000020004" pitchFamily="2" charset="0"/>
-                <a:ea typeface="Helvetica Neue" panose="02000503000000020004" pitchFamily="2" charset="0"/>
-                <a:cs typeface="Helvetica Neue" panose="02000503000000020004" pitchFamily="2" charset="0"/>
-              </a:rPr>
-              <a:t>}</a:t>
-            </a:r>
-          </a:p>
-          <a:p>
-            <a:pPr marL="0" marR="0" indent="0">
-              <a:buNone/>
-            </a:pPr>
-            <a:endParaRPr lang="en-US" sz="1800" dirty="0"/>
-          </a:p>
-          <a:p>
-            <a:pPr marL="0" marR="0" indent="0">
-              <a:buNone/>
-            </a:pPr>
-            <a:endParaRPr lang="en-US" sz="1800" dirty="0"/>
           </a:p>
         </p:txBody>
       </p:sp>
@@ -6914,7 +10858,7 @@
           <p:cNvPr id="5" name="Title 1">
             <a:extLst>
               <a:ext uri="{FF2B5EF4-FFF2-40B4-BE49-F238E27FC236}">
-                <a16:creationId xmlns:a16="http://schemas.microsoft.com/office/drawing/2014/main" id="{4B4EE0AA-0186-DAF4-5337-5588B7016203}"/>
+                <a16:creationId xmlns:a16="http://schemas.microsoft.com/office/drawing/2014/main" id="{66D8D575-A14C-6CB7-D8A7-706A50D4AA59}"/>
               </a:ext>
             </a:extLst>
           </p:cNvPr>
@@ -6958,6 +10902,582 @@
               <a:t>Exemplo</a:t>
             </a:r>
             <a:endParaRPr lang="en-US" dirty="0"/>
+          </a:p>
+        </p:txBody>
+      </p:sp>
+      <p:sp>
+        <p:nvSpPr>
+          <p:cNvPr id="6" name="Content Placeholder 2">
+            <a:extLst>
+              <a:ext uri="{FF2B5EF4-FFF2-40B4-BE49-F238E27FC236}">
+                <a16:creationId xmlns:a16="http://schemas.microsoft.com/office/drawing/2014/main" id="{68BD3317-1EB7-CD32-6F21-008AC7D0823A}"/>
+              </a:ext>
+            </a:extLst>
+          </p:cNvPr>
+          <p:cNvSpPr txBox="1">
+            <a:spLocks/>
+          </p:cNvSpPr>
+          <p:nvPr/>
+        </p:nvSpPr>
+        <p:spPr>
+          <a:xfrm>
+            <a:off x="457200" y="3746936"/>
+            <a:ext cx="8229600" cy="1592319"/>
+          </a:xfrm>
+          <a:prstGeom prst="rect">
+            <a:avLst/>
+          </a:prstGeom>
+          <a:ln>
+            <a:solidFill>
+              <a:schemeClr val="tx1"/>
+            </a:solidFill>
+          </a:ln>
+        </p:spPr>
+        <p:txBody>
+          <a:bodyPr vert="horz" lIns="91440" tIns="45720" rIns="91440" bIns="45720" rtlCol="0">
+            <a:normAutofit/>
+          </a:bodyPr>
+          <a:lstStyle>
+            <a:lvl1pPr marL="342900" indent="-342900" algn="l" defTabSz="457200" rtl="0" eaLnBrk="1" latinLnBrk="0" hangingPunct="1">
+              <a:spcBef>
+                <a:spcPct val="20000"/>
+              </a:spcBef>
+              <a:buFont typeface="Arial"/>
+              <a:buChar char="•"/>
+              <a:defRPr sz="3200" kern="1200">
+                <a:solidFill>
+                  <a:schemeClr val="tx1"/>
+                </a:solidFill>
+                <a:latin typeface="+mn-lt"/>
+                <a:ea typeface="+mn-ea"/>
+                <a:cs typeface="+mn-cs"/>
+              </a:defRPr>
+            </a:lvl1pPr>
+            <a:lvl2pPr marL="742950" indent="-285750" algn="l" defTabSz="457200" rtl="0" eaLnBrk="1" latinLnBrk="0" hangingPunct="1">
+              <a:spcBef>
+                <a:spcPct val="20000"/>
+              </a:spcBef>
+              <a:buFont typeface="Arial"/>
+              <a:buChar char="–"/>
+              <a:defRPr sz="2800" kern="1200">
+                <a:solidFill>
+                  <a:schemeClr val="tx1"/>
+                </a:solidFill>
+                <a:latin typeface="+mn-lt"/>
+                <a:ea typeface="+mn-ea"/>
+                <a:cs typeface="+mn-cs"/>
+              </a:defRPr>
+            </a:lvl2pPr>
+            <a:lvl3pPr marL="1143000" indent="-228600" algn="l" defTabSz="457200" rtl="0" eaLnBrk="1" latinLnBrk="0" hangingPunct="1">
+              <a:spcBef>
+                <a:spcPct val="20000"/>
+              </a:spcBef>
+              <a:buFont typeface="Arial"/>
+              <a:buChar char="•"/>
+              <a:defRPr sz="2400" kern="1200">
+                <a:solidFill>
+                  <a:schemeClr val="tx1"/>
+                </a:solidFill>
+                <a:latin typeface="+mn-lt"/>
+                <a:ea typeface="+mn-ea"/>
+                <a:cs typeface="+mn-cs"/>
+              </a:defRPr>
+            </a:lvl3pPr>
+            <a:lvl4pPr marL="1600200" indent="-228600" algn="l" defTabSz="457200" rtl="0" eaLnBrk="1" latinLnBrk="0" hangingPunct="1">
+              <a:spcBef>
+                <a:spcPct val="20000"/>
+              </a:spcBef>
+              <a:buFont typeface="Arial"/>
+              <a:buChar char="–"/>
+              <a:defRPr sz="2000" kern="1200">
+                <a:solidFill>
+                  <a:schemeClr val="tx1"/>
+                </a:solidFill>
+                <a:latin typeface="+mn-lt"/>
+                <a:ea typeface="+mn-ea"/>
+                <a:cs typeface="+mn-cs"/>
+              </a:defRPr>
+            </a:lvl4pPr>
+            <a:lvl5pPr marL="2057400" indent="-228600" algn="l" defTabSz="457200" rtl="0" eaLnBrk="1" latinLnBrk="0" hangingPunct="1">
+              <a:spcBef>
+                <a:spcPct val="20000"/>
+              </a:spcBef>
+              <a:buFont typeface="Arial"/>
+              <a:buChar char="»"/>
+              <a:defRPr sz="2000" kern="1200">
+                <a:solidFill>
+                  <a:schemeClr val="tx1"/>
+                </a:solidFill>
+                <a:latin typeface="+mn-lt"/>
+                <a:ea typeface="+mn-ea"/>
+                <a:cs typeface="+mn-cs"/>
+              </a:defRPr>
+            </a:lvl5pPr>
+            <a:lvl6pPr marL="2514600" indent="-228600" algn="l" defTabSz="457200" rtl="0" eaLnBrk="1" latinLnBrk="0" hangingPunct="1">
+              <a:spcBef>
+                <a:spcPct val="20000"/>
+              </a:spcBef>
+              <a:buFont typeface="Arial"/>
+              <a:buChar char="•"/>
+              <a:defRPr sz="2000" kern="1200">
+                <a:solidFill>
+                  <a:schemeClr val="tx1"/>
+                </a:solidFill>
+                <a:latin typeface="+mn-lt"/>
+                <a:ea typeface="+mn-ea"/>
+                <a:cs typeface="+mn-cs"/>
+              </a:defRPr>
+            </a:lvl6pPr>
+            <a:lvl7pPr marL="2971800" indent="-228600" algn="l" defTabSz="457200" rtl="0" eaLnBrk="1" latinLnBrk="0" hangingPunct="1">
+              <a:spcBef>
+                <a:spcPct val="20000"/>
+              </a:spcBef>
+              <a:buFont typeface="Arial"/>
+              <a:buChar char="•"/>
+              <a:defRPr sz="2000" kern="1200">
+                <a:solidFill>
+                  <a:schemeClr val="tx1"/>
+                </a:solidFill>
+                <a:latin typeface="+mn-lt"/>
+                <a:ea typeface="+mn-ea"/>
+                <a:cs typeface="+mn-cs"/>
+              </a:defRPr>
+            </a:lvl7pPr>
+            <a:lvl8pPr marL="3429000" indent="-228600" algn="l" defTabSz="457200" rtl="0" eaLnBrk="1" latinLnBrk="0" hangingPunct="1">
+              <a:spcBef>
+                <a:spcPct val="20000"/>
+              </a:spcBef>
+              <a:buFont typeface="Arial"/>
+              <a:buChar char="•"/>
+              <a:defRPr sz="2000" kern="1200">
+                <a:solidFill>
+                  <a:schemeClr val="tx1"/>
+                </a:solidFill>
+                <a:latin typeface="+mn-lt"/>
+                <a:ea typeface="+mn-ea"/>
+                <a:cs typeface="+mn-cs"/>
+              </a:defRPr>
+            </a:lvl8pPr>
+            <a:lvl9pPr marL="3886200" indent="-228600" algn="l" defTabSz="457200" rtl="0" eaLnBrk="1" latinLnBrk="0" hangingPunct="1">
+              <a:spcBef>
+                <a:spcPct val="20000"/>
+              </a:spcBef>
+              <a:buFont typeface="Arial"/>
+              <a:buChar char="•"/>
+              <a:defRPr sz="2000" kern="1200">
+                <a:solidFill>
+                  <a:schemeClr val="tx1"/>
+                </a:solidFill>
+                <a:latin typeface="+mn-lt"/>
+                <a:ea typeface="+mn-ea"/>
+                <a:cs typeface="+mn-cs"/>
+              </a:defRPr>
+            </a:lvl9pPr>
+          </a:lstStyle>
+          <a:p>
+            <a:pPr marL="0" indent="0">
+              <a:buFont typeface="Arial"/>
+              <a:buNone/>
+              <a:defRPr sz="1800"/>
+            </a:pPr>
+            <a:r>
+              <a:rPr lang="en-US" sz="1200" dirty="0"/>
+              <a:t>type Student {</a:t>
+            </a:r>
+          </a:p>
+          <a:p>
+            <a:pPr marL="0" indent="0">
+              <a:buFont typeface="Arial"/>
+              <a:buNone/>
+              <a:defRPr sz="1800"/>
+            </a:pPr>
+            <a:r>
+              <a:rPr lang="en-US" sz="1200" dirty="0"/>
+              <a:t>  	id: ID!</a:t>
+            </a:r>
+          </a:p>
+          <a:p>
+            <a:pPr marL="0" indent="0">
+              <a:buFont typeface="Arial"/>
+              <a:buNone/>
+              <a:defRPr sz="1800"/>
+            </a:pPr>
+            <a:r>
+              <a:rPr lang="en-US" sz="1200" dirty="0"/>
+              <a:t>  	</a:t>
+            </a:r>
+            <a:r>
+              <a:rPr lang="en-US" sz="1200" dirty="0" err="1"/>
+              <a:t>firstName</a:t>
+            </a:r>
+            <a:r>
+              <a:rPr lang="en-US" sz="1200" dirty="0"/>
+              <a:t>: String!</a:t>
+            </a:r>
+          </a:p>
+          <a:p>
+            <a:pPr marL="0" indent="0">
+              <a:buFont typeface="Arial"/>
+              <a:buNone/>
+              <a:defRPr sz="1800"/>
+            </a:pPr>
+            <a:r>
+              <a:rPr lang="en-US" sz="1200" dirty="0"/>
+              <a:t>  	</a:t>
+            </a:r>
+            <a:r>
+              <a:rPr lang="en-US" sz="1200" dirty="0" err="1"/>
+              <a:t>lastName</a:t>
+            </a:r>
+            <a:r>
+              <a:rPr lang="en-US" sz="1200" dirty="0"/>
+              <a:t>: String!</a:t>
+            </a:r>
+          </a:p>
+          <a:p>
+            <a:pPr marL="0" indent="0">
+              <a:buFont typeface="Arial"/>
+              <a:buNone/>
+              <a:defRPr sz="1800"/>
+            </a:pPr>
+            <a:r>
+              <a:rPr lang="en-US" sz="1200" dirty="0"/>
+              <a:t>	email: String</a:t>
+            </a:r>
+          </a:p>
+          <a:p>
+            <a:pPr marL="0" indent="0">
+              <a:buFont typeface="Arial"/>
+              <a:buNone/>
+              <a:defRPr sz="1800"/>
+            </a:pPr>
+            <a:r>
+              <a:rPr lang="en-US" sz="1200" dirty="0"/>
+              <a:t>	street: String</a:t>
+            </a:r>
+          </a:p>
+          <a:p>
+            <a:pPr marL="0" indent="0">
+              <a:buFont typeface="Arial"/>
+              <a:buNone/>
+              <a:defRPr sz="1800"/>
+            </a:pPr>
+            <a:r>
+              <a:rPr lang="en-US" sz="1200" dirty="0"/>
+              <a:t>}</a:t>
+            </a:r>
+          </a:p>
+          <a:p>
+            <a:pPr marL="0" marR="0" indent="0">
+              <a:buNone/>
+            </a:pPr>
+            <a:endParaRPr lang="en-US" sz="1800" dirty="0"/>
+          </a:p>
+          <a:p>
+            <a:pPr marL="0" marR="0" indent="0">
+              <a:buNone/>
+            </a:pPr>
+            <a:endParaRPr lang="en-US" sz="1800" dirty="0"/>
+          </a:p>
+        </p:txBody>
+      </p:sp>
+      <p:sp>
+        <p:nvSpPr>
+          <p:cNvPr id="8" name="Content Placeholder 2">
+            <a:extLst>
+              <a:ext uri="{FF2B5EF4-FFF2-40B4-BE49-F238E27FC236}">
+                <a16:creationId xmlns:a16="http://schemas.microsoft.com/office/drawing/2014/main" id="{1E547571-30E2-72B0-F2AF-D9F8893AB617}"/>
+              </a:ext>
+            </a:extLst>
+          </p:cNvPr>
+          <p:cNvSpPr txBox="1">
+            <a:spLocks/>
+          </p:cNvSpPr>
+          <p:nvPr/>
+        </p:nvSpPr>
+        <p:spPr>
+          <a:xfrm>
+            <a:off x="457197" y="5339255"/>
+            <a:ext cx="8229600" cy="746235"/>
+          </a:xfrm>
+          <a:prstGeom prst="rect">
+            <a:avLst/>
+          </a:prstGeom>
+        </p:spPr>
+        <p:txBody>
+          <a:bodyPr vert="horz" lIns="91440" tIns="45720" rIns="91440" bIns="45720" rtlCol="0">
+            <a:normAutofit/>
+          </a:bodyPr>
+          <a:lstStyle>
+            <a:lvl1pPr marL="342900" indent="-342900" algn="l" defTabSz="457200" rtl="0" eaLnBrk="1" latinLnBrk="0" hangingPunct="1">
+              <a:spcBef>
+                <a:spcPct val="20000"/>
+              </a:spcBef>
+              <a:buFont typeface="Arial"/>
+              <a:buChar char="•"/>
+              <a:defRPr sz="3200" kern="1200">
+                <a:solidFill>
+                  <a:schemeClr val="tx1"/>
+                </a:solidFill>
+                <a:latin typeface="+mn-lt"/>
+                <a:ea typeface="+mn-ea"/>
+                <a:cs typeface="+mn-cs"/>
+              </a:defRPr>
+            </a:lvl1pPr>
+            <a:lvl2pPr marL="742950" indent="-285750" algn="l" defTabSz="457200" rtl="0" eaLnBrk="1" latinLnBrk="0" hangingPunct="1">
+              <a:spcBef>
+                <a:spcPct val="20000"/>
+              </a:spcBef>
+              <a:buFont typeface="Arial"/>
+              <a:buChar char="–"/>
+              <a:defRPr sz="2800" kern="1200">
+                <a:solidFill>
+                  <a:schemeClr val="tx1"/>
+                </a:solidFill>
+                <a:latin typeface="+mn-lt"/>
+                <a:ea typeface="+mn-ea"/>
+                <a:cs typeface="+mn-cs"/>
+              </a:defRPr>
+            </a:lvl2pPr>
+            <a:lvl3pPr marL="1143000" indent="-228600" algn="l" defTabSz="457200" rtl="0" eaLnBrk="1" latinLnBrk="0" hangingPunct="1">
+              <a:spcBef>
+                <a:spcPct val="20000"/>
+              </a:spcBef>
+              <a:buFont typeface="Arial"/>
+              <a:buChar char="•"/>
+              <a:defRPr sz="2400" kern="1200">
+                <a:solidFill>
+                  <a:schemeClr val="tx1"/>
+                </a:solidFill>
+                <a:latin typeface="+mn-lt"/>
+                <a:ea typeface="+mn-ea"/>
+                <a:cs typeface="+mn-cs"/>
+              </a:defRPr>
+            </a:lvl3pPr>
+            <a:lvl4pPr marL="1600200" indent="-228600" algn="l" defTabSz="457200" rtl="0" eaLnBrk="1" latinLnBrk="0" hangingPunct="1">
+              <a:spcBef>
+                <a:spcPct val="20000"/>
+              </a:spcBef>
+              <a:buFont typeface="Arial"/>
+              <a:buChar char="–"/>
+              <a:defRPr sz="2000" kern="1200">
+                <a:solidFill>
+                  <a:schemeClr val="tx1"/>
+                </a:solidFill>
+                <a:latin typeface="+mn-lt"/>
+                <a:ea typeface="+mn-ea"/>
+                <a:cs typeface="+mn-cs"/>
+              </a:defRPr>
+            </a:lvl4pPr>
+            <a:lvl5pPr marL="2057400" indent="-228600" algn="l" defTabSz="457200" rtl="0" eaLnBrk="1" latinLnBrk="0" hangingPunct="1">
+              <a:spcBef>
+                <a:spcPct val="20000"/>
+              </a:spcBef>
+              <a:buFont typeface="Arial"/>
+              <a:buChar char="»"/>
+              <a:defRPr sz="2000" kern="1200">
+                <a:solidFill>
+                  <a:schemeClr val="tx1"/>
+                </a:solidFill>
+                <a:latin typeface="+mn-lt"/>
+                <a:ea typeface="+mn-ea"/>
+                <a:cs typeface="+mn-cs"/>
+              </a:defRPr>
+            </a:lvl5pPr>
+            <a:lvl6pPr marL="2514600" indent="-228600" algn="l" defTabSz="457200" rtl="0" eaLnBrk="1" latinLnBrk="0" hangingPunct="1">
+              <a:spcBef>
+                <a:spcPct val="20000"/>
+              </a:spcBef>
+              <a:buFont typeface="Arial"/>
+              <a:buChar char="•"/>
+              <a:defRPr sz="2000" kern="1200">
+                <a:solidFill>
+                  <a:schemeClr val="tx1"/>
+                </a:solidFill>
+                <a:latin typeface="+mn-lt"/>
+                <a:ea typeface="+mn-ea"/>
+                <a:cs typeface="+mn-cs"/>
+              </a:defRPr>
+            </a:lvl6pPr>
+            <a:lvl7pPr marL="2971800" indent="-228600" algn="l" defTabSz="457200" rtl="0" eaLnBrk="1" latinLnBrk="0" hangingPunct="1">
+              <a:spcBef>
+                <a:spcPct val="20000"/>
+              </a:spcBef>
+              <a:buFont typeface="Arial"/>
+              <a:buChar char="•"/>
+              <a:defRPr sz="2000" kern="1200">
+                <a:solidFill>
+                  <a:schemeClr val="tx1"/>
+                </a:solidFill>
+                <a:latin typeface="+mn-lt"/>
+                <a:ea typeface="+mn-ea"/>
+                <a:cs typeface="+mn-cs"/>
+              </a:defRPr>
+            </a:lvl7pPr>
+            <a:lvl8pPr marL="3429000" indent="-228600" algn="l" defTabSz="457200" rtl="0" eaLnBrk="1" latinLnBrk="0" hangingPunct="1">
+              <a:spcBef>
+                <a:spcPct val="20000"/>
+              </a:spcBef>
+              <a:buFont typeface="Arial"/>
+              <a:buChar char="•"/>
+              <a:defRPr sz="2000" kern="1200">
+                <a:solidFill>
+                  <a:schemeClr val="tx1"/>
+                </a:solidFill>
+                <a:latin typeface="+mn-lt"/>
+                <a:ea typeface="+mn-ea"/>
+                <a:cs typeface="+mn-cs"/>
+              </a:defRPr>
+            </a:lvl8pPr>
+            <a:lvl9pPr marL="3886200" indent="-228600" algn="l" defTabSz="457200" rtl="0" eaLnBrk="1" latinLnBrk="0" hangingPunct="1">
+              <a:spcBef>
+                <a:spcPct val="20000"/>
+              </a:spcBef>
+              <a:buFont typeface="Arial"/>
+              <a:buChar char="•"/>
+              <a:defRPr sz="2000" kern="1200">
+                <a:solidFill>
+                  <a:schemeClr val="tx1"/>
+                </a:solidFill>
+                <a:latin typeface="+mn-lt"/>
+                <a:ea typeface="+mn-ea"/>
+                <a:cs typeface="+mn-cs"/>
+              </a:defRPr>
+            </a:lvl9pPr>
+          </a:lstStyle>
+          <a:p>
+            <a:pPr marL="342900" marR="0" lvl="0" indent="-342900">
+              <a:buFont typeface="Symbol" pitchFamily="2" charset="2"/>
+              <a:buChar char=""/>
+            </a:pPr>
+            <a:r>
+              <a:rPr lang="pt-PT" sz="1200" dirty="0" err="1">
+                <a:effectLst/>
+                <a:ea typeface="Times New Roman" panose="02020603050405020304" pitchFamily="18" charset="0"/>
+              </a:rPr>
+              <a:t>Type</a:t>
+            </a:r>
+            <a:r>
+              <a:rPr lang="pt-PT" sz="1200" dirty="0">
+                <a:effectLst/>
+                <a:ea typeface="Times New Roman" panose="02020603050405020304" pitchFamily="18" charset="0"/>
+              </a:rPr>
+              <a:t> </a:t>
+            </a:r>
+            <a:r>
+              <a:rPr lang="pt-PT" sz="1200" dirty="0" err="1">
+                <a:effectLst/>
+                <a:ea typeface="Times New Roman" panose="02020603050405020304" pitchFamily="18" charset="0"/>
+              </a:rPr>
+              <a:t>Student</a:t>
+            </a:r>
+            <a:r>
+              <a:rPr lang="pt-PT" sz="1200" dirty="0">
+                <a:effectLst/>
+                <a:ea typeface="Times New Roman" panose="02020603050405020304" pitchFamily="18" charset="0"/>
+              </a:rPr>
+              <a:t> define a estrutura de um objeto de estudante.</a:t>
+            </a:r>
+            <a:endParaRPr lang="en-US" sz="1200" dirty="0">
+              <a:effectLst/>
+              <a:ea typeface="Times New Roman" panose="02020603050405020304" pitchFamily="18" charset="0"/>
+            </a:endParaRPr>
+          </a:p>
+          <a:p>
+            <a:pPr marL="342900" marR="0" lvl="0" indent="-342900">
+              <a:buFont typeface="Symbol" pitchFamily="2" charset="2"/>
+              <a:buChar char=""/>
+            </a:pPr>
+            <a:r>
+              <a:rPr lang="pt-PT" sz="1200" dirty="0">
+                <a:effectLst/>
+                <a:ea typeface="Times New Roman" panose="02020603050405020304" pitchFamily="18" charset="0"/>
+              </a:rPr>
+              <a:t>O símbolo ! indica que o campo é </a:t>
+            </a:r>
+            <a:r>
+              <a:rPr lang="pt-PT" sz="1200" b="1" dirty="0">
+                <a:effectLst/>
+                <a:ea typeface="Times New Roman" panose="02020603050405020304" pitchFamily="18" charset="0"/>
+              </a:rPr>
+              <a:t>obrigatório</a:t>
+            </a:r>
+            <a:r>
+              <a:rPr lang="pt-PT" sz="1200" dirty="0">
+                <a:effectLst/>
+                <a:ea typeface="Times New Roman" panose="02020603050405020304" pitchFamily="18" charset="0"/>
+              </a:rPr>
+              <a:t> (non-</a:t>
+            </a:r>
+            <a:r>
+              <a:rPr lang="pt-PT" sz="1200" dirty="0" err="1">
+                <a:effectLst/>
+                <a:ea typeface="Times New Roman" panose="02020603050405020304" pitchFamily="18" charset="0"/>
+              </a:rPr>
+              <a:t>nullable</a:t>
+            </a:r>
+            <a:r>
+              <a:rPr lang="pt-PT" sz="1200" dirty="0">
+                <a:effectLst/>
+                <a:ea typeface="Times New Roman" panose="02020603050405020304" pitchFamily="18" charset="0"/>
+              </a:rPr>
+              <a:t>).</a:t>
+            </a:r>
+            <a:endParaRPr lang="en-US" sz="1200" dirty="0">
+              <a:effectLst/>
+              <a:ea typeface="Times New Roman" panose="02020603050405020304" pitchFamily="18" charset="0"/>
+            </a:endParaRPr>
+          </a:p>
+          <a:p>
+            <a:pPr marL="342900" marR="0" lvl="0" indent="-342900">
+              <a:buFont typeface="Symbol" pitchFamily="2" charset="2"/>
+              <a:buChar char=""/>
+            </a:pPr>
+            <a:r>
+              <a:rPr lang="pt-PT" sz="1200" dirty="0">
+                <a:effectLst/>
+                <a:ea typeface="Times New Roman" panose="02020603050405020304" pitchFamily="18" charset="0"/>
+              </a:rPr>
+              <a:t>Campos sem ! são </a:t>
+            </a:r>
+            <a:r>
+              <a:rPr lang="pt-PT" sz="1200" b="1" dirty="0">
+                <a:effectLst/>
+                <a:ea typeface="Times New Roman" panose="02020603050405020304" pitchFamily="18" charset="0"/>
+              </a:rPr>
+              <a:t>opcionais</a:t>
+            </a:r>
+            <a:r>
+              <a:rPr lang="pt-PT" sz="1200" dirty="0">
+                <a:effectLst/>
+                <a:ea typeface="Times New Roman" panose="02020603050405020304" pitchFamily="18" charset="0"/>
+              </a:rPr>
+              <a:t>, como email e street.</a:t>
+            </a:r>
+            <a:endParaRPr lang="en-US" sz="1200" dirty="0">
+              <a:effectLst/>
+              <a:ea typeface="Times New Roman" panose="02020603050405020304" pitchFamily="18" charset="0"/>
+            </a:endParaRPr>
+          </a:p>
+          <a:p>
+            <a:pPr marL="0" indent="0" defTabSz="914400" eaLnBrk="0" fontAlgn="base" hangingPunct="0">
+              <a:spcBef>
+                <a:spcPct val="0"/>
+              </a:spcBef>
+              <a:spcAft>
+                <a:spcPct val="0"/>
+              </a:spcAft>
+              <a:buNone/>
+            </a:pPr>
+            <a:endParaRPr kumimoji="0" lang="pt-PT" altLang="en-US" sz="1200" b="0" i="0" u="none" strike="noStrike" cap="none" normalizeH="0" baseline="0" dirty="0">
+              <a:ln>
+                <a:noFill/>
+              </a:ln>
+              <a:solidFill>
+                <a:schemeClr val="tx1"/>
+              </a:solidFill>
+              <a:effectLst/>
+            </a:endParaRPr>
           </a:p>
         </p:txBody>
       </p:sp>
@@ -7287,4 +11807,319 @@
   </a:objectDefaults>
   <a:extraClrSchemeLst/>
 </a:theme>
+</file>
+
+<file path=ppt/theme/theme2.xml><?xml version="1.0" encoding="utf-8"?>
+<a:theme xmlns:a="http://schemas.openxmlformats.org/drawingml/2006/main" name="Office Theme">
+  <a:themeElements>
+    <a:clrScheme name="Office">
+      <a:dk1>
+        <a:sysClr val="windowText" lastClr="000000"/>
+      </a:dk1>
+      <a:lt1>
+        <a:sysClr val="window" lastClr="FFFFFF"/>
+      </a:lt1>
+      <a:dk2>
+        <a:srgbClr val="0E2841"/>
+      </a:dk2>
+      <a:lt2>
+        <a:srgbClr val="E8E8E8"/>
+      </a:lt2>
+      <a:accent1>
+        <a:srgbClr val="156082"/>
+      </a:accent1>
+      <a:accent2>
+        <a:srgbClr val="E97132"/>
+      </a:accent2>
+      <a:accent3>
+        <a:srgbClr val="196B24"/>
+      </a:accent3>
+      <a:accent4>
+        <a:srgbClr val="0F9ED5"/>
+      </a:accent4>
+      <a:accent5>
+        <a:srgbClr val="A02B93"/>
+      </a:accent5>
+      <a:accent6>
+        <a:srgbClr val="4EA72E"/>
+      </a:accent6>
+      <a:hlink>
+        <a:srgbClr val="467886"/>
+      </a:hlink>
+      <a:folHlink>
+        <a:srgbClr val="96607D"/>
+      </a:folHlink>
+    </a:clrScheme>
+    <a:fontScheme name="Office">
+      <a:majorFont>
+        <a:latin typeface="Aptos Display" panose="02110004020202020204"/>
+        <a:ea typeface=""/>
+        <a:cs typeface=""/>
+        <a:font script="Jpan" typeface="游ゴシック Light"/>
+        <a:font script="Hang" typeface="맑은 고딕"/>
+        <a:font script="Hans" typeface="等线 Light"/>
+        <a:font script="Hant" typeface="新細明體"/>
+        <a:font script="Arab" typeface="Times New Roman"/>
+        <a:font script="Hebr" typeface="Times New Roman"/>
+        <a:font script="Thai" typeface="Angsana New"/>
+        <a:font script="Ethi" typeface="Nyala"/>
+        <a:font script="Beng" typeface="Vrinda"/>
+        <a:font script="Gujr" typeface="Shruti"/>
+        <a:font script="Khmr" typeface="MoolBoran"/>
+        <a:font script="Knda" typeface="Tunga"/>
+        <a:font script="Guru" typeface="Raavi"/>
+        <a:font script="Cans" typeface="Euphemia"/>
+        <a:font script="Cher" typeface="Plantagenet Cherokee"/>
+        <a:font script="Yiii" typeface="Microsoft Yi Baiti"/>
+        <a:font script="Tibt" typeface="Microsoft Himalaya"/>
+        <a:font script="Thaa" typeface="MV Boli"/>
+        <a:font script="Deva" typeface="Mangal"/>
+        <a:font script="Telu" typeface="Gautami"/>
+        <a:font script="Taml" typeface="Latha"/>
+        <a:font script="Syrc" typeface="Estrangelo Edessa"/>
+        <a:font script="Orya" typeface="Kalinga"/>
+        <a:font script="Mlym" typeface="Kartika"/>
+        <a:font script="Laoo" typeface="DokChampa"/>
+        <a:font script="Sinh" typeface="Iskoola Pota"/>
+        <a:font script="Mong" typeface="Mongolian Baiti"/>
+        <a:font script="Viet" typeface="Times New Roman"/>
+        <a:font script="Uigh" typeface="Microsoft Uighur"/>
+        <a:font script="Geor" typeface="Sylfaen"/>
+        <a:font script="Armn" typeface="Arial"/>
+        <a:font script="Bugi" typeface="Leelawadee UI"/>
+        <a:font script="Bopo" typeface="Microsoft JhengHei"/>
+        <a:font script="Java" typeface="Javanese Text"/>
+        <a:font script="Lisu" typeface="Segoe UI"/>
+        <a:font script="Mymr" typeface="Myanmar Text"/>
+        <a:font script="Nkoo" typeface="Ebrima"/>
+        <a:font script="Olck" typeface="Nirmala UI"/>
+        <a:font script="Osma" typeface="Ebrima"/>
+        <a:font script="Phag" typeface="Phagspa"/>
+        <a:font script="Syrn" typeface="Estrangelo Edessa"/>
+        <a:font script="Syrj" typeface="Estrangelo Edessa"/>
+        <a:font script="Syre" typeface="Estrangelo Edessa"/>
+        <a:font script="Sora" typeface="Nirmala UI"/>
+        <a:font script="Tale" typeface="Microsoft Tai Le"/>
+        <a:font script="Talu" typeface="Microsoft New Tai Lue"/>
+        <a:font script="Tfng" typeface="Ebrima"/>
+      </a:majorFont>
+      <a:minorFont>
+        <a:latin typeface="Aptos" panose="02110004020202020204"/>
+        <a:ea typeface=""/>
+        <a:cs typeface=""/>
+        <a:font script="Jpan" typeface="游ゴシック"/>
+        <a:font script="Hang" typeface="맑은 고딕"/>
+        <a:font script="Hans" typeface="等线"/>
+        <a:font script="Hant" typeface="新細明體"/>
+        <a:font script="Arab" typeface="Arial"/>
+        <a:font script="Hebr" typeface="Arial"/>
+        <a:font script="Thai" typeface="Cordia New"/>
+        <a:font script="Ethi" typeface="Nyala"/>
+        <a:font script="Beng" typeface="Vrinda"/>
+        <a:font script="Gujr" typeface="Shruti"/>
+        <a:font script="Khmr" typeface="DaunPenh"/>
+        <a:font script="Knda" typeface="Tunga"/>
+        <a:font script="Guru" typeface="Raavi"/>
+        <a:font script="Cans" typeface="Euphemia"/>
+        <a:font script="Cher" typeface="Plantagenet Cherokee"/>
+        <a:font script="Yiii" typeface="Microsoft Yi Baiti"/>
+        <a:font script="Tibt" typeface="Microsoft Himalaya"/>
+        <a:font script="Thaa" typeface="MV Boli"/>
+        <a:font script="Deva" typeface="Mangal"/>
+        <a:font script="Telu" typeface="Gautami"/>
+        <a:font script="Taml" typeface="Latha"/>
+        <a:font script="Syrc" typeface="Estrangelo Edessa"/>
+        <a:font script="Orya" typeface="Kalinga"/>
+        <a:font script="Mlym" typeface="Kartika"/>
+        <a:font script="Laoo" typeface="DokChampa"/>
+        <a:font script="Sinh" typeface="Iskoola Pota"/>
+        <a:font script="Mong" typeface="Mongolian Baiti"/>
+        <a:font script="Viet" typeface="Arial"/>
+        <a:font script="Uigh" typeface="Microsoft Uighur"/>
+        <a:font script="Geor" typeface="Sylfaen"/>
+        <a:font script="Armn" typeface="Arial"/>
+        <a:font script="Bugi" typeface="Leelawadee UI"/>
+        <a:font script="Bopo" typeface="Microsoft JhengHei"/>
+        <a:font script="Java" typeface="Javanese Text"/>
+        <a:font script="Lisu" typeface="Segoe UI"/>
+        <a:font script="Mymr" typeface="Myanmar Text"/>
+        <a:font script="Nkoo" typeface="Ebrima"/>
+        <a:font script="Olck" typeface="Nirmala UI"/>
+        <a:font script="Osma" typeface="Ebrima"/>
+        <a:font script="Phag" typeface="Phagspa"/>
+        <a:font script="Syrn" typeface="Estrangelo Edessa"/>
+        <a:font script="Syrj" typeface="Estrangelo Edessa"/>
+        <a:font script="Syre" typeface="Estrangelo Edessa"/>
+        <a:font script="Sora" typeface="Nirmala UI"/>
+        <a:font script="Tale" typeface="Microsoft Tai Le"/>
+        <a:font script="Talu" typeface="Microsoft New Tai Lue"/>
+        <a:font script="Tfng" typeface="Ebrima"/>
+      </a:minorFont>
+    </a:fontScheme>
+    <a:fmtScheme name="Office">
+      <a:fillStyleLst>
+        <a:solidFill>
+          <a:schemeClr val="phClr"/>
+        </a:solidFill>
+        <a:gradFill rotWithShape="1">
+          <a:gsLst>
+            <a:gs pos="0">
+              <a:schemeClr val="phClr">
+                <a:lumMod val="110000"/>
+                <a:satMod val="105000"/>
+                <a:tint val="67000"/>
+              </a:schemeClr>
+            </a:gs>
+            <a:gs pos="50000">
+              <a:schemeClr val="phClr">
+                <a:lumMod val="105000"/>
+                <a:satMod val="103000"/>
+                <a:tint val="73000"/>
+              </a:schemeClr>
+            </a:gs>
+            <a:gs pos="100000">
+              <a:schemeClr val="phClr">
+                <a:lumMod val="105000"/>
+                <a:satMod val="109000"/>
+                <a:tint val="81000"/>
+              </a:schemeClr>
+            </a:gs>
+          </a:gsLst>
+          <a:lin ang="5400000" scaled="0"/>
+        </a:gradFill>
+        <a:gradFill rotWithShape="1">
+          <a:gsLst>
+            <a:gs pos="0">
+              <a:schemeClr val="phClr">
+                <a:satMod val="103000"/>
+                <a:lumMod val="102000"/>
+                <a:tint val="94000"/>
+              </a:schemeClr>
+            </a:gs>
+            <a:gs pos="50000">
+              <a:schemeClr val="phClr">
+                <a:satMod val="110000"/>
+                <a:lumMod val="100000"/>
+                <a:shade val="100000"/>
+              </a:schemeClr>
+            </a:gs>
+            <a:gs pos="100000">
+              <a:schemeClr val="phClr">
+                <a:lumMod val="99000"/>
+                <a:satMod val="120000"/>
+                <a:shade val="78000"/>
+              </a:schemeClr>
+            </a:gs>
+          </a:gsLst>
+          <a:lin ang="5400000" scaled="0"/>
+        </a:gradFill>
+      </a:fillStyleLst>
+      <a:lnStyleLst>
+        <a:ln w="12700" cap="flat" cmpd="sng" algn="ctr">
+          <a:solidFill>
+            <a:schemeClr val="phClr"/>
+          </a:solidFill>
+          <a:prstDash val="solid"/>
+          <a:miter lim="800000"/>
+        </a:ln>
+        <a:ln w="19050" cap="flat" cmpd="sng" algn="ctr">
+          <a:solidFill>
+            <a:schemeClr val="phClr"/>
+          </a:solidFill>
+          <a:prstDash val="solid"/>
+          <a:miter lim="800000"/>
+        </a:ln>
+        <a:ln w="25400" cap="flat" cmpd="sng" algn="ctr">
+          <a:solidFill>
+            <a:schemeClr val="phClr"/>
+          </a:solidFill>
+          <a:prstDash val="solid"/>
+          <a:miter lim="800000"/>
+        </a:ln>
+      </a:lnStyleLst>
+      <a:effectStyleLst>
+        <a:effectStyle>
+          <a:effectLst/>
+        </a:effectStyle>
+        <a:effectStyle>
+          <a:effectLst/>
+        </a:effectStyle>
+        <a:effectStyle>
+          <a:effectLst>
+            <a:outerShdw blurRad="57150" dist="19050" dir="5400000" algn="ctr" rotWithShape="0">
+              <a:srgbClr val="000000">
+                <a:alpha val="63000"/>
+              </a:srgbClr>
+            </a:outerShdw>
+          </a:effectLst>
+        </a:effectStyle>
+      </a:effectStyleLst>
+      <a:bgFillStyleLst>
+        <a:solidFill>
+          <a:schemeClr val="phClr"/>
+        </a:solidFill>
+        <a:solidFill>
+          <a:schemeClr val="phClr">
+            <a:tint val="95000"/>
+            <a:satMod val="170000"/>
+          </a:schemeClr>
+        </a:solidFill>
+        <a:gradFill rotWithShape="1">
+          <a:gsLst>
+            <a:gs pos="0">
+              <a:schemeClr val="phClr">
+                <a:tint val="93000"/>
+                <a:satMod val="150000"/>
+                <a:shade val="98000"/>
+                <a:lumMod val="102000"/>
+              </a:schemeClr>
+            </a:gs>
+            <a:gs pos="50000">
+              <a:schemeClr val="phClr">
+                <a:tint val="98000"/>
+                <a:satMod val="130000"/>
+                <a:shade val="90000"/>
+                <a:lumMod val="103000"/>
+              </a:schemeClr>
+            </a:gs>
+            <a:gs pos="100000">
+              <a:schemeClr val="phClr">
+                <a:shade val="63000"/>
+                <a:satMod val="120000"/>
+              </a:schemeClr>
+            </a:gs>
+          </a:gsLst>
+          <a:lin ang="5400000" scaled="0"/>
+        </a:gradFill>
+      </a:bgFillStyleLst>
+    </a:fmtScheme>
+  </a:themeElements>
+  <a:objectDefaults>
+    <a:lnDef>
+      <a:spPr/>
+      <a:bodyPr/>
+      <a:lstStyle/>
+      <a:style>
+        <a:lnRef idx="2">
+          <a:schemeClr val="accent1"/>
+        </a:lnRef>
+        <a:fillRef idx="0">
+          <a:schemeClr val="accent1"/>
+        </a:fillRef>
+        <a:effectRef idx="1">
+          <a:schemeClr val="accent1"/>
+        </a:effectRef>
+        <a:fontRef idx="minor">
+          <a:schemeClr val="tx1"/>
+        </a:fontRef>
+      </a:style>
+    </a:lnDef>
+  </a:objectDefaults>
+  <a:extraClrSchemeLst/>
+  <a:extLst>
+    <a:ext uri="{05A4C25C-085E-4340-85A3-A5531E510DB2}">
+      <thm15:themeFamily xmlns:thm15="http://schemas.microsoft.com/office/thememl/2012/main" name="Office Theme" id="{2E142A2C-CD16-42D6-873A-C26D2A0506FA}" vid="{1BDDFF52-6CD6-40A5-AB3C-68EB2F1E4D0A}"/>
+    </a:ext>
+  </a:extLst>
+</a:theme>
 </file>